--- a/slides/PDC_FinalProject.pptx
+++ b/slides/PDC_FinalProject.pptx
@@ -25,7 +25,7 @@
     <p:sldId id="274" r:id="rId19"/>
     <p:sldId id="276" r:id="rId20"/>
     <p:sldId id="277" r:id="rId21"/>
-    <p:sldId id="278" r:id="rId22"/>
+    <p:sldId id="285" r:id="rId22"/>
     <p:sldId id="279" r:id="rId23"/>
     <p:sldId id="280" r:id="rId24"/>
     <p:sldId id="281" r:id="rId25"/>
@@ -28652,8 +28652,37 @@
                   <a:schemeClr val="bg1"/>
                 </a:solidFill>
               </a:rPr>
-              <a:t>Submitted To: Sir. Adil</a:t>
+              <a:t>Submitted To: Sir. Aadil </a:t>
             </a:r>
+            <a:r>
+              <a:rPr lang="en-US" dirty="0" err="1">
+                <a:solidFill>
+                  <a:schemeClr val="bg1"/>
+                </a:solidFill>
+              </a:rPr>
+              <a:t>ur</a:t>
+            </a:r>
+            <a:r>
+              <a:rPr lang="en-US" dirty="0">
+                <a:solidFill>
+                  <a:schemeClr val="bg1"/>
+                </a:solidFill>
+              </a:rPr>
+              <a:t> </a:t>
+            </a:r>
+            <a:r>
+              <a:rPr lang="en-US" dirty="0" err="1">
+                <a:solidFill>
+                  <a:schemeClr val="bg1"/>
+                </a:solidFill>
+              </a:rPr>
+              <a:t>rehman</a:t>
+            </a:r>
+            <a:endParaRPr lang="en-US" dirty="0">
+              <a:solidFill>
+                <a:schemeClr val="bg1"/>
+              </a:solidFill>
+            </a:endParaRPr>
           </a:p>
           <a:p>
             <a:endParaRPr lang="en-PK" dirty="0">
@@ -29312,6 +29341,348 @@
   <p:clrMapOvr>
     <a:masterClrMapping/>
   </p:clrMapOvr>
+  <p:timing>
+    <p:tnLst>
+      <p:par>
+        <p:cTn id="1" dur="indefinite" restart="never" nodeType="tmRoot">
+          <p:childTnLst>
+            <p:seq concurrent="1" nextAc="seek">
+              <p:cTn id="2" dur="indefinite" nodeType="mainSeq">
+                <p:childTnLst>
+                  <p:par>
+                    <p:cTn id="3" fill="hold">
+                      <p:stCondLst>
+                        <p:cond delay="indefinite"/>
+                      </p:stCondLst>
+                      <p:childTnLst>
+                        <p:par>
+                          <p:cTn id="4" fill="hold">
+                            <p:stCondLst>
+                              <p:cond delay="0"/>
+                            </p:stCondLst>
+                            <p:childTnLst>
+                              <p:par>
+                                <p:cTn id="5" presetID="2" presetClass="entr" presetSubtype="4" fill="hold" grpId="0" nodeType="clickEffect">
+                                  <p:stCondLst>
+                                    <p:cond delay="0"/>
+                                  </p:stCondLst>
+                                  <p:childTnLst>
+                                    <p:set>
+                                      <p:cBhvr>
+                                        <p:cTn id="6" dur="1" fill="hold">
+                                          <p:stCondLst>
+                                            <p:cond delay="0"/>
+                                          </p:stCondLst>
+                                        </p:cTn>
+                                        <p:tgtEl>
+                                          <p:spTgt spid="6">
+                                            <p:txEl>
+                                              <p:pRg st="0" end="0"/>
+                                            </p:txEl>
+                                          </p:spTgt>
+                                        </p:tgtEl>
+                                        <p:attrNameLst>
+                                          <p:attrName>style.visibility</p:attrName>
+                                        </p:attrNameLst>
+                                      </p:cBhvr>
+                                      <p:to>
+                                        <p:strVal val="visible"/>
+                                      </p:to>
+                                    </p:set>
+                                    <p:anim calcmode="lin" valueType="num">
+                                      <p:cBhvr additive="base">
+                                        <p:cTn id="7" dur="500" fill="hold"/>
+                                        <p:tgtEl>
+                                          <p:spTgt spid="6">
+                                            <p:txEl>
+                                              <p:pRg st="0" end="0"/>
+                                            </p:txEl>
+                                          </p:spTgt>
+                                        </p:tgtEl>
+                                        <p:attrNameLst>
+                                          <p:attrName>ppt_x</p:attrName>
+                                        </p:attrNameLst>
+                                      </p:cBhvr>
+                                      <p:tavLst>
+                                        <p:tav tm="0">
+                                          <p:val>
+                                            <p:strVal val="#ppt_x"/>
+                                          </p:val>
+                                        </p:tav>
+                                        <p:tav tm="100000">
+                                          <p:val>
+                                            <p:strVal val="#ppt_x"/>
+                                          </p:val>
+                                        </p:tav>
+                                      </p:tavLst>
+                                    </p:anim>
+                                    <p:anim calcmode="lin" valueType="num">
+                                      <p:cBhvr additive="base">
+                                        <p:cTn id="8" dur="500" fill="hold"/>
+                                        <p:tgtEl>
+                                          <p:spTgt spid="6">
+                                            <p:txEl>
+                                              <p:pRg st="0" end="0"/>
+                                            </p:txEl>
+                                          </p:spTgt>
+                                        </p:tgtEl>
+                                        <p:attrNameLst>
+                                          <p:attrName>ppt_y</p:attrName>
+                                        </p:attrNameLst>
+                                      </p:cBhvr>
+                                      <p:tavLst>
+                                        <p:tav tm="0">
+                                          <p:val>
+                                            <p:strVal val="1+#ppt_h/2"/>
+                                          </p:val>
+                                        </p:tav>
+                                        <p:tav tm="100000">
+                                          <p:val>
+                                            <p:strVal val="#ppt_y"/>
+                                          </p:val>
+                                        </p:tav>
+                                      </p:tavLst>
+                                    </p:anim>
+                                  </p:childTnLst>
+                                </p:cTn>
+                              </p:par>
+                            </p:childTnLst>
+                          </p:cTn>
+                        </p:par>
+                      </p:childTnLst>
+                    </p:cTn>
+                  </p:par>
+                  <p:par>
+                    <p:cTn id="9" fill="hold">
+                      <p:stCondLst>
+                        <p:cond delay="indefinite"/>
+                      </p:stCondLst>
+                      <p:childTnLst>
+                        <p:par>
+                          <p:cTn id="10" fill="hold">
+                            <p:stCondLst>
+                              <p:cond delay="0"/>
+                            </p:stCondLst>
+                            <p:childTnLst>
+                              <p:par>
+                                <p:cTn id="11" presetID="2" presetClass="entr" presetSubtype="4" fill="hold" grpId="0" nodeType="clickEffect">
+                                  <p:stCondLst>
+                                    <p:cond delay="0"/>
+                                  </p:stCondLst>
+                                  <p:childTnLst>
+                                    <p:set>
+                                      <p:cBhvr>
+                                        <p:cTn id="12" dur="1" fill="hold">
+                                          <p:stCondLst>
+                                            <p:cond delay="0"/>
+                                          </p:stCondLst>
+                                        </p:cTn>
+                                        <p:tgtEl>
+                                          <p:spTgt spid="6">
+                                            <p:txEl>
+                                              <p:pRg st="2" end="2"/>
+                                            </p:txEl>
+                                          </p:spTgt>
+                                        </p:tgtEl>
+                                        <p:attrNameLst>
+                                          <p:attrName>style.visibility</p:attrName>
+                                        </p:attrNameLst>
+                                      </p:cBhvr>
+                                      <p:to>
+                                        <p:strVal val="visible"/>
+                                      </p:to>
+                                    </p:set>
+                                    <p:anim calcmode="lin" valueType="num">
+                                      <p:cBhvr additive="base">
+                                        <p:cTn id="13" dur="500" fill="hold"/>
+                                        <p:tgtEl>
+                                          <p:spTgt spid="6">
+                                            <p:txEl>
+                                              <p:pRg st="2" end="2"/>
+                                            </p:txEl>
+                                          </p:spTgt>
+                                        </p:tgtEl>
+                                        <p:attrNameLst>
+                                          <p:attrName>ppt_x</p:attrName>
+                                        </p:attrNameLst>
+                                      </p:cBhvr>
+                                      <p:tavLst>
+                                        <p:tav tm="0">
+                                          <p:val>
+                                            <p:strVal val="#ppt_x"/>
+                                          </p:val>
+                                        </p:tav>
+                                        <p:tav tm="100000">
+                                          <p:val>
+                                            <p:strVal val="#ppt_x"/>
+                                          </p:val>
+                                        </p:tav>
+                                      </p:tavLst>
+                                    </p:anim>
+                                    <p:anim calcmode="lin" valueType="num">
+                                      <p:cBhvr additive="base">
+                                        <p:cTn id="14" dur="500" fill="hold"/>
+                                        <p:tgtEl>
+                                          <p:spTgt spid="6">
+                                            <p:txEl>
+                                              <p:pRg st="2" end="2"/>
+                                            </p:txEl>
+                                          </p:spTgt>
+                                        </p:tgtEl>
+                                        <p:attrNameLst>
+                                          <p:attrName>ppt_y</p:attrName>
+                                        </p:attrNameLst>
+                                      </p:cBhvr>
+                                      <p:tavLst>
+                                        <p:tav tm="0">
+                                          <p:val>
+                                            <p:strVal val="1+#ppt_h/2"/>
+                                          </p:val>
+                                        </p:tav>
+                                        <p:tav tm="100000">
+                                          <p:val>
+                                            <p:strVal val="#ppt_y"/>
+                                          </p:val>
+                                        </p:tav>
+                                      </p:tavLst>
+                                    </p:anim>
+                                  </p:childTnLst>
+                                </p:cTn>
+                              </p:par>
+                            </p:childTnLst>
+                          </p:cTn>
+                        </p:par>
+                      </p:childTnLst>
+                    </p:cTn>
+                  </p:par>
+                  <p:par>
+                    <p:cTn id="15" fill="hold">
+                      <p:stCondLst>
+                        <p:cond delay="indefinite"/>
+                      </p:stCondLst>
+                      <p:childTnLst>
+                        <p:par>
+                          <p:cTn id="16" fill="hold">
+                            <p:stCondLst>
+                              <p:cond delay="0"/>
+                            </p:stCondLst>
+                            <p:childTnLst>
+                              <p:par>
+                                <p:cTn id="17" presetID="2" presetClass="entr" presetSubtype="4" fill="hold" grpId="0" nodeType="clickEffect">
+                                  <p:stCondLst>
+                                    <p:cond delay="0"/>
+                                  </p:stCondLst>
+                                  <p:childTnLst>
+                                    <p:set>
+                                      <p:cBhvr>
+                                        <p:cTn id="18" dur="1" fill="hold">
+                                          <p:stCondLst>
+                                            <p:cond delay="0"/>
+                                          </p:stCondLst>
+                                        </p:cTn>
+                                        <p:tgtEl>
+                                          <p:spTgt spid="6">
+                                            <p:txEl>
+                                              <p:pRg st="4" end="4"/>
+                                            </p:txEl>
+                                          </p:spTgt>
+                                        </p:tgtEl>
+                                        <p:attrNameLst>
+                                          <p:attrName>style.visibility</p:attrName>
+                                        </p:attrNameLst>
+                                      </p:cBhvr>
+                                      <p:to>
+                                        <p:strVal val="visible"/>
+                                      </p:to>
+                                    </p:set>
+                                    <p:anim calcmode="lin" valueType="num">
+                                      <p:cBhvr additive="base">
+                                        <p:cTn id="19" dur="500" fill="hold"/>
+                                        <p:tgtEl>
+                                          <p:spTgt spid="6">
+                                            <p:txEl>
+                                              <p:pRg st="4" end="4"/>
+                                            </p:txEl>
+                                          </p:spTgt>
+                                        </p:tgtEl>
+                                        <p:attrNameLst>
+                                          <p:attrName>ppt_x</p:attrName>
+                                        </p:attrNameLst>
+                                      </p:cBhvr>
+                                      <p:tavLst>
+                                        <p:tav tm="0">
+                                          <p:val>
+                                            <p:strVal val="#ppt_x"/>
+                                          </p:val>
+                                        </p:tav>
+                                        <p:tav tm="100000">
+                                          <p:val>
+                                            <p:strVal val="#ppt_x"/>
+                                          </p:val>
+                                        </p:tav>
+                                      </p:tavLst>
+                                    </p:anim>
+                                    <p:anim calcmode="lin" valueType="num">
+                                      <p:cBhvr additive="base">
+                                        <p:cTn id="20" dur="500" fill="hold"/>
+                                        <p:tgtEl>
+                                          <p:spTgt spid="6">
+                                            <p:txEl>
+                                              <p:pRg st="4" end="4"/>
+                                            </p:txEl>
+                                          </p:spTgt>
+                                        </p:tgtEl>
+                                        <p:attrNameLst>
+                                          <p:attrName>ppt_y</p:attrName>
+                                        </p:attrNameLst>
+                                      </p:cBhvr>
+                                      <p:tavLst>
+                                        <p:tav tm="0">
+                                          <p:val>
+                                            <p:strVal val="1+#ppt_h/2"/>
+                                          </p:val>
+                                        </p:tav>
+                                        <p:tav tm="100000">
+                                          <p:val>
+                                            <p:strVal val="#ppt_y"/>
+                                          </p:val>
+                                        </p:tav>
+                                      </p:tavLst>
+                                    </p:anim>
+                                  </p:childTnLst>
+                                </p:cTn>
+                              </p:par>
+                            </p:childTnLst>
+                          </p:cTn>
+                        </p:par>
+                      </p:childTnLst>
+                    </p:cTn>
+                  </p:par>
+                </p:childTnLst>
+              </p:cTn>
+              <p:prevCondLst>
+                <p:cond evt="onPrev" delay="0">
+                  <p:tgtEl>
+                    <p:sldTgt/>
+                  </p:tgtEl>
+                </p:cond>
+              </p:prevCondLst>
+              <p:nextCondLst>
+                <p:cond evt="onNext" delay="0">
+                  <p:tgtEl>
+                    <p:sldTgt/>
+                  </p:tgtEl>
+                </p:cond>
+              </p:nextCondLst>
+            </p:seq>
+          </p:childTnLst>
+        </p:cTn>
+      </p:par>
+    </p:tnLst>
+    <p:bldLst>
+      <p:bldP spid="6" grpId="0" build="p"/>
+    </p:bldLst>
+  </p:timing>
 </p:sld>
 </file>
 
@@ -29385,19 +29756,17 @@
       </p:sp>
       <p:pic>
         <p:nvPicPr>
-          <p:cNvPr id="5" name="Content Placeholder 4">
+          <p:cNvPr id="7" name="Picture 6">
             <a:extLst>
               <a:ext uri="{FF2B5EF4-FFF2-40B4-BE49-F238E27FC236}">
-                <a16:creationId xmlns:a16="http://schemas.microsoft.com/office/drawing/2014/main" id="{0C016109-C025-097A-EC66-580FB784F79B}"/>
+                <a16:creationId xmlns:a16="http://schemas.microsoft.com/office/drawing/2014/main" id="{59B8103E-F7BE-A178-BA4F-574FDCD12424}"/>
               </a:ext>
             </a:extLst>
           </p:cNvPr>
           <p:cNvPicPr>
-            <a:picLocks noGrp="1" noChangeAspect="1"/>
+            <a:picLocks noChangeAspect="1"/>
           </p:cNvPicPr>
-          <p:nvPr>
-            <p:ph idx="1"/>
-          </p:nvPr>
+          <p:nvPr/>
         </p:nvPicPr>
         <p:blipFill>
           <a:blip r:embed="rId2"/>
@@ -29407,13 +29776,12 @@
         </p:blipFill>
         <p:spPr>
           <a:xfrm>
-            <a:off x="1281684" y="2411308"/>
-            <a:ext cx="9628632" cy="3178383"/>
+            <a:off x="1214542" y="2539232"/>
+            <a:ext cx="9762915" cy="3211315"/>
           </a:xfrm>
           <a:prstGeom prst="rect">
             <a:avLst/>
           </a:prstGeom>
-          <a:effectLst/>
         </p:spPr>
       </p:pic>
     </p:spTree>
@@ -29505,10 +29873,10 @@
       </p:sp>
       <p:pic>
         <p:nvPicPr>
-          <p:cNvPr id="4" name="Picture 3">
+          <p:cNvPr id="5" name="Picture 4">
             <a:extLst>
               <a:ext uri="{FF2B5EF4-FFF2-40B4-BE49-F238E27FC236}">
-                <a16:creationId xmlns:a16="http://schemas.microsoft.com/office/drawing/2014/main" id="{C1E567EF-54B3-2C1A-AB3F-72CE6DC45883}"/>
+                <a16:creationId xmlns:a16="http://schemas.microsoft.com/office/drawing/2014/main" id="{D1D28AB6-B785-C216-8FD6-AE57B80B33B7}"/>
               </a:ext>
             </a:extLst>
           </p:cNvPr>
@@ -29525,13 +29893,12 @@
         </p:blipFill>
         <p:spPr>
           <a:xfrm>
-            <a:off x="1633896" y="2538603"/>
-            <a:ext cx="8924207" cy="3666744"/>
+            <a:off x="1851422" y="2768756"/>
+            <a:ext cx="8489155" cy="3436591"/>
           </a:xfrm>
           <a:prstGeom prst="rect">
             <a:avLst/>
           </a:prstGeom>
-          <a:effectLst/>
         </p:spPr>
       </p:pic>
     </p:spTree>
@@ -30134,6 +30501,863 @@
   <p:clrMapOvr>
     <a:masterClrMapping/>
   </p:clrMapOvr>
+  <p:timing>
+    <p:tnLst>
+      <p:par>
+        <p:cTn id="1" dur="indefinite" restart="never" nodeType="tmRoot">
+          <p:childTnLst>
+            <p:seq concurrent="1" nextAc="seek">
+              <p:cTn id="2" dur="indefinite" nodeType="mainSeq">
+                <p:childTnLst>
+                  <p:par>
+                    <p:cTn id="3" fill="hold">
+                      <p:stCondLst>
+                        <p:cond delay="indefinite"/>
+                      </p:stCondLst>
+                      <p:childTnLst>
+                        <p:par>
+                          <p:cTn id="4" fill="hold">
+                            <p:stCondLst>
+                              <p:cond delay="0"/>
+                            </p:stCondLst>
+                            <p:childTnLst>
+                              <p:par>
+                                <p:cTn id="5" presetID="2" presetClass="entr" presetSubtype="4" fill="hold" grpId="0" nodeType="clickEffect">
+                                  <p:stCondLst>
+                                    <p:cond delay="0"/>
+                                  </p:stCondLst>
+                                  <p:childTnLst>
+                                    <p:set>
+                                      <p:cBhvr>
+                                        <p:cTn id="6" dur="1" fill="hold">
+                                          <p:stCondLst>
+                                            <p:cond delay="0"/>
+                                          </p:stCondLst>
+                                        </p:cTn>
+                                        <p:tgtEl>
+                                          <p:spTgt spid="3">
+                                            <p:txEl>
+                                              <p:pRg st="0" end="0"/>
+                                            </p:txEl>
+                                          </p:spTgt>
+                                        </p:tgtEl>
+                                        <p:attrNameLst>
+                                          <p:attrName>style.visibility</p:attrName>
+                                        </p:attrNameLst>
+                                      </p:cBhvr>
+                                      <p:to>
+                                        <p:strVal val="visible"/>
+                                      </p:to>
+                                    </p:set>
+                                    <p:anim calcmode="lin" valueType="num">
+                                      <p:cBhvr additive="base">
+                                        <p:cTn id="7" dur="500" fill="hold"/>
+                                        <p:tgtEl>
+                                          <p:spTgt spid="3">
+                                            <p:txEl>
+                                              <p:pRg st="0" end="0"/>
+                                            </p:txEl>
+                                          </p:spTgt>
+                                        </p:tgtEl>
+                                        <p:attrNameLst>
+                                          <p:attrName>ppt_x</p:attrName>
+                                        </p:attrNameLst>
+                                      </p:cBhvr>
+                                      <p:tavLst>
+                                        <p:tav tm="0">
+                                          <p:val>
+                                            <p:strVal val="#ppt_x"/>
+                                          </p:val>
+                                        </p:tav>
+                                        <p:tav tm="100000">
+                                          <p:val>
+                                            <p:strVal val="#ppt_x"/>
+                                          </p:val>
+                                        </p:tav>
+                                      </p:tavLst>
+                                    </p:anim>
+                                    <p:anim calcmode="lin" valueType="num">
+                                      <p:cBhvr additive="base">
+                                        <p:cTn id="8" dur="500" fill="hold"/>
+                                        <p:tgtEl>
+                                          <p:spTgt spid="3">
+                                            <p:txEl>
+                                              <p:pRg st="0" end="0"/>
+                                            </p:txEl>
+                                          </p:spTgt>
+                                        </p:tgtEl>
+                                        <p:attrNameLst>
+                                          <p:attrName>ppt_y</p:attrName>
+                                        </p:attrNameLst>
+                                      </p:cBhvr>
+                                      <p:tavLst>
+                                        <p:tav tm="0">
+                                          <p:val>
+                                            <p:strVal val="1+#ppt_h/2"/>
+                                          </p:val>
+                                        </p:tav>
+                                        <p:tav tm="100000">
+                                          <p:val>
+                                            <p:strVal val="#ppt_y"/>
+                                          </p:val>
+                                        </p:tav>
+                                      </p:tavLst>
+                                    </p:anim>
+                                  </p:childTnLst>
+                                </p:cTn>
+                              </p:par>
+                            </p:childTnLst>
+                          </p:cTn>
+                        </p:par>
+                      </p:childTnLst>
+                    </p:cTn>
+                  </p:par>
+                  <p:par>
+                    <p:cTn id="9" fill="hold">
+                      <p:stCondLst>
+                        <p:cond delay="indefinite"/>
+                      </p:stCondLst>
+                      <p:childTnLst>
+                        <p:par>
+                          <p:cTn id="10" fill="hold">
+                            <p:stCondLst>
+                              <p:cond delay="0"/>
+                            </p:stCondLst>
+                            <p:childTnLst>
+                              <p:par>
+                                <p:cTn id="11" presetID="2" presetClass="entr" presetSubtype="4" fill="hold" grpId="0" nodeType="clickEffect">
+                                  <p:stCondLst>
+                                    <p:cond delay="0"/>
+                                  </p:stCondLst>
+                                  <p:childTnLst>
+                                    <p:set>
+                                      <p:cBhvr>
+                                        <p:cTn id="12" dur="1" fill="hold">
+                                          <p:stCondLst>
+                                            <p:cond delay="0"/>
+                                          </p:stCondLst>
+                                        </p:cTn>
+                                        <p:tgtEl>
+                                          <p:spTgt spid="3">
+                                            <p:txEl>
+                                              <p:pRg st="1" end="1"/>
+                                            </p:txEl>
+                                          </p:spTgt>
+                                        </p:tgtEl>
+                                        <p:attrNameLst>
+                                          <p:attrName>style.visibility</p:attrName>
+                                        </p:attrNameLst>
+                                      </p:cBhvr>
+                                      <p:to>
+                                        <p:strVal val="visible"/>
+                                      </p:to>
+                                    </p:set>
+                                    <p:anim calcmode="lin" valueType="num">
+                                      <p:cBhvr additive="base">
+                                        <p:cTn id="13" dur="500" fill="hold"/>
+                                        <p:tgtEl>
+                                          <p:spTgt spid="3">
+                                            <p:txEl>
+                                              <p:pRg st="1" end="1"/>
+                                            </p:txEl>
+                                          </p:spTgt>
+                                        </p:tgtEl>
+                                        <p:attrNameLst>
+                                          <p:attrName>ppt_x</p:attrName>
+                                        </p:attrNameLst>
+                                      </p:cBhvr>
+                                      <p:tavLst>
+                                        <p:tav tm="0">
+                                          <p:val>
+                                            <p:strVal val="#ppt_x"/>
+                                          </p:val>
+                                        </p:tav>
+                                        <p:tav tm="100000">
+                                          <p:val>
+                                            <p:strVal val="#ppt_x"/>
+                                          </p:val>
+                                        </p:tav>
+                                      </p:tavLst>
+                                    </p:anim>
+                                    <p:anim calcmode="lin" valueType="num">
+                                      <p:cBhvr additive="base">
+                                        <p:cTn id="14" dur="500" fill="hold"/>
+                                        <p:tgtEl>
+                                          <p:spTgt spid="3">
+                                            <p:txEl>
+                                              <p:pRg st="1" end="1"/>
+                                            </p:txEl>
+                                          </p:spTgt>
+                                        </p:tgtEl>
+                                        <p:attrNameLst>
+                                          <p:attrName>ppt_y</p:attrName>
+                                        </p:attrNameLst>
+                                      </p:cBhvr>
+                                      <p:tavLst>
+                                        <p:tav tm="0">
+                                          <p:val>
+                                            <p:strVal val="1+#ppt_h/2"/>
+                                          </p:val>
+                                        </p:tav>
+                                        <p:tav tm="100000">
+                                          <p:val>
+                                            <p:strVal val="#ppt_y"/>
+                                          </p:val>
+                                        </p:tav>
+                                      </p:tavLst>
+                                    </p:anim>
+                                  </p:childTnLst>
+                                </p:cTn>
+                              </p:par>
+                            </p:childTnLst>
+                          </p:cTn>
+                        </p:par>
+                      </p:childTnLst>
+                    </p:cTn>
+                  </p:par>
+                  <p:par>
+                    <p:cTn id="15" fill="hold">
+                      <p:stCondLst>
+                        <p:cond delay="indefinite"/>
+                      </p:stCondLst>
+                      <p:childTnLst>
+                        <p:par>
+                          <p:cTn id="16" fill="hold">
+                            <p:stCondLst>
+                              <p:cond delay="0"/>
+                            </p:stCondLst>
+                            <p:childTnLst>
+                              <p:par>
+                                <p:cTn id="17" presetID="2" presetClass="entr" presetSubtype="4" fill="hold" grpId="0" nodeType="clickEffect">
+                                  <p:stCondLst>
+                                    <p:cond delay="0"/>
+                                  </p:stCondLst>
+                                  <p:childTnLst>
+                                    <p:set>
+                                      <p:cBhvr>
+                                        <p:cTn id="18" dur="1" fill="hold">
+                                          <p:stCondLst>
+                                            <p:cond delay="0"/>
+                                          </p:stCondLst>
+                                        </p:cTn>
+                                        <p:tgtEl>
+                                          <p:spTgt spid="3">
+                                            <p:txEl>
+                                              <p:pRg st="2" end="2"/>
+                                            </p:txEl>
+                                          </p:spTgt>
+                                        </p:tgtEl>
+                                        <p:attrNameLst>
+                                          <p:attrName>style.visibility</p:attrName>
+                                        </p:attrNameLst>
+                                      </p:cBhvr>
+                                      <p:to>
+                                        <p:strVal val="visible"/>
+                                      </p:to>
+                                    </p:set>
+                                    <p:anim calcmode="lin" valueType="num">
+                                      <p:cBhvr additive="base">
+                                        <p:cTn id="19" dur="500" fill="hold"/>
+                                        <p:tgtEl>
+                                          <p:spTgt spid="3">
+                                            <p:txEl>
+                                              <p:pRg st="2" end="2"/>
+                                            </p:txEl>
+                                          </p:spTgt>
+                                        </p:tgtEl>
+                                        <p:attrNameLst>
+                                          <p:attrName>ppt_x</p:attrName>
+                                        </p:attrNameLst>
+                                      </p:cBhvr>
+                                      <p:tavLst>
+                                        <p:tav tm="0">
+                                          <p:val>
+                                            <p:strVal val="#ppt_x"/>
+                                          </p:val>
+                                        </p:tav>
+                                        <p:tav tm="100000">
+                                          <p:val>
+                                            <p:strVal val="#ppt_x"/>
+                                          </p:val>
+                                        </p:tav>
+                                      </p:tavLst>
+                                    </p:anim>
+                                    <p:anim calcmode="lin" valueType="num">
+                                      <p:cBhvr additive="base">
+                                        <p:cTn id="20" dur="500" fill="hold"/>
+                                        <p:tgtEl>
+                                          <p:spTgt spid="3">
+                                            <p:txEl>
+                                              <p:pRg st="2" end="2"/>
+                                            </p:txEl>
+                                          </p:spTgt>
+                                        </p:tgtEl>
+                                        <p:attrNameLst>
+                                          <p:attrName>ppt_y</p:attrName>
+                                        </p:attrNameLst>
+                                      </p:cBhvr>
+                                      <p:tavLst>
+                                        <p:tav tm="0">
+                                          <p:val>
+                                            <p:strVal val="1+#ppt_h/2"/>
+                                          </p:val>
+                                        </p:tav>
+                                        <p:tav tm="100000">
+                                          <p:val>
+                                            <p:strVal val="#ppt_y"/>
+                                          </p:val>
+                                        </p:tav>
+                                      </p:tavLst>
+                                    </p:anim>
+                                  </p:childTnLst>
+                                </p:cTn>
+                              </p:par>
+                            </p:childTnLst>
+                          </p:cTn>
+                        </p:par>
+                      </p:childTnLst>
+                    </p:cTn>
+                  </p:par>
+                  <p:par>
+                    <p:cTn id="21" fill="hold">
+                      <p:stCondLst>
+                        <p:cond delay="indefinite"/>
+                      </p:stCondLst>
+                      <p:childTnLst>
+                        <p:par>
+                          <p:cTn id="22" fill="hold">
+                            <p:stCondLst>
+                              <p:cond delay="0"/>
+                            </p:stCondLst>
+                            <p:childTnLst>
+                              <p:par>
+                                <p:cTn id="23" presetID="2" presetClass="entr" presetSubtype="4" fill="hold" grpId="0" nodeType="clickEffect">
+                                  <p:stCondLst>
+                                    <p:cond delay="0"/>
+                                  </p:stCondLst>
+                                  <p:childTnLst>
+                                    <p:set>
+                                      <p:cBhvr>
+                                        <p:cTn id="24" dur="1" fill="hold">
+                                          <p:stCondLst>
+                                            <p:cond delay="0"/>
+                                          </p:stCondLst>
+                                        </p:cTn>
+                                        <p:tgtEl>
+                                          <p:spTgt spid="3">
+                                            <p:txEl>
+                                              <p:pRg st="3" end="3"/>
+                                            </p:txEl>
+                                          </p:spTgt>
+                                        </p:tgtEl>
+                                        <p:attrNameLst>
+                                          <p:attrName>style.visibility</p:attrName>
+                                        </p:attrNameLst>
+                                      </p:cBhvr>
+                                      <p:to>
+                                        <p:strVal val="visible"/>
+                                      </p:to>
+                                    </p:set>
+                                    <p:anim calcmode="lin" valueType="num">
+                                      <p:cBhvr additive="base">
+                                        <p:cTn id="25" dur="500" fill="hold"/>
+                                        <p:tgtEl>
+                                          <p:spTgt spid="3">
+                                            <p:txEl>
+                                              <p:pRg st="3" end="3"/>
+                                            </p:txEl>
+                                          </p:spTgt>
+                                        </p:tgtEl>
+                                        <p:attrNameLst>
+                                          <p:attrName>ppt_x</p:attrName>
+                                        </p:attrNameLst>
+                                      </p:cBhvr>
+                                      <p:tavLst>
+                                        <p:tav tm="0">
+                                          <p:val>
+                                            <p:strVal val="#ppt_x"/>
+                                          </p:val>
+                                        </p:tav>
+                                        <p:tav tm="100000">
+                                          <p:val>
+                                            <p:strVal val="#ppt_x"/>
+                                          </p:val>
+                                        </p:tav>
+                                      </p:tavLst>
+                                    </p:anim>
+                                    <p:anim calcmode="lin" valueType="num">
+                                      <p:cBhvr additive="base">
+                                        <p:cTn id="26" dur="500" fill="hold"/>
+                                        <p:tgtEl>
+                                          <p:spTgt spid="3">
+                                            <p:txEl>
+                                              <p:pRg st="3" end="3"/>
+                                            </p:txEl>
+                                          </p:spTgt>
+                                        </p:tgtEl>
+                                        <p:attrNameLst>
+                                          <p:attrName>ppt_y</p:attrName>
+                                        </p:attrNameLst>
+                                      </p:cBhvr>
+                                      <p:tavLst>
+                                        <p:tav tm="0">
+                                          <p:val>
+                                            <p:strVal val="1+#ppt_h/2"/>
+                                          </p:val>
+                                        </p:tav>
+                                        <p:tav tm="100000">
+                                          <p:val>
+                                            <p:strVal val="#ppt_y"/>
+                                          </p:val>
+                                        </p:tav>
+                                      </p:tavLst>
+                                    </p:anim>
+                                  </p:childTnLst>
+                                </p:cTn>
+                              </p:par>
+                            </p:childTnLst>
+                          </p:cTn>
+                        </p:par>
+                      </p:childTnLst>
+                    </p:cTn>
+                  </p:par>
+                  <p:par>
+                    <p:cTn id="27" fill="hold">
+                      <p:stCondLst>
+                        <p:cond delay="indefinite"/>
+                      </p:stCondLst>
+                      <p:childTnLst>
+                        <p:par>
+                          <p:cTn id="28" fill="hold">
+                            <p:stCondLst>
+                              <p:cond delay="0"/>
+                            </p:stCondLst>
+                            <p:childTnLst>
+                              <p:par>
+                                <p:cTn id="29" presetID="2" presetClass="entr" presetSubtype="4" fill="hold" grpId="0" nodeType="clickEffect">
+                                  <p:stCondLst>
+                                    <p:cond delay="0"/>
+                                  </p:stCondLst>
+                                  <p:childTnLst>
+                                    <p:set>
+                                      <p:cBhvr>
+                                        <p:cTn id="30" dur="1" fill="hold">
+                                          <p:stCondLst>
+                                            <p:cond delay="0"/>
+                                          </p:stCondLst>
+                                        </p:cTn>
+                                        <p:tgtEl>
+                                          <p:spTgt spid="3">
+                                            <p:txEl>
+                                              <p:pRg st="4" end="4"/>
+                                            </p:txEl>
+                                          </p:spTgt>
+                                        </p:tgtEl>
+                                        <p:attrNameLst>
+                                          <p:attrName>style.visibility</p:attrName>
+                                        </p:attrNameLst>
+                                      </p:cBhvr>
+                                      <p:to>
+                                        <p:strVal val="visible"/>
+                                      </p:to>
+                                    </p:set>
+                                    <p:anim calcmode="lin" valueType="num">
+                                      <p:cBhvr additive="base">
+                                        <p:cTn id="31" dur="500" fill="hold"/>
+                                        <p:tgtEl>
+                                          <p:spTgt spid="3">
+                                            <p:txEl>
+                                              <p:pRg st="4" end="4"/>
+                                            </p:txEl>
+                                          </p:spTgt>
+                                        </p:tgtEl>
+                                        <p:attrNameLst>
+                                          <p:attrName>ppt_x</p:attrName>
+                                        </p:attrNameLst>
+                                      </p:cBhvr>
+                                      <p:tavLst>
+                                        <p:tav tm="0">
+                                          <p:val>
+                                            <p:strVal val="#ppt_x"/>
+                                          </p:val>
+                                        </p:tav>
+                                        <p:tav tm="100000">
+                                          <p:val>
+                                            <p:strVal val="#ppt_x"/>
+                                          </p:val>
+                                        </p:tav>
+                                      </p:tavLst>
+                                    </p:anim>
+                                    <p:anim calcmode="lin" valueType="num">
+                                      <p:cBhvr additive="base">
+                                        <p:cTn id="32" dur="500" fill="hold"/>
+                                        <p:tgtEl>
+                                          <p:spTgt spid="3">
+                                            <p:txEl>
+                                              <p:pRg st="4" end="4"/>
+                                            </p:txEl>
+                                          </p:spTgt>
+                                        </p:tgtEl>
+                                        <p:attrNameLst>
+                                          <p:attrName>ppt_y</p:attrName>
+                                        </p:attrNameLst>
+                                      </p:cBhvr>
+                                      <p:tavLst>
+                                        <p:tav tm="0">
+                                          <p:val>
+                                            <p:strVal val="1+#ppt_h/2"/>
+                                          </p:val>
+                                        </p:tav>
+                                        <p:tav tm="100000">
+                                          <p:val>
+                                            <p:strVal val="#ppt_y"/>
+                                          </p:val>
+                                        </p:tav>
+                                      </p:tavLst>
+                                    </p:anim>
+                                  </p:childTnLst>
+                                </p:cTn>
+                              </p:par>
+                            </p:childTnLst>
+                          </p:cTn>
+                        </p:par>
+                      </p:childTnLst>
+                    </p:cTn>
+                  </p:par>
+                  <p:par>
+                    <p:cTn id="33" fill="hold">
+                      <p:stCondLst>
+                        <p:cond delay="indefinite"/>
+                      </p:stCondLst>
+                      <p:childTnLst>
+                        <p:par>
+                          <p:cTn id="34" fill="hold">
+                            <p:stCondLst>
+                              <p:cond delay="0"/>
+                            </p:stCondLst>
+                            <p:childTnLst>
+                              <p:par>
+                                <p:cTn id="35" presetID="2" presetClass="entr" presetSubtype="4" fill="hold" grpId="0" nodeType="clickEffect">
+                                  <p:stCondLst>
+                                    <p:cond delay="0"/>
+                                  </p:stCondLst>
+                                  <p:childTnLst>
+                                    <p:set>
+                                      <p:cBhvr>
+                                        <p:cTn id="36" dur="1" fill="hold">
+                                          <p:stCondLst>
+                                            <p:cond delay="0"/>
+                                          </p:stCondLst>
+                                        </p:cTn>
+                                        <p:tgtEl>
+                                          <p:spTgt spid="3">
+                                            <p:txEl>
+                                              <p:pRg st="5" end="5"/>
+                                            </p:txEl>
+                                          </p:spTgt>
+                                        </p:tgtEl>
+                                        <p:attrNameLst>
+                                          <p:attrName>style.visibility</p:attrName>
+                                        </p:attrNameLst>
+                                      </p:cBhvr>
+                                      <p:to>
+                                        <p:strVal val="visible"/>
+                                      </p:to>
+                                    </p:set>
+                                    <p:anim calcmode="lin" valueType="num">
+                                      <p:cBhvr additive="base">
+                                        <p:cTn id="37" dur="500" fill="hold"/>
+                                        <p:tgtEl>
+                                          <p:spTgt spid="3">
+                                            <p:txEl>
+                                              <p:pRg st="5" end="5"/>
+                                            </p:txEl>
+                                          </p:spTgt>
+                                        </p:tgtEl>
+                                        <p:attrNameLst>
+                                          <p:attrName>ppt_x</p:attrName>
+                                        </p:attrNameLst>
+                                      </p:cBhvr>
+                                      <p:tavLst>
+                                        <p:tav tm="0">
+                                          <p:val>
+                                            <p:strVal val="#ppt_x"/>
+                                          </p:val>
+                                        </p:tav>
+                                        <p:tav tm="100000">
+                                          <p:val>
+                                            <p:strVal val="#ppt_x"/>
+                                          </p:val>
+                                        </p:tav>
+                                      </p:tavLst>
+                                    </p:anim>
+                                    <p:anim calcmode="lin" valueType="num">
+                                      <p:cBhvr additive="base">
+                                        <p:cTn id="38" dur="500" fill="hold"/>
+                                        <p:tgtEl>
+                                          <p:spTgt spid="3">
+                                            <p:txEl>
+                                              <p:pRg st="5" end="5"/>
+                                            </p:txEl>
+                                          </p:spTgt>
+                                        </p:tgtEl>
+                                        <p:attrNameLst>
+                                          <p:attrName>ppt_y</p:attrName>
+                                        </p:attrNameLst>
+                                      </p:cBhvr>
+                                      <p:tavLst>
+                                        <p:tav tm="0">
+                                          <p:val>
+                                            <p:strVal val="1+#ppt_h/2"/>
+                                          </p:val>
+                                        </p:tav>
+                                        <p:tav tm="100000">
+                                          <p:val>
+                                            <p:strVal val="#ppt_y"/>
+                                          </p:val>
+                                        </p:tav>
+                                      </p:tavLst>
+                                    </p:anim>
+                                  </p:childTnLst>
+                                </p:cTn>
+                              </p:par>
+                            </p:childTnLst>
+                          </p:cTn>
+                        </p:par>
+                      </p:childTnLst>
+                    </p:cTn>
+                  </p:par>
+                  <p:par>
+                    <p:cTn id="39" fill="hold">
+                      <p:stCondLst>
+                        <p:cond delay="indefinite"/>
+                      </p:stCondLst>
+                      <p:childTnLst>
+                        <p:par>
+                          <p:cTn id="40" fill="hold">
+                            <p:stCondLst>
+                              <p:cond delay="0"/>
+                            </p:stCondLst>
+                            <p:childTnLst>
+                              <p:par>
+                                <p:cTn id="41" presetID="2" presetClass="entr" presetSubtype="4" fill="hold" grpId="0" nodeType="clickEffect">
+                                  <p:stCondLst>
+                                    <p:cond delay="0"/>
+                                  </p:stCondLst>
+                                  <p:childTnLst>
+                                    <p:set>
+                                      <p:cBhvr>
+                                        <p:cTn id="42" dur="1" fill="hold">
+                                          <p:stCondLst>
+                                            <p:cond delay="0"/>
+                                          </p:stCondLst>
+                                        </p:cTn>
+                                        <p:tgtEl>
+                                          <p:spTgt spid="3">
+                                            <p:txEl>
+                                              <p:pRg st="6" end="6"/>
+                                            </p:txEl>
+                                          </p:spTgt>
+                                        </p:tgtEl>
+                                        <p:attrNameLst>
+                                          <p:attrName>style.visibility</p:attrName>
+                                        </p:attrNameLst>
+                                      </p:cBhvr>
+                                      <p:to>
+                                        <p:strVal val="visible"/>
+                                      </p:to>
+                                    </p:set>
+                                    <p:anim calcmode="lin" valueType="num">
+                                      <p:cBhvr additive="base">
+                                        <p:cTn id="43" dur="500" fill="hold"/>
+                                        <p:tgtEl>
+                                          <p:spTgt spid="3">
+                                            <p:txEl>
+                                              <p:pRg st="6" end="6"/>
+                                            </p:txEl>
+                                          </p:spTgt>
+                                        </p:tgtEl>
+                                        <p:attrNameLst>
+                                          <p:attrName>ppt_x</p:attrName>
+                                        </p:attrNameLst>
+                                      </p:cBhvr>
+                                      <p:tavLst>
+                                        <p:tav tm="0">
+                                          <p:val>
+                                            <p:strVal val="#ppt_x"/>
+                                          </p:val>
+                                        </p:tav>
+                                        <p:tav tm="100000">
+                                          <p:val>
+                                            <p:strVal val="#ppt_x"/>
+                                          </p:val>
+                                        </p:tav>
+                                      </p:tavLst>
+                                    </p:anim>
+                                    <p:anim calcmode="lin" valueType="num">
+                                      <p:cBhvr additive="base">
+                                        <p:cTn id="44" dur="500" fill="hold"/>
+                                        <p:tgtEl>
+                                          <p:spTgt spid="3">
+                                            <p:txEl>
+                                              <p:pRg st="6" end="6"/>
+                                            </p:txEl>
+                                          </p:spTgt>
+                                        </p:tgtEl>
+                                        <p:attrNameLst>
+                                          <p:attrName>ppt_y</p:attrName>
+                                        </p:attrNameLst>
+                                      </p:cBhvr>
+                                      <p:tavLst>
+                                        <p:tav tm="0">
+                                          <p:val>
+                                            <p:strVal val="1+#ppt_h/2"/>
+                                          </p:val>
+                                        </p:tav>
+                                        <p:tav tm="100000">
+                                          <p:val>
+                                            <p:strVal val="#ppt_y"/>
+                                          </p:val>
+                                        </p:tav>
+                                      </p:tavLst>
+                                    </p:anim>
+                                  </p:childTnLst>
+                                </p:cTn>
+                              </p:par>
+                            </p:childTnLst>
+                          </p:cTn>
+                        </p:par>
+                      </p:childTnLst>
+                    </p:cTn>
+                  </p:par>
+                  <p:par>
+                    <p:cTn id="45" fill="hold">
+                      <p:stCondLst>
+                        <p:cond delay="indefinite"/>
+                      </p:stCondLst>
+                      <p:childTnLst>
+                        <p:par>
+                          <p:cTn id="46" fill="hold">
+                            <p:stCondLst>
+                              <p:cond delay="0"/>
+                            </p:stCondLst>
+                            <p:childTnLst>
+                              <p:par>
+                                <p:cTn id="47" presetID="2" presetClass="entr" presetSubtype="4" fill="hold" grpId="0" nodeType="clickEffect">
+                                  <p:stCondLst>
+                                    <p:cond delay="0"/>
+                                  </p:stCondLst>
+                                  <p:childTnLst>
+                                    <p:set>
+                                      <p:cBhvr>
+                                        <p:cTn id="48" dur="1" fill="hold">
+                                          <p:stCondLst>
+                                            <p:cond delay="0"/>
+                                          </p:stCondLst>
+                                        </p:cTn>
+                                        <p:tgtEl>
+                                          <p:spTgt spid="3">
+                                            <p:txEl>
+                                              <p:pRg st="7" end="7"/>
+                                            </p:txEl>
+                                          </p:spTgt>
+                                        </p:tgtEl>
+                                        <p:attrNameLst>
+                                          <p:attrName>style.visibility</p:attrName>
+                                        </p:attrNameLst>
+                                      </p:cBhvr>
+                                      <p:to>
+                                        <p:strVal val="visible"/>
+                                      </p:to>
+                                    </p:set>
+                                    <p:anim calcmode="lin" valueType="num">
+                                      <p:cBhvr additive="base">
+                                        <p:cTn id="49" dur="500" fill="hold"/>
+                                        <p:tgtEl>
+                                          <p:spTgt spid="3">
+                                            <p:txEl>
+                                              <p:pRg st="7" end="7"/>
+                                            </p:txEl>
+                                          </p:spTgt>
+                                        </p:tgtEl>
+                                        <p:attrNameLst>
+                                          <p:attrName>ppt_x</p:attrName>
+                                        </p:attrNameLst>
+                                      </p:cBhvr>
+                                      <p:tavLst>
+                                        <p:tav tm="0">
+                                          <p:val>
+                                            <p:strVal val="#ppt_x"/>
+                                          </p:val>
+                                        </p:tav>
+                                        <p:tav tm="100000">
+                                          <p:val>
+                                            <p:strVal val="#ppt_x"/>
+                                          </p:val>
+                                        </p:tav>
+                                      </p:tavLst>
+                                    </p:anim>
+                                    <p:anim calcmode="lin" valueType="num">
+                                      <p:cBhvr additive="base">
+                                        <p:cTn id="50" dur="500" fill="hold"/>
+                                        <p:tgtEl>
+                                          <p:spTgt spid="3">
+                                            <p:txEl>
+                                              <p:pRg st="7" end="7"/>
+                                            </p:txEl>
+                                          </p:spTgt>
+                                        </p:tgtEl>
+                                        <p:attrNameLst>
+                                          <p:attrName>ppt_y</p:attrName>
+                                        </p:attrNameLst>
+                                      </p:cBhvr>
+                                      <p:tavLst>
+                                        <p:tav tm="0">
+                                          <p:val>
+                                            <p:strVal val="1+#ppt_h/2"/>
+                                          </p:val>
+                                        </p:tav>
+                                        <p:tav tm="100000">
+                                          <p:val>
+                                            <p:strVal val="#ppt_y"/>
+                                          </p:val>
+                                        </p:tav>
+                                      </p:tavLst>
+                                    </p:anim>
+                                  </p:childTnLst>
+                                </p:cTn>
+                              </p:par>
+                            </p:childTnLst>
+                          </p:cTn>
+                        </p:par>
+                      </p:childTnLst>
+                    </p:cTn>
+                  </p:par>
+                </p:childTnLst>
+              </p:cTn>
+              <p:prevCondLst>
+                <p:cond evt="onPrev" delay="0">
+                  <p:tgtEl>
+                    <p:sldTgt/>
+                  </p:tgtEl>
+                </p:cond>
+              </p:prevCondLst>
+              <p:nextCondLst>
+                <p:cond evt="onNext" delay="0">
+                  <p:tgtEl>
+                    <p:sldTgt/>
+                  </p:tgtEl>
+                </p:cond>
+              </p:nextCondLst>
+            </p:seq>
+          </p:childTnLst>
+        </p:cTn>
+      </p:par>
+    </p:tnLst>
+    <p:bldLst>
+      <p:bldP spid="3" grpId="0" build="p"/>
+    </p:bldLst>
+  </p:timing>
 </p:sld>
 </file>
 
@@ -30670,6 +31894,863 @@
   <p:clrMapOvr>
     <a:masterClrMapping/>
   </p:clrMapOvr>
+  <p:timing>
+    <p:tnLst>
+      <p:par>
+        <p:cTn id="1" dur="indefinite" restart="never" nodeType="tmRoot">
+          <p:childTnLst>
+            <p:seq concurrent="1" nextAc="seek">
+              <p:cTn id="2" dur="indefinite" nodeType="mainSeq">
+                <p:childTnLst>
+                  <p:par>
+                    <p:cTn id="3" fill="hold">
+                      <p:stCondLst>
+                        <p:cond delay="indefinite"/>
+                      </p:stCondLst>
+                      <p:childTnLst>
+                        <p:par>
+                          <p:cTn id="4" fill="hold">
+                            <p:stCondLst>
+                              <p:cond delay="0"/>
+                            </p:stCondLst>
+                            <p:childTnLst>
+                              <p:par>
+                                <p:cTn id="5" presetID="2" presetClass="entr" presetSubtype="4" fill="hold" grpId="0" nodeType="clickEffect">
+                                  <p:stCondLst>
+                                    <p:cond delay="0"/>
+                                  </p:stCondLst>
+                                  <p:childTnLst>
+                                    <p:set>
+                                      <p:cBhvr>
+                                        <p:cTn id="6" dur="1" fill="hold">
+                                          <p:stCondLst>
+                                            <p:cond delay="0"/>
+                                          </p:stCondLst>
+                                        </p:cTn>
+                                        <p:tgtEl>
+                                          <p:spTgt spid="3">
+                                            <p:txEl>
+                                              <p:pRg st="0" end="0"/>
+                                            </p:txEl>
+                                          </p:spTgt>
+                                        </p:tgtEl>
+                                        <p:attrNameLst>
+                                          <p:attrName>style.visibility</p:attrName>
+                                        </p:attrNameLst>
+                                      </p:cBhvr>
+                                      <p:to>
+                                        <p:strVal val="visible"/>
+                                      </p:to>
+                                    </p:set>
+                                    <p:anim calcmode="lin" valueType="num">
+                                      <p:cBhvr additive="base">
+                                        <p:cTn id="7" dur="500" fill="hold"/>
+                                        <p:tgtEl>
+                                          <p:spTgt spid="3">
+                                            <p:txEl>
+                                              <p:pRg st="0" end="0"/>
+                                            </p:txEl>
+                                          </p:spTgt>
+                                        </p:tgtEl>
+                                        <p:attrNameLst>
+                                          <p:attrName>ppt_x</p:attrName>
+                                        </p:attrNameLst>
+                                      </p:cBhvr>
+                                      <p:tavLst>
+                                        <p:tav tm="0">
+                                          <p:val>
+                                            <p:strVal val="#ppt_x"/>
+                                          </p:val>
+                                        </p:tav>
+                                        <p:tav tm="100000">
+                                          <p:val>
+                                            <p:strVal val="#ppt_x"/>
+                                          </p:val>
+                                        </p:tav>
+                                      </p:tavLst>
+                                    </p:anim>
+                                    <p:anim calcmode="lin" valueType="num">
+                                      <p:cBhvr additive="base">
+                                        <p:cTn id="8" dur="500" fill="hold"/>
+                                        <p:tgtEl>
+                                          <p:spTgt spid="3">
+                                            <p:txEl>
+                                              <p:pRg st="0" end="0"/>
+                                            </p:txEl>
+                                          </p:spTgt>
+                                        </p:tgtEl>
+                                        <p:attrNameLst>
+                                          <p:attrName>ppt_y</p:attrName>
+                                        </p:attrNameLst>
+                                      </p:cBhvr>
+                                      <p:tavLst>
+                                        <p:tav tm="0">
+                                          <p:val>
+                                            <p:strVal val="1+#ppt_h/2"/>
+                                          </p:val>
+                                        </p:tav>
+                                        <p:tav tm="100000">
+                                          <p:val>
+                                            <p:strVal val="#ppt_y"/>
+                                          </p:val>
+                                        </p:tav>
+                                      </p:tavLst>
+                                    </p:anim>
+                                  </p:childTnLst>
+                                </p:cTn>
+                              </p:par>
+                            </p:childTnLst>
+                          </p:cTn>
+                        </p:par>
+                      </p:childTnLst>
+                    </p:cTn>
+                  </p:par>
+                  <p:par>
+                    <p:cTn id="9" fill="hold">
+                      <p:stCondLst>
+                        <p:cond delay="indefinite"/>
+                      </p:stCondLst>
+                      <p:childTnLst>
+                        <p:par>
+                          <p:cTn id="10" fill="hold">
+                            <p:stCondLst>
+                              <p:cond delay="0"/>
+                            </p:stCondLst>
+                            <p:childTnLst>
+                              <p:par>
+                                <p:cTn id="11" presetID="2" presetClass="entr" presetSubtype="4" fill="hold" grpId="0" nodeType="clickEffect">
+                                  <p:stCondLst>
+                                    <p:cond delay="0"/>
+                                  </p:stCondLst>
+                                  <p:childTnLst>
+                                    <p:set>
+                                      <p:cBhvr>
+                                        <p:cTn id="12" dur="1" fill="hold">
+                                          <p:stCondLst>
+                                            <p:cond delay="0"/>
+                                          </p:stCondLst>
+                                        </p:cTn>
+                                        <p:tgtEl>
+                                          <p:spTgt spid="3">
+                                            <p:txEl>
+                                              <p:pRg st="1" end="1"/>
+                                            </p:txEl>
+                                          </p:spTgt>
+                                        </p:tgtEl>
+                                        <p:attrNameLst>
+                                          <p:attrName>style.visibility</p:attrName>
+                                        </p:attrNameLst>
+                                      </p:cBhvr>
+                                      <p:to>
+                                        <p:strVal val="visible"/>
+                                      </p:to>
+                                    </p:set>
+                                    <p:anim calcmode="lin" valueType="num">
+                                      <p:cBhvr additive="base">
+                                        <p:cTn id="13" dur="500" fill="hold"/>
+                                        <p:tgtEl>
+                                          <p:spTgt spid="3">
+                                            <p:txEl>
+                                              <p:pRg st="1" end="1"/>
+                                            </p:txEl>
+                                          </p:spTgt>
+                                        </p:tgtEl>
+                                        <p:attrNameLst>
+                                          <p:attrName>ppt_x</p:attrName>
+                                        </p:attrNameLst>
+                                      </p:cBhvr>
+                                      <p:tavLst>
+                                        <p:tav tm="0">
+                                          <p:val>
+                                            <p:strVal val="#ppt_x"/>
+                                          </p:val>
+                                        </p:tav>
+                                        <p:tav tm="100000">
+                                          <p:val>
+                                            <p:strVal val="#ppt_x"/>
+                                          </p:val>
+                                        </p:tav>
+                                      </p:tavLst>
+                                    </p:anim>
+                                    <p:anim calcmode="lin" valueType="num">
+                                      <p:cBhvr additive="base">
+                                        <p:cTn id="14" dur="500" fill="hold"/>
+                                        <p:tgtEl>
+                                          <p:spTgt spid="3">
+                                            <p:txEl>
+                                              <p:pRg st="1" end="1"/>
+                                            </p:txEl>
+                                          </p:spTgt>
+                                        </p:tgtEl>
+                                        <p:attrNameLst>
+                                          <p:attrName>ppt_y</p:attrName>
+                                        </p:attrNameLst>
+                                      </p:cBhvr>
+                                      <p:tavLst>
+                                        <p:tav tm="0">
+                                          <p:val>
+                                            <p:strVal val="1+#ppt_h/2"/>
+                                          </p:val>
+                                        </p:tav>
+                                        <p:tav tm="100000">
+                                          <p:val>
+                                            <p:strVal val="#ppt_y"/>
+                                          </p:val>
+                                        </p:tav>
+                                      </p:tavLst>
+                                    </p:anim>
+                                  </p:childTnLst>
+                                </p:cTn>
+                              </p:par>
+                            </p:childTnLst>
+                          </p:cTn>
+                        </p:par>
+                      </p:childTnLst>
+                    </p:cTn>
+                  </p:par>
+                  <p:par>
+                    <p:cTn id="15" fill="hold">
+                      <p:stCondLst>
+                        <p:cond delay="indefinite"/>
+                      </p:stCondLst>
+                      <p:childTnLst>
+                        <p:par>
+                          <p:cTn id="16" fill="hold">
+                            <p:stCondLst>
+                              <p:cond delay="0"/>
+                            </p:stCondLst>
+                            <p:childTnLst>
+                              <p:par>
+                                <p:cTn id="17" presetID="2" presetClass="entr" presetSubtype="4" fill="hold" grpId="0" nodeType="clickEffect">
+                                  <p:stCondLst>
+                                    <p:cond delay="0"/>
+                                  </p:stCondLst>
+                                  <p:childTnLst>
+                                    <p:set>
+                                      <p:cBhvr>
+                                        <p:cTn id="18" dur="1" fill="hold">
+                                          <p:stCondLst>
+                                            <p:cond delay="0"/>
+                                          </p:stCondLst>
+                                        </p:cTn>
+                                        <p:tgtEl>
+                                          <p:spTgt spid="3">
+                                            <p:txEl>
+                                              <p:pRg st="2" end="2"/>
+                                            </p:txEl>
+                                          </p:spTgt>
+                                        </p:tgtEl>
+                                        <p:attrNameLst>
+                                          <p:attrName>style.visibility</p:attrName>
+                                        </p:attrNameLst>
+                                      </p:cBhvr>
+                                      <p:to>
+                                        <p:strVal val="visible"/>
+                                      </p:to>
+                                    </p:set>
+                                    <p:anim calcmode="lin" valueType="num">
+                                      <p:cBhvr additive="base">
+                                        <p:cTn id="19" dur="500" fill="hold"/>
+                                        <p:tgtEl>
+                                          <p:spTgt spid="3">
+                                            <p:txEl>
+                                              <p:pRg st="2" end="2"/>
+                                            </p:txEl>
+                                          </p:spTgt>
+                                        </p:tgtEl>
+                                        <p:attrNameLst>
+                                          <p:attrName>ppt_x</p:attrName>
+                                        </p:attrNameLst>
+                                      </p:cBhvr>
+                                      <p:tavLst>
+                                        <p:tav tm="0">
+                                          <p:val>
+                                            <p:strVal val="#ppt_x"/>
+                                          </p:val>
+                                        </p:tav>
+                                        <p:tav tm="100000">
+                                          <p:val>
+                                            <p:strVal val="#ppt_x"/>
+                                          </p:val>
+                                        </p:tav>
+                                      </p:tavLst>
+                                    </p:anim>
+                                    <p:anim calcmode="lin" valueType="num">
+                                      <p:cBhvr additive="base">
+                                        <p:cTn id="20" dur="500" fill="hold"/>
+                                        <p:tgtEl>
+                                          <p:spTgt spid="3">
+                                            <p:txEl>
+                                              <p:pRg st="2" end="2"/>
+                                            </p:txEl>
+                                          </p:spTgt>
+                                        </p:tgtEl>
+                                        <p:attrNameLst>
+                                          <p:attrName>ppt_y</p:attrName>
+                                        </p:attrNameLst>
+                                      </p:cBhvr>
+                                      <p:tavLst>
+                                        <p:tav tm="0">
+                                          <p:val>
+                                            <p:strVal val="1+#ppt_h/2"/>
+                                          </p:val>
+                                        </p:tav>
+                                        <p:tav tm="100000">
+                                          <p:val>
+                                            <p:strVal val="#ppt_y"/>
+                                          </p:val>
+                                        </p:tav>
+                                      </p:tavLst>
+                                    </p:anim>
+                                  </p:childTnLst>
+                                </p:cTn>
+                              </p:par>
+                            </p:childTnLst>
+                          </p:cTn>
+                        </p:par>
+                      </p:childTnLst>
+                    </p:cTn>
+                  </p:par>
+                  <p:par>
+                    <p:cTn id="21" fill="hold">
+                      <p:stCondLst>
+                        <p:cond delay="indefinite"/>
+                      </p:stCondLst>
+                      <p:childTnLst>
+                        <p:par>
+                          <p:cTn id="22" fill="hold">
+                            <p:stCondLst>
+                              <p:cond delay="0"/>
+                            </p:stCondLst>
+                            <p:childTnLst>
+                              <p:par>
+                                <p:cTn id="23" presetID="2" presetClass="entr" presetSubtype="4" fill="hold" grpId="0" nodeType="clickEffect">
+                                  <p:stCondLst>
+                                    <p:cond delay="0"/>
+                                  </p:stCondLst>
+                                  <p:childTnLst>
+                                    <p:set>
+                                      <p:cBhvr>
+                                        <p:cTn id="24" dur="1" fill="hold">
+                                          <p:stCondLst>
+                                            <p:cond delay="0"/>
+                                          </p:stCondLst>
+                                        </p:cTn>
+                                        <p:tgtEl>
+                                          <p:spTgt spid="3">
+                                            <p:txEl>
+                                              <p:pRg st="3" end="3"/>
+                                            </p:txEl>
+                                          </p:spTgt>
+                                        </p:tgtEl>
+                                        <p:attrNameLst>
+                                          <p:attrName>style.visibility</p:attrName>
+                                        </p:attrNameLst>
+                                      </p:cBhvr>
+                                      <p:to>
+                                        <p:strVal val="visible"/>
+                                      </p:to>
+                                    </p:set>
+                                    <p:anim calcmode="lin" valueType="num">
+                                      <p:cBhvr additive="base">
+                                        <p:cTn id="25" dur="500" fill="hold"/>
+                                        <p:tgtEl>
+                                          <p:spTgt spid="3">
+                                            <p:txEl>
+                                              <p:pRg st="3" end="3"/>
+                                            </p:txEl>
+                                          </p:spTgt>
+                                        </p:tgtEl>
+                                        <p:attrNameLst>
+                                          <p:attrName>ppt_x</p:attrName>
+                                        </p:attrNameLst>
+                                      </p:cBhvr>
+                                      <p:tavLst>
+                                        <p:tav tm="0">
+                                          <p:val>
+                                            <p:strVal val="#ppt_x"/>
+                                          </p:val>
+                                        </p:tav>
+                                        <p:tav tm="100000">
+                                          <p:val>
+                                            <p:strVal val="#ppt_x"/>
+                                          </p:val>
+                                        </p:tav>
+                                      </p:tavLst>
+                                    </p:anim>
+                                    <p:anim calcmode="lin" valueType="num">
+                                      <p:cBhvr additive="base">
+                                        <p:cTn id="26" dur="500" fill="hold"/>
+                                        <p:tgtEl>
+                                          <p:spTgt spid="3">
+                                            <p:txEl>
+                                              <p:pRg st="3" end="3"/>
+                                            </p:txEl>
+                                          </p:spTgt>
+                                        </p:tgtEl>
+                                        <p:attrNameLst>
+                                          <p:attrName>ppt_y</p:attrName>
+                                        </p:attrNameLst>
+                                      </p:cBhvr>
+                                      <p:tavLst>
+                                        <p:tav tm="0">
+                                          <p:val>
+                                            <p:strVal val="1+#ppt_h/2"/>
+                                          </p:val>
+                                        </p:tav>
+                                        <p:tav tm="100000">
+                                          <p:val>
+                                            <p:strVal val="#ppt_y"/>
+                                          </p:val>
+                                        </p:tav>
+                                      </p:tavLst>
+                                    </p:anim>
+                                  </p:childTnLst>
+                                </p:cTn>
+                              </p:par>
+                            </p:childTnLst>
+                          </p:cTn>
+                        </p:par>
+                      </p:childTnLst>
+                    </p:cTn>
+                  </p:par>
+                  <p:par>
+                    <p:cTn id="27" fill="hold">
+                      <p:stCondLst>
+                        <p:cond delay="indefinite"/>
+                      </p:stCondLst>
+                      <p:childTnLst>
+                        <p:par>
+                          <p:cTn id="28" fill="hold">
+                            <p:stCondLst>
+                              <p:cond delay="0"/>
+                            </p:stCondLst>
+                            <p:childTnLst>
+                              <p:par>
+                                <p:cTn id="29" presetID="2" presetClass="entr" presetSubtype="4" fill="hold" grpId="0" nodeType="clickEffect">
+                                  <p:stCondLst>
+                                    <p:cond delay="0"/>
+                                  </p:stCondLst>
+                                  <p:childTnLst>
+                                    <p:set>
+                                      <p:cBhvr>
+                                        <p:cTn id="30" dur="1" fill="hold">
+                                          <p:stCondLst>
+                                            <p:cond delay="0"/>
+                                          </p:stCondLst>
+                                        </p:cTn>
+                                        <p:tgtEl>
+                                          <p:spTgt spid="3">
+                                            <p:txEl>
+                                              <p:pRg st="4" end="4"/>
+                                            </p:txEl>
+                                          </p:spTgt>
+                                        </p:tgtEl>
+                                        <p:attrNameLst>
+                                          <p:attrName>style.visibility</p:attrName>
+                                        </p:attrNameLst>
+                                      </p:cBhvr>
+                                      <p:to>
+                                        <p:strVal val="visible"/>
+                                      </p:to>
+                                    </p:set>
+                                    <p:anim calcmode="lin" valueType="num">
+                                      <p:cBhvr additive="base">
+                                        <p:cTn id="31" dur="500" fill="hold"/>
+                                        <p:tgtEl>
+                                          <p:spTgt spid="3">
+                                            <p:txEl>
+                                              <p:pRg st="4" end="4"/>
+                                            </p:txEl>
+                                          </p:spTgt>
+                                        </p:tgtEl>
+                                        <p:attrNameLst>
+                                          <p:attrName>ppt_x</p:attrName>
+                                        </p:attrNameLst>
+                                      </p:cBhvr>
+                                      <p:tavLst>
+                                        <p:tav tm="0">
+                                          <p:val>
+                                            <p:strVal val="#ppt_x"/>
+                                          </p:val>
+                                        </p:tav>
+                                        <p:tav tm="100000">
+                                          <p:val>
+                                            <p:strVal val="#ppt_x"/>
+                                          </p:val>
+                                        </p:tav>
+                                      </p:tavLst>
+                                    </p:anim>
+                                    <p:anim calcmode="lin" valueType="num">
+                                      <p:cBhvr additive="base">
+                                        <p:cTn id="32" dur="500" fill="hold"/>
+                                        <p:tgtEl>
+                                          <p:spTgt spid="3">
+                                            <p:txEl>
+                                              <p:pRg st="4" end="4"/>
+                                            </p:txEl>
+                                          </p:spTgt>
+                                        </p:tgtEl>
+                                        <p:attrNameLst>
+                                          <p:attrName>ppt_y</p:attrName>
+                                        </p:attrNameLst>
+                                      </p:cBhvr>
+                                      <p:tavLst>
+                                        <p:tav tm="0">
+                                          <p:val>
+                                            <p:strVal val="1+#ppt_h/2"/>
+                                          </p:val>
+                                        </p:tav>
+                                        <p:tav tm="100000">
+                                          <p:val>
+                                            <p:strVal val="#ppt_y"/>
+                                          </p:val>
+                                        </p:tav>
+                                      </p:tavLst>
+                                    </p:anim>
+                                  </p:childTnLst>
+                                </p:cTn>
+                              </p:par>
+                            </p:childTnLst>
+                          </p:cTn>
+                        </p:par>
+                      </p:childTnLst>
+                    </p:cTn>
+                  </p:par>
+                  <p:par>
+                    <p:cTn id="33" fill="hold">
+                      <p:stCondLst>
+                        <p:cond delay="indefinite"/>
+                      </p:stCondLst>
+                      <p:childTnLst>
+                        <p:par>
+                          <p:cTn id="34" fill="hold">
+                            <p:stCondLst>
+                              <p:cond delay="0"/>
+                            </p:stCondLst>
+                            <p:childTnLst>
+                              <p:par>
+                                <p:cTn id="35" presetID="2" presetClass="entr" presetSubtype="4" fill="hold" grpId="0" nodeType="clickEffect">
+                                  <p:stCondLst>
+                                    <p:cond delay="0"/>
+                                  </p:stCondLst>
+                                  <p:childTnLst>
+                                    <p:set>
+                                      <p:cBhvr>
+                                        <p:cTn id="36" dur="1" fill="hold">
+                                          <p:stCondLst>
+                                            <p:cond delay="0"/>
+                                          </p:stCondLst>
+                                        </p:cTn>
+                                        <p:tgtEl>
+                                          <p:spTgt spid="3">
+                                            <p:txEl>
+                                              <p:pRg st="5" end="5"/>
+                                            </p:txEl>
+                                          </p:spTgt>
+                                        </p:tgtEl>
+                                        <p:attrNameLst>
+                                          <p:attrName>style.visibility</p:attrName>
+                                        </p:attrNameLst>
+                                      </p:cBhvr>
+                                      <p:to>
+                                        <p:strVal val="visible"/>
+                                      </p:to>
+                                    </p:set>
+                                    <p:anim calcmode="lin" valueType="num">
+                                      <p:cBhvr additive="base">
+                                        <p:cTn id="37" dur="500" fill="hold"/>
+                                        <p:tgtEl>
+                                          <p:spTgt spid="3">
+                                            <p:txEl>
+                                              <p:pRg st="5" end="5"/>
+                                            </p:txEl>
+                                          </p:spTgt>
+                                        </p:tgtEl>
+                                        <p:attrNameLst>
+                                          <p:attrName>ppt_x</p:attrName>
+                                        </p:attrNameLst>
+                                      </p:cBhvr>
+                                      <p:tavLst>
+                                        <p:tav tm="0">
+                                          <p:val>
+                                            <p:strVal val="#ppt_x"/>
+                                          </p:val>
+                                        </p:tav>
+                                        <p:tav tm="100000">
+                                          <p:val>
+                                            <p:strVal val="#ppt_x"/>
+                                          </p:val>
+                                        </p:tav>
+                                      </p:tavLst>
+                                    </p:anim>
+                                    <p:anim calcmode="lin" valueType="num">
+                                      <p:cBhvr additive="base">
+                                        <p:cTn id="38" dur="500" fill="hold"/>
+                                        <p:tgtEl>
+                                          <p:spTgt spid="3">
+                                            <p:txEl>
+                                              <p:pRg st="5" end="5"/>
+                                            </p:txEl>
+                                          </p:spTgt>
+                                        </p:tgtEl>
+                                        <p:attrNameLst>
+                                          <p:attrName>ppt_y</p:attrName>
+                                        </p:attrNameLst>
+                                      </p:cBhvr>
+                                      <p:tavLst>
+                                        <p:tav tm="0">
+                                          <p:val>
+                                            <p:strVal val="1+#ppt_h/2"/>
+                                          </p:val>
+                                        </p:tav>
+                                        <p:tav tm="100000">
+                                          <p:val>
+                                            <p:strVal val="#ppt_y"/>
+                                          </p:val>
+                                        </p:tav>
+                                      </p:tavLst>
+                                    </p:anim>
+                                  </p:childTnLst>
+                                </p:cTn>
+                              </p:par>
+                            </p:childTnLst>
+                          </p:cTn>
+                        </p:par>
+                      </p:childTnLst>
+                    </p:cTn>
+                  </p:par>
+                  <p:par>
+                    <p:cTn id="39" fill="hold">
+                      <p:stCondLst>
+                        <p:cond delay="indefinite"/>
+                      </p:stCondLst>
+                      <p:childTnLst>
+                        <p:par>
+                          <p:cTn id="40" fill="hold">
+                            <p:stCondLst>
+                              <p:cond delay="0"/>
+                            </p:stCondLst>
+                            <p:childTnLst>
+                              <p:par>
+                                <p:cTn id="41" presetID="2" presetClass="entr" presetSubtype="4" fill="hold" grpId="0" nodeType="clickEffect">
+                                  <p:stCondLst>
+                                    <p:cond delay="0"/>
+                                  </p:stCondLst>
+                                  <p:childTnLst>
+                                    <p:set>
+                                      <p:cBhvr>
+                                        <p:cTn id="42" dur="1" fill="hold">
+                                          <p:stCondLst>
+                                            <p:cond delay="0"/>
+                                          </p:stCondLst>
+                                        </p:cTn>
+                                        <p:tgtEl>
+                                          <p:spTgt spid="3">
+                                            <p:txEl>
+                                              <p:pRg st="7" end="7"/>
+                                            </p:txEl>
+                                          </p:spTgt>
+                                        </p:tgtEl>
+                                        <p:attrNameLst>
+                                          <p:attrName>style.visibility</p:attrName>
+                                        </p:attrNameLst>
+                                      </p:cBhvr>
+                                      <p:to>
+                                        <p:strVal val="visible"/>
+                                      </p:to>
+                                    </p:set>
+                                    <p:anim calcmode="lin" valueType="num">
+                                      <p:cBhvr additive="base">
+                                        <p:cTn id="43" dur="500" fill="hold"/>
+                                        <p:tgtEl>
+                                          <p:spTgt spid="3">
+                                            <p:txEl>
+                                              <p:pRg st="7" end="7"/>
+                                            </p:txEl>
+                                          </p:spTgt>
+                                        </p:tgtEl>
+                                        <p:attrNameLst>
+                                          <p:attrName>ppt_x</p:attrName>
+                                        </p:attrNameLst>
+                                      </p:cBhvr>
+                                      <p:tavLst>
+                                        <p:tav tm="0">
+                                          <p:val>
+                                            <p:strVal val="#ppt_x"/>
+                                          </p:val>
+                                        </p:tav>
+                                        <p:tav tm="100000">
+                                          <p:val>
+                                            <p:strVal val="#ppt_x"/>
+                                          </p:val>
+                                        </p:tav>
+                                      </p:tavLst>
+                                    </p:anim>
+                                    <p:anim calcmode="lin" valueType="num">
+                                      <p:cBhvr additive="base">
+                                        <p:cTn id="44" dur="500" fill="hold"/>
+                                        <p:tgtEl>
+                                          <p:spTgt spid="3">
+                                            <p:txEl>
+                                              <p:pRg st="7" end="7"/>
+                                            </p:txEl>
+                                          </p:spTgt>
+                                        </p:tgtEl>
+                                        <p:attrNameLst>
+                                          <p:attrName>ppt_y</p:attrName>
+                                        </p:attrNameLst>
+                                      </p:cBhvr>
+                                      <p:tavLst>
+                                        <p:tav tm="0">
+                                          <p:val>
+                                            <p:strVal val="1+#ppt_h/2"/>
+                                          </p:val>
+                                        </p:tav>
+                                        <p:tav tm="100000">
+                                          <p:val>
+                                            <p:strVal val="#ppt_y"/>
+                                          </p:val>
+                                        </p:tav>
+                                      </p:tavLst>
+                                    </p:anim>
+                                  </p:childTnLst>
+                                </p:cTn>
+                              </p:par>
+                            </p:childTnLst>
+                          </p:cTn>
+                        </p:par>
+                      </p:childTnLst>
+                    </p:cTn>
+                  </p:par>
+                  <p:par>
+                    <p:cTn id="45" fill="hold">
+                      <p:stCondLst>
+                        <p:cond delay="indefinite"/>
+                      </p:stCondLst>
+                      <p:childTnLst>
+                        <p:par>
+                          <p:cTn id="46" fill="hold">
+                            <p:stCondLst>
+                              <p:cond delay="0"/>
+                            </p:stCondLst>
+                            <p:childTnLst>
+                              <p:par>
+                                <p:cTn id="47" presetID="2" presetClass="entr" presetSubtype="4" fill="hold" grpId="0" nodeType="clickEffect">
+                                  <p:stCondLst>
+                                    <p:cond delay="0"/>
+                                  </p:stCondLst>
+                                  <p:childTnLst>
+                                    <p:set>
+                                      <p:cBhvr>
+                                        <p:cTn id="48" dur="1" fill="hold">
+                                          <p:stCondLst>
+                                            <p:cond delay="0"/>
+                                          </p:stCondLst>
+                                        </p:cTn>
+                                        <p:tgtEl>
+                                          <p:spTgt spid="3">
+                                            <p:txEl>
+                                              <p:pRg st="8" end="8"/>
+                                            </p:txEl>
+                                          </p:spTgt>
+                                        </p:tgtEl>
+                                        <p:attrNameLst>
+                                          <p:attrName>style.visibility</p:attrName>
+                                        </p:attrNameLst>
+                                      </p:cBhvr>
+                                      <p:to>
+                                        <p:strVal val="visible"/>
+                                      </p:to>
+                                    </p:set>
+                                    <p:anim calcmode="lin" valueType="num">
+                                      <p:cBhvr additive="base">
+                                        <p:cTn id="49" dur="500" fill="hold"/>
+                                        <p:tgtEl>
+                                          <p:spTgt spid="3">
+                                            <p:txEl>
+                                              <p:pRg st="8" end="8"/>
+                                            </p:txEl>
+                                          </p:spTgt>
+                                        </p:tgtEl>
+                                        <p:attrNameLst>
+                                          <p:attrName>ppt_x</p:attrName>
+                                        </p:attrNameLst>
+                                      </p:cBhvr>
+                                      <p:tavLst>
+                                        <p:tav tm="0">
+                                          <p:val>
+                                            <p:strVal val="#ppt_x"/>
+                                          </p:val>
+                                        </p:tav>
+                                        <p:tav tm="100000">
+                                          <p:val>
+                                            <p:strVal val="#ppt_x"/>
+                                          </p:val>
+                                        </p:tav>
+                                      </p:tavLst>
+                                    </p:anim>
+                                    <p:anim calcmode="lin" valueType="num">
+                                      <p:cBhvr additive="base">
+                                        <p:cTn id="50" dur="500" fill="hold"/>
+                                        <p:tgtEl>
+                                          <p:spTgt spid="3">
+                                            <p:txEl>
+                                              <p:pRg st="8" end="8"/>
+                                            </p:txEl>
+                                          </p:spTgt>
+                                        </p:tgtEl>
+                                        <p:attrNameLst>
+                                          <p:attrName>ppt_y</p:attrName>
+                                        </p:attrNameLst>
+                                      </p:cBhvr>
+                                      <p:tavLst>
+                                        <p:tav tm="0">
+                                          <p:val>
+                                            <p:strVal val="1+#ppt_h/2"/>
+                                          </p:val>
+                                        </p:tav>
+                                        <p:tav tm="100000">
+                                          <p:val>
+                                            <p:strVal val="#ppt_y"/>
+                                          </p:val>
+                                        </p:tav>
+                                      </p:tavLst>
+                                    </p:anim>
+                                  </p:childTnLst>
+                                </p:cTn>
+                              </p:par>
+                            </p:childTnLst>
+                          </p:cTn>
+                        </p:par>
+                      </p:childTnLst>
+                    </p:cTn>
+                  </p:par>
+                </p:childTnLst>
+              </p:cTn>
+              <p:prevCondLst>
+                <p:cond evt="onPrev" delay="0">
+                  <p:tgtEl>
+                    <p:sldTgt/>
+                  </p:tgtEl>
+                </p:cond>
+              </p:prevCondLst>
+              <p:nextCondLst>
+                <p:cond evt="onNext" delay="0">
+                  <p:tgtEl>
+                    <p:sldTgt/>
+                  </p:tgtEl>
+                </p:cond>
+              </p:nextCondLst>
+            </p:seq>
+          </p:childTnLst>
+        </p:cTn>
+      </p:par>
+    </p:tnLst>
+    <p:bldLst>
+      <p:bldP spid="3" grpId="0" uiExpand="1" build="p"/>
+    </p:bldLst>
+  </p:timing>
 </p:sld>
 </file>
 
@@ -31031,6 +33112,554 @@
   <p:clrMapOvr>
     <a:masterClrMapping/>
   </p:clrMapOvr>
+  <p:timing>
+    <p:tnLst>
+      <p:par>
+        <p:cTn id="1" dur="indefinite" restart="never" nodeType="tmRoot">
+          <p:childTnLst>
+            <p:seq concurrent="1" nextAc="seek">
+              <p:cTn id="2" dur="indefinite" nodeType="mainSeq">
+                <p:childTnLst>
+                  <p:par>
+                    <p:cTn id="3" fill="hold">
+                      <p:stCondLst>
+                        <p:cond delay="indefinite"/>
+                      </p:stCondLst>
+                      <p:childTnLst>
+                        <p:par>
+                          <p:cTn id="4" fill="hold">
+                            <p:stCondLst>
+                              <p:cond delay="0"/>
+                            </p:stCondLst>
+                            <p:childTnLst>
+                              <p:par>
+                                <p:cTn id="5" presetID="2" presetClass="entr" presetSubtype="4" fill="hold" grpId="0" nodeType="clickEffect">
+                                  <p:stCondLst>
+                                    <p:cond delay="0"/>
+                                  </p:stCondLst>
+                                  <p:childTnLst>
+                                    <p:set>
+                                      <p:cBhvr>
+                                        <p:cTn id="6" dur="1" fill="hold">
+                                          <p:stCondLst>
+                                            <p:cond delay="0"/>
+                                          </p:stCondLst>
+                                        </p:cTn>
+                                        <p:tgtEl>
+                                          <p:spTgt spid="3">
+                                            <p:txEl>
+                                              <p:pRg st="0" end="0"/>
+                                            </p:txEl>
+                                          </p:spTgt>
+                                        </p:tgtEl>
+                                        <p:attrNameLst>
+                                          <p:attrName>style.visibility</p:attrName>
+                                        </p:attrNameLst>
+                                      </p:cBhvr>
+                                      <p:to>
+                                        <p:strVal val="visible"/>
+                                      </p:to>
+                                    </p:set>
+                                    <p:anim calcmode="lin" valueType="num">
+                                      <p:cBhvr additive="base">
+                                        <p:cTn id="7" dur="500" fill="hold"/>
+                                        <p:tgtEl>
+                                          <p:spTgt spid="3">
+                                            <p:txEl>
+                                              <p:pRg st="0" end="0"/>
+                                            </p:txEl>
+                                          </p:spTgt>
+                                        </p:tgtEl>
+                                        <p:attrNameLst>
+                                          <p:attrName>ppt_x</p:attrName>
+                                        </p:attrNameLst>
+                                      </p:cBhvr>
+                                      <p:tavLst>
+                                        <p:tav tm="0">
+                                          <p:val>
+                                            <p:strVal val="#ppt_x"/>
+                                          </p:val>
+                                        </p:tav>
+                                        <p:tav tm="100000">
+                                          <p:val>
+                                            <p:strVal val="#ppt_x"/>
+                                          </p:val>
+                                        </p:tav>
+                                      </p:tavLst>
+                                    </p:anim>
+                                    <p:anim calcmode="lin" valueType="num">
+                                      <p:cBhvr additive="base">
+                                        <p:cTn id="8" dur="500" fill="hold"/>
+                                        <p:tgtEl>
+                                          <p:spTgt spid="3">
+                                            <p:txEl>
+                                              <p:pRg st="0" end="0"/>
+                                            </p:txEl>
+                                          </p:spTgt>
+                                        </p:tgtEl>
+                                        <p:attrNameLst>
+                                          <p:attrName>ppt_y</p:attrName>
+                                        </p:attrNameLst>
+                                      </p:cBhvr>
+                                      <p:tavLst>
+                                        <p:tav tm="0">
+                                          <p:val>
+                                            <p:strVal val="1+#ppt_h/2"/>
+                                          </p:val>
+                                        </p:tav>
+                                        <p:tav tm="100000">
+                                          <p:val>
+                                            <p:strVal val="#ppt_y"/>
+                                          </p:val>
+                                        </p:tav>
+                                      </p:tavLst>
+                                    </p:anim>
+                                  </p:childTnLst>
+                                </p:cTn>
+                              </p:par>
+                            </p:childTnLst>
+                          </p:cTn>
+                        </p:par>
+                      </p:childTnLst>
+                    </p:cTn>
+                  </p:par>
+                  <p:par>
+                    <p:cTn id="9" fill="hold">
+                      <p:stCondLst>
+                        <p:cond delay="indefinite"/>
+                      </p:stCondLst>
+                      <p:childTnLst>
+                        <p:par>
+                          <p:cTn id="10" fill="hold">
+                            <p:stCondLst>
+                              <p:cond delay="0"/>
+                            </p:stCondLst>
+                            <p:childTnLst>
+                              <p:par>
+                                <p:cTn id="11" presetID="2" presetClass="entr" presetSubtype="4" fill="hold" grpId="0" nodeType="clickEffect">
+                                  <p:stCondLst>
+                                    <p:cond delay="0"/>
+                                  </p:stCondLst>
+                                  <p:childTnLst>
+                                    <p:set>
+                                      <p:cBhvr>
+                                        <p:cTn id="12" dur="1" fill="hold">
+                                          <p:stCondLst>
+                                            <p:cond delay="0"/>
+                                          </p:stCondLst>
+                                        </p:cTn>
+                                        <p:tgtEl>
+                                          <p:spTgt spid="3">
+                                            <p:txEl>
+                                              <p:pRg st="1" end="1"/>
+                                            </p:txEl>
+                                          </p:spTgt>
+                                        </p:tgtEl>
+                                        <p:attrNameLst>
+                                          <p:attrName>style.visibility</p:attrName>
+                                        </p:attrNameLst>
+                                      </p:cBhvr>
+                                      <p:to>
+                                        <p:strVal val="visible"/>
+                                      </p:to>
+                                    </p:set>
+                                    <p:anim calcmode="lin" valueType="num">
+                                      <p:cBhvr additive="base">
+                                        <p:cTn id="13" dur="500" fill="hold"/>
+                                        <p:tgtEl>
+                                          <p:spTgt spid="3">
+                                            <p:txEl>
+                                              <p:pRg st="1" end="1"/>
+                                            </p:txEl>
+                                          </p:spTgt>
+                                        </p:tgtEl>
+                                        <p:attrNameLst>
+                                          <p:attrName>ppt_x</p:attrName>
+                                        </p:attrNameLst>
+                                      </p:cBhvr>
+                                      <p:tavLst>
+                                        <p:tav tm="0">
+                                          <p:val>
+                                            <p:strVal val="#ppt_x"/>
+                                          </p:val>
+                                        </p:tav>
+                                        <p:tav tm="100000">
+                                          <p:val>
+                                            <p:strVal val="#ppt_x"/>
+                                          </p:val>
+                                        </p:tav>
+                                      </p:tavLst>
+                                    </p:anim>
+                                    <p:anim calcmode="lin" valueType="num">
+                                      <p:cBhvr additive="base">
+                                        <p:cTn id="14" dur="500" fill="hold"/>
+                                        <p:tgtEl>
+                                          <p:spTgt spid="3">
+                                            <p:txEl>
+                                              <p:pRg st="1" end="1"/>
+                                            </p:txEl>
+                                          </p:spTgt>
+                                        </p:tgtEl>
+                                        <p:attrNameLst>
+                                          <p:attrName>ppt_y</p:attrName>
+                                        </p:attrNameLst>
+                                      </p:cBhvr>
+                                      <p:tavLst>
+                                        <p:tav tm="0">
+                                          <p:val>
+                                            <p:strVal val="1+#ppt_h/2"/>
+                                          </p:val>
+                                        </p:tav>
+                                        <p:tav tm="100000">
+                                          <p:val>
+                                            <p:strVal val="#ppt_y"/>
+                                          </p:val>
+                                        </p:tav>
+                                      </p:tavLst>
+                                    </p:anim>
+                                  </p:childTnLst>
+                                </p:cTn>
+                              </p:par>
+                            </p:childTnLst>
+                          </p:cTn>
+                        </p:par>
+                      </p:childTnLst>
+                    </p:cTn>
+                  </p:par>
+                  <p:par>
+                    <p:cTn id="15" fill="hold">
+                      <p:stCondLst>
+                        <p:cond delay="indefinite"/>
+                      </p:stCondLst>
+                      <p:childTnLst>
+                        <p:par>
+                          <p:cTn id="16" fill="hold">
+                            <p:stCondLst>
+                              <p:cond delay="0"/>
+                            </p:stCondLst>
+                            <p:childTnLst>
+                              <p:par>
+                                <p:cTn id="17" presetID="2" presetClass="entr" presetSubtype="4" fill="hold" grpId="0" nodeType="clickEffect">
+                                  <p:stCondLst>
+                                    <p:cond delay="0"/>
+                                  </p:stCondLst>
+                                  <p:childTnLst>
+                                    <p:set>
+                                      <p:cBhvr>
+                                        <p:cTn id="18" dur="1" fill="hold">
+                                          <p:stCondLst>
+                                            <p:cond delay="0"/>
+                                          </p:stCondLst>
+                                        </p:cTn>
+                                        <p:tgtEl>
+                                          <p:spTgt spid="3">
+                                            <p:txEl>
+                                              <p:pRg st="2" end="2"/>
+                                            </p:txEl>
+                                          </p:spTgt>
+                                        </p:tgtEl>
+                                        <p:attrNameLst>
+                                          <p:attrName>style.visibility</p:attrName>
+                                        </p:attrNameLst>
+                                      </p:cBhvr>
+                                      <p:to>
+                                        <p:strVal val="visible"/>
+                                      </p:to>
+                                    </p:set>
+                                    <p:anim calcmode="lin" valueType="num">
+                                      <p:cBhvr additive="base">
+                                        <p:cTn id="19" dur="500" fill="hold"/>
+                                        <p:tgtEl>
+                                          <p:spTgt spid="3">
+                                            <p:txEl>
+                                              <p:pRg st="2" end="2"/>
+                                            </p:txEl>
+                                          </p:spTgt>
+                                        </p:tgtEl>
+                                        <p:attrNameLst>
+                                          <p:attrName>ppt_x</p:attrName>
+                                        </p:attrNameLst>
+                                      </p:cBhvr>
+                                      <p:tavLst>
+                                        <p:tav tm="0">
+                                          <p:val>
+                                            <p:strVal val="#ppt_x"/>
+                                          </p:val>
+                                        </p:tav>
+                                        <p:tav tm="100000">
+                                          <p:val>
+                                            <p:strVal val="#ppt_x"/>
+                                          </p:val>
+                                        </p:tav>
+                                      </p:tavLst>
+                                    </p:anim>
+                                    <p:anim calcmode="lin" valueType="num">
+                                      <p:cBhvr additive="base">
+                                        <p:cTn id="20" dur="500" fill="hold"/>
+                                        <p:tgtEl>
+                                          <p:spTgt spid="3">
+                                            <p:txEl>
+                                              <p:pRg st="2" end="2"/>
+                                            </p:txEl>
+                                          </p:spTgt>
+                                        </p:tgtEl>
+                                        <p:attrNameLst>
+                                          <p:attrName>ppt_y</p:attrName>
+                                        </p:attrNameLst>
+                                      </p:cBhvr>
+                                      <p:tavLst>
+                                        <p:tav tm="0">
+                                          <p:val>
+                                            <p:strVal val="1+#ppt_h/2"/>
+                                          </p:val>
+                                        </p:tav>
+                                        <p:tav tm="100000">
+                                          <p:val>
+                                            <p:strVal val="#ppt_y"/>
+                                          </p:val>
+                                        </p:tav>
+                                      </p:tavLst>
+                                    </p:anim>
+                                  </p:childTnLst>
+                                </p:cTn>
+                              </p:par>
+                            </p:childTnLst>
+                          </p:cTn>
+                        </p:par>
+                      </p:childTnLst>
+                    </p:cTn>
+                  </p:par>
+                  <p:par>
+                    <p:cTn id="21" fill="hold">
+                      <p:stCondLst>
+                        <p:cond delay="indefinite"/>
+                      </p:stCondLst>
+                      <p:childTnLst>
+                        <p:par>
+                          <p:cTn id="22" fill="hold">
+                            <p:stCondLst>
+                              <p:cond delay="0"/>
+                            </p:stCondLst>
+                            <p:childTnLst>
+                              <p:par>
+                                <p:cTn id="23" presetID="2" presetClass="entr" presetSubtype="4" fill="hold" grpId="0" nodeType="clickEffect">
+                                  <p:stCondLst>
+                                    <p:cond delay="0"/>
+                                  </p:stCondLst>
+                                  <p:childTnLst>
+                                    <p:set>
+                                      <p:cBhvr>
+                                        <p:cTn id="24" dur="1" fill="hold">
+                                          <p:stCondLst>
+                                            <p:cond delay="0"/>
+                                          </p:stCondLst>
+                                        </p:cTn>
+                                        <p:tgtEl>
+                                          <p:spTgt spid="3">
+                                            <p:txEl>
+                                              <p:pRg st="3" end="3"/>
+                                            </p:txEl>
+                                          </p:spTgt>
+                                        </p:tgtEl>
+                                        <p:attrNameLst>
+                                          <p:attrName>style.visibility</p:attrName>
+                                        </p:attrNameLst>
+                                      </p:cBhvr>
+                                      <p:to>
+                                        <p:strVal val="visible"/>
+                                      </p:to>
+                                    </p:set>
+                                    <p:anim calcmode="lin" valueType="num">
+                                      <p:cBhvr additive="base">
+                                        <p:cTn id="25" dur="500" fill="hold"/>
+                                        <p:tgtEl>
+                                          <p:spTgt spid="3">
+                                            <p:txEl>
+                                              <p:pRg st="3" end="3"/>
+                                            </p:txEl>
+                                          </p:spTgt>
+                                        </p:tgtEl>
+                                        <p:attrNameLst>
+                                          <p:attrName>ppt_x</p:attrName>
+                                        </p:attrNameLst>
+                                      </p:cBhvr>
+                                      <p:tavLst>
+                                        <p:tav tm="0">
+                                          <p:val>
+                                            <p:strVal val="#ppt_x"/>
+                                          </p:val>
+                                        </p:tav>
+                                        <p:tav tm="100000">
+                                          <p:val>
+                                            <p:strVal val="#ppt_x"/>
+                                          </p:val>
+                                        </p:tav>
+                                      </p:tavLst>
+                                    </p:anim>
+                                    <p:anim calcmode="lin" valueType="num">
+                                      <p:cBhvr additive="base">
+                                        <p:cTn id="26" dur="500" fill="hold"/>
+                                        <p:tgtEl>
+                                          <p:spTgt spid="3">
+                                            <p:txEl>
+                                              <p:pRg st="3" end="3"/>
+                                            </p:txEl>
+                                          </p:spTgt>
+                                        </p:tgtEl>
+                                        <p:attrNameLst>
+                                          <p:attrName>ppt_y</p:attrName>
+                                        </p:attrNameLst>
+                                      </p:cBhvr>
+                                      <p:tavLst>
+                                        <p:tav tm="0">
+                                          <p:val>
+                                            <p:strVal val="1+#ppt_h/2"/>
+                                          </p:val>
+                                        </p:tav>
+                                        <p:tav tm="100000">
+                                          <p:val>
+                                            <p:strVal val="#ppt_y"/>
+                                          </p:val>
+                                        </p:tav>
+                                      </p:tavLst>
+                                    </p:anim>
+                                  </p:childTnLst>
+                                </p:cTn>
+                              </p:par>
+                            </p:childTnLst>
+                          </p:cTn>
+                        </p:par>
+                      </p:childTnLst>
+                    </p:cTn>
+                  </p:par>
+                  <p:par>
+                    <p:cTn id="27" fill="hold">
+                      <p:stCondLst>
+                        <p:cond delay="indefinite"/>
+                      </p:stCondLst>
+                      <p:childTnLst>
+                        <p:par>
+                          <p:cTn id="28" fill="hold">
+                            <p:stCondLst>
+                              <p:cond delay="0"/>
+                            </p:stCondLst>
+                            <p:childTnLst>
+                              <p:par>
+                                <p:cTn id="29" presetID="2" presetClass="entr" presetSubtype="4" fill="hold" grpId="0" nodeType="clickEffect">
+                                  <p:stCondLst>
+                                    <p:cond delay="0"/>
+                                  </p:stCondLst>
+                                  <p:childTnLst>
+                                    <p:set>
+                                      <p:cBhvr>
+                                        <p:cTn id="30" dur="1" fill="hold">
+                                          <p:stCondLst>
+                                            <p:cond delay="0"/>
+                                          </p:stCondLst>
+                                        </p:cTn>
+                                        <p:tgtEl>
+                                          <p:spTgt spid="3">
+                                            <p:txEl>
+                                              <p:pRg st="4" end="4"/>
+                                            </p:txEl>
+                                          </p:spTgt>
+                                        </p:tgtEl>
+                                        <p:attrNameLst>
+                                          <p:attrName>style.visibility</p:attrName>
+                                        </p:attrNameLst>
+                                      </p:cBhvr>
+                                      <p:to>
+                                        <p:strVal val="visible"/>
+                                      </p:to>
+                                    </p:set>
+                                    <p:anim calcmode="lin" valueType="num">
+                                      <p:cBhvr additive="base">
+                                        <p:cTn id="31" dur="500" fill="hold"/>
+                                        <p:tgtEl>
+                                          <p:spTgt spid="3">
+                                            <p:txEl>
+                                              <p:pRg st="4" end="4"/>
+                                            </p:txEl>
+                                          </p:spTgt>
+                                        </p:tgtEl>
+                                        <p:attrNameLst>
+                                          <p:attrName>ppt_x</p:attrName>
+                                        </p:attrNameLst>
+                                      </p:cBhvr>
+                                      <p:tavLst>
+                                        <p:tav tm="0">
+                                          <p:val>
+                                            <p:strVal val="#ppt_x"/>
+                                          </p:val>
+                                        </p:tav>
+                                        <p:tav tm="100000">
+                                          <p:val>
+                                            <p:strVal val="#ppt_x"/>
+                                          </p:val>
+                                        </p:tav>
+                                      </p:tavLst>
+                                    </p:anim>
+                                    <p:anim calcmode="lin" valueType="num">
+                                      <p:cBhvr additive="base">
+                                        <p:cTn id="32" dur="500" fill="hold"/>
+                                        <p:tgtEl>
+                                          <p:spTgt spid="3">
+                                            <p:txEl>
+                                              <p:pRg st="4" end="4"/>
+                                            </p:txEl>
+                                          </p:spTgt>
+                                        </p:tgtEl>
+                                        <p:attrNameLst>
+                                          <p:attrName>ppt_y</p:attrName>
+                                        </p:attrNameLst>
+                                      </p:cBhvr>
+                                      <p:tavLst>
+                                        <p:tav tm="0">
+                                          <p:val>
+                                            <p:strVal val="1+#ppt_h/2"/>
+                                          </p:val>
+                                        </p:tav>
+                                        <p:tav tm="100000">
+                                          <p:val>
+                                            <p:strVal val="#ppt_y"/>
+                                          </p:val>
+                                        </p:tav>
+                                      </p:tavLst>
+                                    </p:anim>
+                                  </p:childTnLst>
+                                </p:cTn>
+                              </p:par>
+                            </p:childTnLst>
+                          </p:cTn>
+                        </p:par>
+                      </p:childTnLst>
+                    </p:cTn>
+                  </p:par>
+                </p:childTnLst>
+              </p:cTn>
+              <p:prevCondLst>
+                <p:cond evt="onPrev" delay="0">
+                  <p:tgtEl>
+                    <p:sldTgt/>
+                  </p:tgtEl>
+                </p:cond>
+              </p:prevCondLst>
+              <p:nextCondLst>
+                <p:cond evt="onNext" delay="0">
+                  <p:tgtEl>
+                    <p:sldTgt/>
+                  </p:tgtEl>
+                </p:cond>
+              </p:nextCondLst>
+            </p:seq>
+          </p:childTnLst>
+        </p:cTn>
+      </p:par>
+    </p:tnLst>
+    <p:bldLst>
+      <p:bldP spid="3" grpId="0" build="p"/>
+    </p:bldLst>
+  </p:timing>
 </p:sld>
 </file>
 
@@ -31302,7 +33931,7 @@
           <p:cNvPr id="2" name="Title 1">
             <a:extLst>
               <a:ext uri="{FF2B5EF4-FFF2-40B4-BE49-F238E27FC236}">
-                <a16:creationId xmlns:a16="http://schemas.microsoft.com/office/drawing/2014/main" id="{613A9EBD-2DFD-444A-AABD-14734D02E672}"/>
+                <a16:creationId xmlns:a16="http://schemas.microsoft.com/office/drawing/2014/main" id="{1AADFD05-FC20-D96A-1083-6071849EA0F7}"/>
               </a:ext>
             </a:extLst>
           </p:cNvPr>
@@ -31313,28 +33942,16 @@
             <p:ph type="title"/>
           </p:nvPr>
         </p:nvSpPr>
-        <p:spPr>
-          <a:xfrm>
-            <a:off x="1154953" y="838200"/>
-            <a:ext cx="8825659" cy="847725"/>
-          </a:xfrm>
-        </p:spPr>
+        <p:spPr/>
         <p:txBody>
           <a:bodyPr/>
           <a:lstStyle/>
           <a:p>
-            <a:pPr rtl="0">
-              <a:spcBef>
-                <a:spcPts val="1200"/>
-              </a:spcBef>
-              <a:spcAft>
-                <a:spcPts val="1200"/>
-              </a:spcAft>
-            </a:pPr>
             <a:r>
               <a:rPr lang="en-US" dirty="0"/>
               <a:t>Step 3 – Distributing Work with MPI</a:t>
             </a:r>
+            <a:endParaRPr lang="en-PK" dirty="0"/>
           </a:p>
         </p:txBody>
       </p:sp>
@@ -31343,255 +33960,21 @@
           <p:cNvPr id="3" name="Content Placeholder 2">
             <a:extLst>
               <a:ext uri="{FF2B5EF4-FFF2-40B4-BE49-F238E27FC236}">
-                <a16:creationId xmlns:a16="http://schemas.microsoft.com/office/drawing/2014/main" id="{391559E1-D743-4F9C-92B8-146D5C7605BF}"/>
+                <a16:creationId xmlns:a16="http://schemas.microsoft.com/office/drawing/2014/main" id="{B4DC2882-945E-0A68-244E-694395280C25}"/>
               </a:ext>
             </a:extLst>
           </p:cNvPr>
-          <p:cNvSpPr txBox="1">
-            <a:spLocks/>
+          <p:cNvSpPr>
+            <a:spLocks noGrp="1"/>
           </p:cNvSpPr>
-          <p:nvPr/>
+          <p:nvPr>
+            <p:ph idx="1"/>
+          </p:nvPr>
         </p:nvSpPr>
-        <p:spPr>
-          <a:xfrm>
-            <a:off x="1154954" y="2486025"/>
-            <a:ext cx="8825659" cy="3533775"/>
-          </a:xfrm>
-          <a:prstGeom prst="rect">
-            <a:avLst/>
-          </a:prstGeom>
-        </p:spPr>
+        <p:spPr/>
         <p:txBody>
-          <a:bodyPr>
-            <a:noAutofit/>
-          </a:bodyPr>
-          <a:lstStyle>
-            <a:lvl1pPr marL="342900" indent="-342900" algn="l" defTabSz="457200" rtl="0" eaLnBrk="1" latinLnBrk="0" hangingPunct="1">
-              <a:spcBef>
-                <a:spcPts val="1000"/>
-              </a:spcBef>
-              <a:spcAft>
-                <a:spcPts val="0"/>
-              </a:spcAft>
-              <a:buClr>
-                <a:schemeClr val="accent1"/>
-              </a:buClr>
-              <a:buSzPct val="80000"/>
-              <a:buFont typeface="Wingdings 3" charset="2"/>
-              <a:buChar char=""/>
-              <a:defRPr sz="1800" b="0" i="0" kern="1200">
-                <a:solidFill>
-                  <a:schemeClr val="tx1">
-                    <a:lumMod val="75000"/>
-                    <a:lumOff val="25000"/>
-                  </a:schemeClr>
-                </a:solidFill>
-                <a:latin typeface="+mn-lt"/>
-                <a:ea typeface="+mn-ea"/>
-                <a:cs typeface="+mn-cs"/>
-              </a:defRPr>
-            </a:lvl1pPr>
-            <a:lvl2pPr marL="742950" indent="-285750" algn="l" defTabSz="457200" rtl="0" eaLnBrk="1" latinLnBrk="0" hangingPunct="1">
-              <a:spcBef>
-                <a:spcPts val="1000"/>
-              </a:spcBef>
-              <a:spcAft>
-                <a:spcPts val="0"/>
-              </a:spcAft>
-              <a:buClr>
-                <a:schemeClr val="accent1"/>
-              </a:buClr>
-              <a:buSzPct val="80000"/>
-              <a:buFont typeface="Wingdings 3" charset="2"/>
-              <a:buChar char=""/>
-              <a:defRPr sz="1600" b="0" i="0" kern="1200">
-                <a:solidFill>
-                  <a:schemeClr val="tx1">
-                    <a:lumMod val="75000"/>
-                    <a:lumOff val="25000"/>
-                  </a:schemeClr>
-                </a:solidFill>
-                <a:latin typeface="+mn-lt"/>
-                <a:ea typeface="+mn-ea"/>
-                <a:cs typeface="+mn-cs"/>
-              </a:defRPr>
-            </a:lvl2pPr>
-            <a:lvl3pPr marL="1143000" indent="-228600" algn="l" defTabSz="457200" rtl="0" eaLnBrk="1" latinLnBrk="0" hangingPunct="1">
-              <a:spcBef>
-                <a:spcPts val="1000"/>
-              </a:spcBef>
-              <a:spcAft>
-                <a:spcPts val="0"/>
-              </a:spcAft>
-              <a:buClr>
-                <a:schemeClr val="accent1"/>
-              </a:buClr>
-              <a:buSzPct val="80000"/>
-              <a:buFont typeface="Wingdings 3" charset="2"/>
-              <a:buChar char=""/>
-              <a:defRPr sz="1400" b="0" i="0" kern="1200">
-                <a:solidFill>
-                  <a:schemeClr val="tx1">
-                    <a:lumMod val="75000"/>
-                    <a:lumOff val="25000"/>
-                  </a:schemeClr>
-                </a:solidFill>
-                <a:latin typeface="+mn-lt"/>
-                <a:ea typeface="+mn-ea"/>
-                <a:cs typeface="+mn-cs"/>
-              </a:defRPr>
-            </a:lvl3pPr>
-            <a:lvl4pPr marL="1600200" indent="-228600" algn="l" defTabSz="457200" rtl="0" eaLnBrk="1" latinLnBrk="0" hangingPunct="1">
-              <a:spcBef>
-                <a:spcPts val="1000"/>
-              </a:spcBef>
-              <a:spcAft>
-                <a:spcPts val="0"/>
-              </a:spcAft>
-              <a:buClr>
-                <a:schemeClr val="accent1"/>
-              </a:buClr>
-              <a:buSzPct val="80000"/>
-              <a:buFont typeface="Wingdings 3" charset="2"/>
-              <a:buChar char=""/>
-              <a:defRPr sz="1200" b="0" i="0" kern="1200">
-                <a:solidFill>
-                  <a:schemeClr val="tx1">
-                    <a:lumMod val="75000"/>
-                    <a:lumOff val="25000"/>
-                  </a:schemeClr>
-                </a:solidFill>
-                <a:latin typeface="+mn-lt"/>
-                <a:ea typeface="+mn-ea"/>
-                <a:cs typeface="+mn-cs"/>
-              </a:defRPr>
-            </a:lvl4pPr>
-            <a:lvl5pPr marL="2057400" indent="-228600" algn="l" defTabSz="457200" rtl="0" eaLnBrk="1" latinLnBrk="0" hangingPunct="1">
-              <a:spcBef>
-                <a:spcPts val="1000"/>
-              </a:spcBef>
-              <a:spcAft>
-                <a:spcPts val="0"/>
-              </a:spcAft>
-              <a:buClr>
-                <a:schemeClr val="accent1"/>
-              </a:buClr>
-              <a:buSzPct val="80000"/>
-              <a:buFont typeface="Wingdings 3" charset="2"/>
-              <a:buChar char=""/>
-              <a:defRPr sz="1200" b="0" i="0" kern="1200">
-                <a:solidFill>
-                  <a:schemeClr val="tx1">
-                    <a:lumMod val="75000"/>
-                    <a:lumOff val="25000"/>
-                  </a:schemeClr>
-                </a:solidFill>
-                <a:latin typeface="+mn-lt"/>
-                <a:ea typeface="+mn-ea"/>
-                <a:cs typeface="+mn-cs"/>
-              </a:defRPr>
-            </a:lvl5pPr>
-            <a:lvl6pPr marL="2514600" indent="-228600" algn="l" defTabSz="457200" rtl="0" eaLnBrk="1" latinLnBrk="0" hangingPunct="1">
-              <a:spcBef>
-                <a:spcPts val="1000"/>
-              </a:spcBef>
-              <a:spcAft>
-                <a:spcPts val="0"/>
-              </a:spcAft>
-              <a:buClr>
-                <a:schemeClr val="accent1"/>
-              </a:buClr>
-              <a:buSzPct val="80000"/>
-              <a:buFont typeface="Wingdings 3" charset="2"/>
-              <a:buChar char=""/>
-              <a:defRPr sz="1200" b="0" i="0" kern="1200">
-                <a:solidFill>
-                  <a:schemeClr val="tx1">
-                    <a:lumMod val="75000"/>
-                    <a:lumOff val="25000"/>
-                  </a:schemeClr>
-                </a:solidFill>
-                <a:latin typeface="+mn-lt"/>
-                <a:ea typeface="+mn-ea"/>
-                <a:cs typeface="+mn-cs"/>
-              </a:defRPr>
-            </a:lvl6pPr>
-            <a:lvl7pPr marL="2971800" indent="-228600" algn="l" defTabSz="457200" rtl="0" eaLnBrk="1" latinLnBrk="0" hangingPunct="1">
-              <a:spcBef>
-                <a:spcPts val="1000"/>
-              </a:spcBef>
-              <a:spcAft>
-                <a:spcPts val="0"/>
-              </a:spcAft>
-              <a:buClr>
-                <a:schemeClr val="accent1"/>
-              </a:buClr>
-              <a:buSzPct val="80000"/>
-              <a:buFont typeface="Wingdings 3" charset="2"/>
-              <a:buChar char=""/>
-              <a:defRPr sz="1200" b="0" i="0" kern="1200">
-                <a:solidFill>
-                  <a:schemeClr val="tx1">
-                    <a:lumMod val="75000"/>
-                    <a:lumOff val="25000"/>
-                  </a:schemeClr>
-                </a:solidFill>
-                <a:latin typeface="+mn-lt"/>
-                <a:ea typeface="+mn-ea"/>
-                <a:cs typeface="+mn-cs"/>
-              </a:defRPr>
-            </a:lvl7pPr>
-            <a:lvl8pPr marL="3429000" indent="-228600" algn="l" defTabSz="457200" rtl="0" eaLnBrk="1" latinLnBrk="0" hangingPunct="1">
-              <a:spcBef>
-                <a:spcPts val="1000"/>
-              </a:spcBef>
-              <a:spcAft>
-                <a:spcPts val="0"/>
-              </a:spcAft>
-              <a:buClr>
-                <a:schemeClr val="accent1"/>
-              </a:buClr>
-              <a:buSzPct val="80000"/>
-              <a:buFont typeface="Wingdings 3" charset="2"/>
-              <a:buChar char=""/>
-              <a:defRPr sz="1200" b="0" i="0" kern="1200">
-                <a:solidFill>
-                  <a:schemeClr val="tx1">
-                    <a:lumMod val="75000"/>
-                    <a:lumOff val="25000"/>
-                  </a:schemeClr>
-                </a:solidFill>
-                <a:latin typeface="+mn-lt"/>
-                <a:ea typeface="+mn-ea"/>
-                <a:cs typeface="+mn-cs"/>
-              </a:defRPr>
-            </a:lvl8pPr>
-            <a:lvl9pPr marL="3886200" indent="-228600" algn="l" defTabSz="457200" rtl="0" eaLnBrk="1" latinLnBrk="0" hangingPunct="1">
-              <a:spcBef>
-                <a:spcPts val="1000"/>
-              </a:spcBef>
-              <a:spcAft>
-                <a:spcPts val="0"/>
-              </a:spcAft>
-              <a:buClr>
-                <a:schemeClr val="accent1"/>
-              </a:buClr>
-              <a:buSzPct val="80000"/>
-              <a:buFont typeface="Wingdings 3" charset="2"/>
-              <a:buChar char=""/>
-              <a:defRPr sz="1200" b="0" i="0" kern="1200">
-                <a:solidFill>
-                  <a:schemeClr val="tx1">
-                    <a:lumMod val="75000"/>
-                    <a:lumOff val="25000"/>
-                  </a:schemeClr>
-                </a:solidFill>
-                <a:latin typeface="+mn-lt"/>
-                <a:ea typeface="+mn-ea"/>
-                <a:cs typeface="+mn-cs"/>
-              </a:defRPr>
-            </a:lvl9pPr>
-          </a:lstStyle>
+          <a:bodyPr/>
+          <a:lstStyle/>
           <a:p>
             <a:pPr rtl="0" fontAlgn="base">
               <a:lnSpc>
@@ -31751,18 +34134,654 @@
               <a:latin typeface="Arial" panose="020B0604020202020204" pitchFamily="34" charset="0"/>
             </a:endParaRPr>
           </a:p>
+          <a:p>
+            <a:endParaRPr lang="en-PK" dirty="0"/>
+          </a:p>
         </p:txBody>
       </p:sp>
     </p:spTree>
     <p:extLst>
       <p:ext uri="{BB962C8B-B14F-4D97-AF65-F5344CB8AC3E}">
-        <p14:creationId xmlns:p14="http://schemas.microsoft.com/office/powerpoint/2010/main" val="3603667119"/>
+        <p14:creationId xmlns:p14="http://schemas.microsoft.com/office/powerpoint/2010/main" val="1616175542"/>
       </p:ext>
     </p:extLst>
   </p:cSld>
   <p:clrMapOvr>
     <a:masterClrMapping/>
   </p:clrMapOvr>
+  <p:timing>
+    <p:tnLst>
+      <p:par>
+        <p:cTn id="1" dur="indefinite" restart="never" nodeType="tmRoot">
+          <p:childTnLst>
+            <p:seq concurrent="1" nextAc="seek">
+              <p:cTn id="2" dur="indefinite" nodeType="mainSeq">
+                <p:childTnLst>
+                  <p:par>
+                    <p:cTn id="3" fill="hold">
+                      <p:stCondLst>
+                        <p:cond delay="indefinite"/>
+                      </p:stCondLst>
+                      <p:childTnLst>
+                        <p:par>
+                          <p:cTn id="4" fill="hold">
+                            <p:stCondLst>
+                              <p:cond delay="0"/>
+                            </p:stCondLst>
+                            <p:childTnLst>
+                              <p:par>
+                                <p:cTn id="5" presetID="2" presetClass="entr" presetSubtype="4" fill="hold" grpId="0" nodeType="clickEffect">
+                                  <p:stCondLst>
+                                    <p:cond delay="0"/>
+                                  </p:stCondLst>
+                                  <p:childTnLst>
+                                    <p:set>
+                                      <p:cBhvr>
+                                        <p:cTn id="6" dur="1" fill="hold">
+                                          <p:stCondLst>
+                                            <p:cond delay="0"/>
+                                          </p:stCondLst>
+                                        </p:cTn>
+                                        <p:tgtEl>
+                                          <p:spTgt spid="3">
+                                            <p:txEl>
+                                              <p:pRg st="0" end="0"/>
+                                            </p:txEl>
+                                          </p:spTgt>
+                                        </p:tgtEl>
+                                        <p:attrNameLst>
+                                          <p:attrName>style.visibility</p:attrName>
+                                        </p:attrNameLst>
+                                      </p:cBhvr>
+                                      <p:to>
+                                        <p:strVal val="visible"/>
+                                      </p:to>
+                                    </p:set>
+                                    <p:anim calcmode="lin" valueType="num">
+                                      <p:cBhvr additive="base">
+                                        <p:cTn id="7" dur="500" fill="hold"/>
+                                        <p:tgtEl>
+                                          <p:spTgt spid="3">
+                                            <p:txEl>
+                                              <p:pRg st="0" end="0"/>
+                                            </p:txEl>
+                                          </p:spTgt>
+                                        </p:tgtEl>
+                                        <p:attrNameLst>
+                                          <p:attrName>ppt_x</p:attrName>
+                                        </p:attrNameLst>
+                                      </p:cBhvr>
+                                      <p:tavLst>
+                                        <p:tav tm="0">
+                                          <p:val>
+                                            <p:strVal val="#ppt_x"/>
+                                          </p:val>
+                                        </p:tav>
+                                        <p:tav tm="100000">
+                                          <p:val>
+                                            <p:strVal val="#ppt_x"/>
+                                          </p:val>
+                                        </p:tav>
+                                      </p:tavLst>
+                                    </p:anim>
+                                    <p:anim calcmode="lin" valueType="num">
+                                      <p:cBhvr additive="base">
+                                        <p:cTn id="8" dur="500" fill="hold"/>
+                                        <p:tgtEl>
+                                          <p:spTgt spid="3">
+                                            <p:txEl>
+                                              <p:pRg st="0" end="0"/>
+                                            </p:txEl>
+                                          </p:spTgt>
+                                        </p:tgtEl>
+                                        <p:attrNameLst>
+                                          <p:attrName>ppt_y</p:attrName>
+                                        </p:attrNameLst>
+                                      </p:cBhvr>
+                                      <p:tavLst>
+                                        <p:tav tm="0">
+                                          <p:val>
+                                            <p:strVal val="1+#ppt_h/2"/>
+                                          </p:val>
+                                        </p:tav>
+                                        <p:tav tm="100000">
+                                          <p:val>
+                                            <p:strVal val="#ppt_y"/>
+                                          </p:val>
+                                        </p:tav>
+                                      </p:tavLst>
+                                    </p:anim>
+                                  </p:childTnLst>
+                                </p:cTn>
+                              </p:par>
+                            </p:childTnLst>
+                          </p:cTn>
+                        </p:par>
+                      </p:childTnLst>
+                    </p:cTn>
+                  </p:par>
+                  <p:par>
+                    <p:cTn id="9" fill="hold">
+                      <p:stCondLst>
+                        <p:cond delay="indefinite"/>
+                      </p:stCondLst>
+                      <p:childTnLst>
+                        <p:par>
+                          <p:cTn id="10" fill="hold">
+                            <p:stCondLst>
+                              <p:cond delay="0"/>
+                            </p:stCondLst>
+                            <p:childTnLst>
+                              <p:par>
+                                <p:cTn id="11" presetID="2" presetClass="entr" presetSubtype="4" fill="hold" grpId="0" nodeType="clickEffect">
+                                  <p:stCondLst>
+                                    <p:cond delay="0"/>
+                                  </p:stCondLst>
+                                  <p:childTnLst>
+                                    <p:set>
+                                      <p:cBhvr>
+                                        <p:cTn id="12" dur="1" fill="hold">
+                                          <p:stCondLst>
+                                            <p:cond delay="0"/>
+                                          </p:stCondLst>
+                                        </p:cTn>
+                                        <p:tgtEl>
+                                          <p:spTgt spid="3">
+                                            <p:txEl>
+                                              <p:pRg st="1" end="1"/>
+                                            </p:txEl>
+                                          </p:spTgt>
+                                        </p:tgtEl>
+                                        <p:attrNameLst>
+                                          <p:attrName>style.visibility</p:attrName>
+                                        </p:attrNameLst>
+                                      </p:cBhvr>
+                                      <p:to>
+                                        <p:strVal val="visible"/>
+                                      </p:to>
+                                    </p:set>
+                                    <p:anim calcmode="lin" valueType="num">
+                                      <p:cBhvr additive="base">
+                                        <p:cTn id="13" dur="500" fill="hold"/>
+                                        <p:tgtEl>
+                                          <p:spTgt spid="3">
+                                            <p:txEl>
+                                              <p:pRg st="1" end="1"/>
+                                            </p:txEl>
+                                          </p:spTgt>
+                                        </p:tgtEl>
+                                        <p:attrNameLst>
+                                          <p:attrName>ppt_x</p:attrName>
+                                        </p:attrNameLst>
+                                      </p:cBhvr>
+                                      <p:tavLst>
+                                        <p:tav tm="0">
+                                          <p:val>
+                                            <p:strVal val="#ppt_x"/>
+                                          </p:val>
+                                        </p:tav>
+                                        <p:tav tm="100000">
+                                          <p:val>
+                                            <p:strVal val="#ppt_x"/>
+                                          </p:val>
+                                        </p:tav>
+                                      </p:tavLst>
+                                    </p:anim>
+                                    <p:anim calcmode="lin" valueType="num">
+                                      <p:cBhvr additive="base">
+                                        <p:cTn id="14" dur="500" fill="hold"/>
+                                        <p:tgtEl>
+                                          <p:spTgt spid="3">
+                                            <p:txEl>
+                                              <p:pRg st="1" end="1"/>
+                                            </p:txEl>
+                                          </p:spTgt>
+                                        </p:tgtEl>
+                                        <p:attrNameLst>
+                                          <p:attrName>ppt_y</p:attrName>
+                                        </p:attrNameLst>
+                                      </p:cBhvr>
+                                      <p:tavLst>
+                                        <p:tav tm="0">
+                                          <p:val>
+                                            <p:strVal val="1+#ppt_h/2"/>
+                                          </p:val>
+                                        </p:tav>
+                                        <p:tav tm="100000">
+                                          <p:val>
+                                            <p:strVal val="#ppt_y"/>
+                                          </p:val>
+                                        </p:tav>
+                                      </p:tavLst>
+                                    </p:anim>
+                                  </p:childTnLst>
+                                </p:cTn>
+                              </p:par>
+                              <p:par>
+                                <p:cTn id="15" presetID="2" presetClass="entr" presetSubtype="4" fill="hold" grpId="0" nodeType="withEffect">
+                                  <p:stCondLst>
+                                    <p:cond delay="0"/>
+                                  </p:stCondLst>
+                                  <p:childTnLst>
+                                    <p:set>
+                                      <p:cBhvr>
+                                        <p:cTn id="16" dur="1" fill="hold">
+                                          <p:stCondLst>
+                                            <p:cond delay="0"/>
+                                          </p:stCondLst>
+                                        </p:cTn>
+                                        <p:tgtEl>
+                                          <p:spTgt spid="3">
+                                            <p:txEl>
+                                              <p:pRg st="2" end="2"/>
+                                            </p:txEl>
+                                          </p:spTgt>
+                                        </p:tgtEl>
+                                        <p:attrNameLst>
+                                          <p:attrName>style.visibility</p:attrName>
+                                        </p:attrNameLst>
+                                      </p:cBhvr>
+                                      <p:to>
+                                        <p:strVal val="visible"/>
+                                      </p:to>
+                                    </p:set>
+                                    <p:anim calcmode="lin" valueType="num">
+                                      <p:cBhvr additive="base">
+                                        <p:cTn id="17" dur="500" fill="hold"/>
+                                        <p:tgtEl>
+                                          <p:spTgt spid="3">
+                                            <p:txEl>
+                                              <p:pRg st="2" end="2"/>
+                                            </p:txEl>
+                                          </p:spTgt>
+                                        </p:tgtEl>
+                                        <p:attrNameLst>
+                                          <p:attrName>ppt_x</p:attrName>
+                                        </p:attrNameLst>
+                                      </p:cBhvr>
+                                      <p:tavLst>
+                                        <p:tav tm="0">
+                                          <p:val>
+                                            <p:strVal val="#ppt_x"/>
+                                          </p:val>
+                                        </p:tav>
+                                        <p:tav tm="100000">
+                                          <p:val>
+                                            <p:strVal val="#ppt_x"/>
+                                          </p:val>
+                                        </p:tav>
+                                      </p:tavLst>
+                                    </p:anim>
+                                    <p:anim calcmode="lin" valueType="num">
+                                      <p:cBhvr additive="base">
+                                        <p:cTn id="18" dur="500" fill="hold"/>
+                                        <p:tgtEl>
+                                          <p:spTgt spid="3">
+                                            <p:txEl>
+                                              <p:pRg st="2" end="2"/>
+                                            </p:txEl>
+                                          </p:spTgt>
+                                        </p:tgtEl>
+                                        <p:attrNameLst>
+                                          <p:attrName>ppt_y</p:attrName>
+                                        </p:attrNameLst>
+                                      </p:cBhvr>
+                                      <p:tavLst>
+                                        <p:tav tm="0">
+                                          <p:val>
+                                            <p:strVal val="1+#ppt_h/2"/>
+                                          </p:val>
+                                        </p:tav>
+                                        <p:tav tm="100000">
+                                          <p:val>
+                                            <p:strVal val="#ppt_y"/>
+                                          </p:val>
+                                        </p:tav>
+                                      </p:tavLst>
+                                    </p:anim>
+                                  </p:childTnLst>
+                                </p:cTn>
+                              </p:par>
+                            </p:childTnLst>
+                          </p:cTn>
+                        </p:par>
+                      </p:childTnLst>
+                    </p:cTn>
+                  </p:par>
+                  <p:par>
+                    <p:cTn id="19" fill="hold">
+                      <p:stCondLst>
+                        <p:cond delay="indefinite"/>
+                      </p:stCondLst>
+                      <p:childTnLst>
+                        <p:par>
+                          <p:cTn id="20" fill="hold">
+                            <p:stCondLst>
+                              <p:cond delay="0"/>
+                            </p:stCondLst>
+                            <p:childTnLst>
+                              <p:par>
+                                <p:cTn id="21" presetID="2" presetClass="entr" presetSubtype="4" fill="hold" grpId="0" nodeType="clickEffect">
+                                  <p:stCondLst>
+                                    <p:cond delay="0"/>
+                                  </p:stCondLst>
+                                  <p:childTnLst>
+                                    <p:set>
+                                      <p:cBhvr>
+                                        <p:cTn id="22" dur="1" fill="hold">
+                                          <p:stCondLst>
+                                            <p:cond delay="0"/>
+                                          </p:stCondLst>
+                                        </p:cTn>
+                                        <p:tgtEl>
+                                          <p:spTgt spid="3">
+                                            <p:txEl>
+                                              <p:pRg st="3" end="3"/>
+                                            </p:txEl>
+                                          </p:spTgt>
+                                        </p:tgtEl>
+                                        <p:attrNameLst>
+                                          <p:attrName>style.visibility</p:attrName>
+                                        </p:attrNameLst>
+                                      </p:cBhvr>
+                                      <p:to>
+                                        <p:strVal val="visible"/>
+                                      </p:to>
+                                    </p:set>
+                                    <p:anim calcmode="lin" valueType="num">
+                                      <p:cBhvr additive="base">
+                                        <p:cTn id="23" dur="500" fill="hold"/>
+                                        <p:tgtEl>
+                                          <p:spTgt spid="3">
+                                            <p:txEl>
+                                              <p:pRg st="3" end="3"/>
+                                            </p:txEl>
+                                          </p:spTgt>
+                                        </p:tgtEl>
+                                        <p:attrNameLst>
+                                          <p:attrName>ppt_x</p:attrName>
+                                        </p:attrNameLst>
+                                      </p:cBhvr>
+                                      <p:tavLst>
+                                        <p:tav tm="0">
+                                          <p:val>
+                                            <p:strVal val="#ppt_x"/>
+                                          </p:val>
+                                        </p:tav>
+                                        <p:tav tm="100000">
+                                          <p:val>
+                                            <p:strVal val="#ppt_x"/>
+                                          </p:val>
+                                        </p:tav>
+                                      </p:tavLst>
+                                    </p:anim>
+                                    <p:anim calcmode="lin" valueType="num">
+                                      <p:cBhvr additive="base">
+                                        <p:cTn id="24" dur="500" fill="hold"/>
+                                        <p:tgtEl>
+                                          <p:spTgt spid="3">
+                                            <p:txEl>
+                                              <p:pRg st="3" end="3"/>
+                                            </p:txEl>
+                                          </p:spTgt>
+                                        </p:tgtEl>
+                                        <p:attrNameLst>
+                                          <p:attrName>ppt_y</p:attrName>
+                                        </p:attrNameLst>
+                                      </p:cBhvr>
+                                      <p:tavLst>
+                                        <p:tav tm="0">
+                                          <p:val>
+                                            <p:strVal val="1+#ppt_h/2"/>
+                                          </p:val>
+                                        </p:tav>
+                                        <p:tav tm="100000">
+                                          <p:val>
+                                            <p:strVal val="#ppt_y"/>
+                                          </p:val>
+                                        </p:tav>
+                                      </p:tavLst>
+                                    </p:anim>
+                                  </p:childTnLst>
+                                </p:cTn>
+                              </p:par>
+                            </p:childTnLst>
+                          </p:cTn>
+                        </p:par>
+                      </p:childTnLst>
+                    </p:cTn>
+                  </p:par>
+                  <p:par>
+                    <p:cTn id="25" fill="hold">
+                      <p:stCondLst>
+                        <p:cond delay="indefinite"/>
+                      </p:stCondLst>
+                      <p:childTnLst>
+                        <p:par>
+                          <p:cTn id="26" fill="hold">
+                            <p:stCondLst>
+                              <p:cond delay="0"/>
+                            </p:stCondLst>
+                            <p:childTnLst>
+                              <p:par>
+                                <p:cTn id="27" presetID="2" presetClass="entr" presetSubtype="4" fill="hold" grpId="0" nodeType="clickEffect">
+                                  <p:stCondLst>
+                                    <p:cond delay="0"/>
+                                  </p:stCondLst>
+                                  <p:childTnLst>
+                                    <p:set>
+                                      <p:cBhvr>
+                                        <p:cTn id="28" dur="1" fill="hold">
+                                          <p:stCondLst>
+                                            <p:cond delay="0"/>
+                                          </p:stCondLst>
+                                        </p:cTn>
+                                        <p:tgtEl>
+                                          <p:spTgt spid="3">
+                                            <p:txEl>
+                                              <p:pRg st="5" end="5"/>
+                                            </p:txEl>
+                                          </p:spTgt>
+                                        </p:tgtEl>
+                                        <p:attrNameLst>
+                                          <p:attrName>style.visibility</p:attrName>
+                                        </p:attrNameLst>
+                                      </p:cBhvr>
+                                      <p:to>
+                                        <p:strVal val="visible"/>
+                                      </p:to>
+                                    </p:set>
+                                    <p:anim calcmode="lin" valueType="num">
+                                      <p:cBhvr additive="base">
+                                        <p:cTn id="29" dur="500" fill="hold"/>
+                                        <p:tgtEl>
+                                          <p:spTgt spid="3">
+                                            <p:txEl>
+                                              <p:pRg st="5" end="5"/>
+                                            </p:txEl>
+                                          </p:spTgt>
+                                        </p:tgtEl>
+                                        <p:attrNameLst>
+                                          <p:attrName>ppt_x</p:attrName>
+                                        </p:attrNameLst>
+                                      </p:cBhvr>
+                                      <p:tavLst>
+                                        <p:tav tm="0">
+                                          <p:val>
+                                            <p:strVal val="#ppt_x"/>
+                                          </p:val>
+                                        </p:tav>
+                                        <p:tav tm="100000">
+                                          <p:val>
+                                            <p:strVal val="#ppt_x"/>
+                                          </p:val>
+                                        </p:tav>
+                                      </p:tavLst>
+                                    </p:anim>
+                                    <p:anim calcmode="lin" valueType="num">
+                                      <p:cBhvr additive="base">
+                                        <p:cTn id="30" dur="500" fill="hold"/>
+                                        <p:tgtEl>
+                                          <p:spTgt spid="3">
+                                            <p:txEl>
+                                              <p:pRg st="5" end="5"/>
+                                            </p:txEl>
+                                          </p:spTgt>
+                                        </p:tgtEl>
+                                        <p:attrNameLst>
+                                          <p:attrName>ppt_y</p:attrName>
+                                        </p:attrNameLst>
+                                      </p:cBhvr>
+                                      <p:tavLst>
+                                        <p:tav tm="0">
+                                          <p:val>
+                                            <p:strVal val="1+#ppt_h/2"/>
+                                          </p:val>
+                                        </p:tav>
+                                        <p:tav tm="100000">
+                                          <p:val>
+                                            <p:strVal val="#ppt_y"/>
+                                          </p:val>
+                                        </p:tav>
+                                      </p:tavLst>
+                                    </p:anim>
+                                  </p:childTnLst>
+                                </p:cTn>
+                              </p:par>
+                            </p:childTnLst>
+                          </p:cTn>
+                        </p:par>
+                      </p:childTnLst>
+                    </p:cTn>
+                  </p:par>
+                  <p:par>
+                    <p:cTn id="31" fill="hold">
+                      <p:stCondLst>
+                        <p:cond delay="indefinite"/>
+                      </p:stCondLst>
+                      <p:childTnLst>
+                        <p:par>
+                          <p:cTn id="32" fill="hold">
+                            <p:stCondLst>
+                              <p:cond delay="0"/>
+                            </p:stCondLst>
+                            <p:childTnLst>
+                              <p:par>
+                                <p:cTn id="33" presetID="2" presetClass="entr" presetSubtype="4" fill="hold" grpId="0" nodeType="clickEffect">
+                                  <p:stCondLst>
+                                    <p:cond delay="0"/>
+                                  </p:stCondLst>
+                                  <p:childTnLst>
+                                    <p:set>
+                                      <p:cBhvr>
+                                        <p:cTn id="34" dur="1" fill="hold">
+                                          <p:stCondLst>
+                                            <p:cond delay="0"/>
+                                          </p:stCondLst>
+                                        </p:cTn>
+                                        <p:tgtEl>
+                                          <p:spTgt spid="3">
+                                            <p:txEl>
+                                              <p:pRg st="6" end="6"/>
+                                            </p:txEl>
+                                          </p:spTgt>
+                                        </p:tgtEl>
+                                        <p:attrNameLst>
+                                          <p:attrName>style.visibility</p:attrName>
+                                        </p:attrNameLst>
+                                      </p:cBhvr>
+                                      <p:to>
+                                        <p:strVal val="visible"/>
+                                      </p:to>
+                                    </p:set>
+                                    <p:anim calcmode="lin" valueType="num">
+                                      <p:cBhvr additive="base">
+                                        <p:cTn id="35" dur="500" fill="hold"/>
+                                        <p:tgtEl>
+                                          <p:spTgt spid="3">
+                                            <p:txEl>
+                                              <p:pRg st="6" end="6"/>
+                                            </p:txEl>
+                                          </p:spTgt>
+                                        </p:tgtEl>
+                                        <p:attrNameLst>
+                                          <p:attrName>ppt_x</p:attrName>
+                                        </p:attrNameLst>
+                                      </p:cBhvr>
+                                      <p:tavLst>
+                                        <p:tav tm="0">
+                                          <p:val>
+                                            <p:strVal val="#ppt_x"/>
+                                          </p:val>
+                                        </p:tav>
+                                        <p:tav tm="100000">
+                                          <p:val>
+                                            <p:strVal val="#ppt_x"/>
+                                          </p:val>
+                                        </p:tav>
+                                      </p:tavLst>
+                                    </p:anim>
+                                    <p:anim calcmode="lin" valueType="num">
+                                      <p:cBhvr additive="base">
+                                        <p:cTn id="36" dur="500" fill="hold"/>
+                                        <p:tgtEl>
+                                          <p:spTgt spid="3">
+                                            <p:txEl>
+                                              <p:pRg st="6" end="6"/>
+                                            </p:txEl>
+                                          </p:spTgt>
+                                        </p:tgtEl>
+                                        <p:attrNameLst>
+                                          <p:attrName>ppt_y</p:attrName>
+                                        </p:attrNameLst>
+                                      </p:cBhvr>
+                                      <p:tavLst>
+                                        <p:tav tm="0">
+                                          <p:val>
+                                            <p:strVal val="1+#ppt_h/2"/>
+                                          </p:val>
+                                        </p:tav>
+                                        <p:tav tm="100000">
+                                          <p:val>
+                                            <p:strVal val="#ppt_y"/>
+                                          </p:val>
+                                        </p:tav>
+                                      </p:tavLst>
+                                    </p:anim>
+                                  </p:childTnLst>
+                                </p:cTn>
+                              </p:par>
+                            </p:childTnLst>
+                          </p:cTn>
+                        </p:par>
+                      </p:childTnLst>
+                    </p:cTn>
+                  </p:par>
+                </p:childTnLst>
+              </p:cTn>
+              <p:prevCondLst>
+                <p:cond evt="onPrev" delay="0">
+                  <p:tgtEl>
+                    <p:sldTgt/>
+                  </p:tgtEl>
+                </p:cond>
+              </p:prevCondLst>
+              <p:nextCondLst>
+                <p:cond evt="onNext" delay="0">
+                  <p:tgtEl>
+                    <p:sldTgt/>
+                  </p:tgtEl>
+                </p:cond>
+              </p:nextCondLst>
+            </p:seq>
+          </p:childTnLst>
+        </p:cTn>
+      </p:par>
+    </p:tnLst>
+    <p:bldLst>
+      <p:bldP spid="3" grpId="0" uiExpand="1" build="p"/>
+    </p:bldLst>
+  </p:timing>
 </p:sld>
 </file>
 
@@ -32090,6 +35109,657 @@
   <p:clrMapOvr>
     <a:masterClrMapping/>
   </p:clrMapOvr>
+  <p:timing>
+    <p:tnLst>
+      <p:par>
+        <p:cTn id="1" dur="indefinite" restart="never" nodeType="tmRoot">
+          <p:childTnLst>
+            <p:seq concurrent="1" nextAc="seek">
+              <p:cTn id="2" dur="indefinite" nodeType="mainSeq">
+                <p:childTnLst>
+                  <p:par>
+                    <p:cTn id="3" fill="hold">
+                      <p:stCondLst>
+                        <p:cond delay="indefinite"/>
+                      </p:stCondLst>
+                      <p:childTnLst>
+                        <p:par>
+                          <p:cTn id="4" fill="hold">
+                            <p:stCondLst>
+                              <p:cond delay="0"/>
+                            </p:stCondLst>
+                            <p:childTnLst>
+                              <p:par>
+                                <p:cTn id="5" presetID="2" presetClass="entr" presetSubtype="4" fill="hold" grpId="0" nodeType="clickEffect">
+                                  <p:stCondLst>
+                                    <p:cond delay="0"/>
+                                  </p:stCondLst>
+                                  <p:childTnLst>
+                                    <p:set>
+                                      <p:cBhvr>
+                                        <p:cTn id="6" dur="1" fill="hold">
+                                          <p:stCondLst>
+                                            <p:cond delay="0"/>
+                                          </p:stCondLst>
+                                        </p:cTn>
+                                        <p:tgtEl>
+                                          <p:spTgt spid="3">
+                                            <p:txEl>
+                                              <p:pRg st="0" end="0"/>
+                                            </p:txEl>
+                                          </p:spTgt>
+                                        </p:tgtEl>
+                                        <p:attrNameLst>
+                                          <p:attrName>style.visibility</p:attrName>
+                                        </p:attrNameLst>
+                                      </p:cBhvr>
+                                      <p:to>
+                                        <p:strVal val="visible"/>
+                                      </p:to>
+                                    </p:set>
+                                    <p:anim calcmode="lin" valueType="num">
+                                      <p:cBhvr additive="base">
+                                        <p:cTn id="7" dur="500" fill="hold"/>
+                                        <p:tgtEl>
+                                          <p:spTgt spid="3">
+                                            <p:txEl>
+                                              <p:pRg st="0" end="0"/>
+                                            </p:txEl>
+                                          </p:spTgt>
+                                        </p:tgtEl>
+                                        <p:attrNameLst>
+                                          <p:attrName>ppt_x</p:attrName>
+                                        </p:attrNameLst>
+                                      </p:cBhvr>
+                                      <p:tavLst>
+                                        <p:tav tm="0">
+                                          <p:val>
+                                            <p:strVal val="#ppt_x"/>
+                                          </p:val>
+                                        </p:tav>
+                                        <p:tav tm="100000">
+                                          <p:val>
+                                            <p:strVal val="#ppt_x"/>
+                                          </p:val>
+                                        </p:tav>
+                                      </p:tavLst>
+                                    </p:anim>
+                                    <p:anim calcmode="lin" valueType="num">
+                                      <p:cBhvr additive="base">
+                                        <p:cTn id="8" dur="500" fill="hold"/>
+                                        <p:tgtEl>
+                                          <p:spTgt spid="3">
+                                            <p:txEl>
+                                              <p:pRg st="0" end="0"/>
+                                            </p:txEl>
+                                          </p:spTgt>
+                                        </p:tgtEl>
+                                        <p:attrNameLst>
+                                          <p:attrName>ppt_y</p:attrName>
+                                        </p:attrNameLst>
+                                      </p:cBhvr>
+                                      <p:tavLst>
+                                        <p:tav tm="0">
+                                          <p:val>
+                                            <p:strVal val="1+#ppt_h/2"/>
+                                          </p:val>
+                                        </p:tav>
+                                        <p:tav tm="100000">
+                                          <p:val>
+                                            <p:strVal val="#ppt_y"/>
+                                          </p:val>
+                                        </p:tav>
+                                      </p:tavLst>
+                                    </p:anim>
+                                  </p:childTnLst>
+                                </p:cTn>
+                              </p:par>
+                            </p:childTnLst>
+                          </p:cTn>
+                        </p:par>
+                      </p:childTnLst>
+                    </p:cTn>
+                  </p:par>
+                  <p:par>
+                    <p:cTn id="9" fill="hold">
+                      <p:stCondLst>
+                        <p:cond delay="indefinite"/>
+                      </p:stCondLst>
+                      <p:childTnLst>
+                        <p:par>
+                          <p:cTn id="10" fill="hold">
+                            <p:stCondLst>
+                              <p:cond delay="0"/>
+                            </p:stCondLst>
+                            <p:childTnLst>
+                              <p:par>
+                                <p:cTn id="11" presetID="2" presetClass="entr" presetSubtype="4" fill="hold" grpId="0" nodeType="clickEffect">
+                                  <p:stCondLst>
+                                    <p:cond delay="0"/>
+                                  </p:stCondLst>
+                                  <p:childTnLst>
+                                    <p:set>
+                                      <p:cBhvr>
+                                        <p:cTn id="12" dur="1" fill="hold">
+                                          <p:stCondLst>
+                                            <p:cond delay="0"/>
+                                          </p:stCondLst>
+                                        </p:cTn>
+                                        <p:tgtEl>
+                                          <p:spTgt spid="3">
+                                            <p:txEl>
+                                              <p:pRg st="1" end="1"/>
+                                            </p:txEl>
+                                          </p:spTgt>
+                                        </p:tgtEl>
+                                        <p:attrNameLst>
+                                          <p:attrName>style.visibility</p:attrName>
+                                        </p:attrNameLst>
+                                      </p:cBhvr>
+                                      <p:to>
+                                        <p:strVal val="visible"/>
+                                      </p:to>
+                                    </p:set>
+                                    <p:anim calcmode="lin" valueType="num">
+                                      <p:cBhvr additive="base">
+                                        <p:cTn id="13" dur="500" fill="hold"/>
+                                        <p:tgtEl>
+                                          <p:spTgt spid="3">
+                                            <p:txEl>
+                                              <p:pRg st="1" end="1"/>
+                                            </p:txEl>
+                                          </p:spTgt>
+                                        </p:tgtEl>
+                                        <p:attrNameLst>
+                                          <p:attrName>ppt_x</p:attrName>
+                                        </p:attrNameLst>
+                                      </p:cBhvr>
+                                      <p:tavLst>
+                                        <p:tav tm="0">
+                                          <p:val>
+                                            <p:strVal val="#ppt_x"/>
+                                          </p:val>
+                                        </p:tav>
+                                        <p:tav tm="100000">
+                                          <p:val>
+                                            <p:strVal val="#ppt_x"/>
+                                          </p:val>
+                                        </p:tav>
+                                      </p:tavLst>
+                                    </p:anim>
+                                    <p:anim calcmode="lin" valueType="num">
+                                      <p:cBhvr additive="base">
+                                        <p:cTn id="14" dur="500" fill="hold"/>
+                                        <p:tgtEl>
+                                          <p:spTgt spid="3">
+                                            <p:txEl>
+                                              <p:pRg st="1" end="1"/>
+                                            </p:txEl>
+                                          </p:spTgt>
+                                        </p:tgtEl>
+                                        <p:attrNameLst>
+                                          <p:attrName>ppt_y</p:attrName>
+                                        </p:attrNameLst>
+                                      </p:cBhvr>
+                                      <p:tavLst>
+                                        <p:tav tm="0">
+                                          <p:val>
+                                            <p:strVal val="1+#ppt_h/2"/>
+                                          </p:val>
+                                        </p:tav>
+                                        <p:tav tm="100000">
+                                          <p:val>
+                                            <p:strVal val="#ppt_y"/>
+                                          </p:val>
+                                        </p:tav>
+                                      </p:tavLst>
+                                    </p:anim>
+                                  </p:childTnLst>
+                                </p:cTn>
+                              </p:par>
+                            </p:childTnLst>
+                          </p:cTn>
+                        </p:par>
+                      </p:childTnLst>
+                    </p:cTn>
+                  </p:par>
+                  <p:par>
+                    <p:cTn id="15" fill="hold">
+                      <p:stCondLst>
+                        <p:cond delay="indefinite"/>
+                      </p:stCondLst>
+                      <p:childTnLst>
+                        <p:par>
+                          <p:cTn id="16" fill="hold">
+                            <p:stCondLst>
+                              <p:cond delay="0"/>
+                            </p:stCondLst>
+                            <p:childTnLst>
+                              <p:par>
+                                <p:cTn id="17" presetID="2" presetClass="entr" presetSubtype="4" fill="hold" grpId="0" nodeType="clickEffect">
+                                  <p:stCondLst>
+                                    <p:cond delay="0"/>
+                                  </p:stCondLst>
+                                  <p:childTnLst>
+                                    <p:set>
+                                      <p:cBhvr>
+                                        <p:cTn id="18" dur="1" fill="hold">
+                                          <p:stCondLst>
+                                            <p:cond delay="0"/>
+                                          </p:stCondLst>
+                                        </p:cTn>
+                                        <p:tgtEl>
+                                          <p:spTgt spid="3">
+                                            <p:txEl>
+                                              <p:pRg st="2" end="2"/>
+                                            </p:txEl>
+                                          </p:spTgt>
+                                        </p:tgtEl>
+                                        <p:attrNameLst>
+                                          <p:attrName>style.visibility</p:attrName>
+                                        </p:attrNameLst>
+                                      </p:cBhvr>
+                                      <p:to>
+                                        <p:strVal val="visible"/>
+                                      </p:to>
+                                    </p:set>
+                                    <p:anim calcmode="lin" valueType="num">
+                                      <p:cBhvr additive="base">
+                                        <p:cTn id="19" dur="500" fill="hold"/>
+                                        <p:tgtEl>
+                                          <p:spTgt spid="3">
+                                            <p:txEl>
+                                              <p:pRg st="2" end="2"/>
+                                            </p:txEl>
+                                          </p:spTgt>
+                                        </p:tgtEl>
+                                        <p:attrNameLst>
+                                          <p:attrName>ppt_x</p:attrName>
+                                        </p:attrNameLst>
+                                      </p:cBhvr>
+                                      <p:tavLst>
+                                        <p:tav tm="0">
+                                          <p:val>
+                                            <p:strVal val="#ppt_x"/>
+                                          </p:val>
+                                        </p:tav>
+                                        <p:tav tm="100000">
+                                          <p:val>
+                                            <p:strVal val="#ppt_x"/>
+                                          </p:val>
+                                        </p:tav>
+                                      </p:tavLst>
+                                    </p:anim>
+                                    <p:anim calcmode="lin" valueType="num">
+                                      <p:cBhvr additive="base">
+                                        <p:cTn id="20" dur="500" fill="hold"/>
+                                        <p:tgtEl>
+                                          <p:spTgt spid="3">
+                                            <p:txEl>
+                                              <p:pRg st="2" end="2"/>
+                                            </p:txEl>
+                                          </p:spTgt>
+                                        </p:tgtEl>
+                                        <p:attrNameLst>
+                                          <p:attrName>ppt_y</p:attrName>
+                                        </p:attrNameLst>
+                                      </p:cBhvr>
+                                      <p:tavLst>
+                                        <p:tav tm="0">
+                                          <p:val>
+                                            <p:strVal val="1+#ppt_h/2"/>
+                                          </p:val>
+                                        </p:tav>
+                                        <p:tav tm="100000">
+                                          <p:val>
+                                            <p:strVal val="#ppt_y"/>
+                                          </p:val>
+                                        </p:tav>
+                                      </p:tavLst>
+                                    </p:anim>
+                                  </p:childTnLst>
+                                </p:cTn>
+                              </p:par>
+                            </p:childTnLst>
+                          </p:cTn>
+                        </p:par>
+                      </p:childTnLst>
+                    </p:cTn>
+                  </p:par>
+                  <p:par>
+                    <p:cTn id="21" fill="hold">
+                      <p:stCondLst>
+                        <p:cond delay="indefinite"/>
+                      </p:stCondLst>
+                      <p:childTnLst>
+                        <p:par>
+                          <p:cTn id="22" fill="hold">
+                            <p:stCondLst>
+                              <p:cond delay="0"/>
+                            </p:stCondLst>
+                            <p:childTnLst>
+                              <p:par>
+                                <p:cTn id="23" presetID="2" presetClass="entr" presetSubtype="4" fill="hold" grpId="0" nodeType="clickEffect">
+                                  <p:stCondLst>
+                                    <p:cond delay="0"/>
+                                  </p:stCondLst>
+                                  <p:childTnLst>
+                                    <p:set>
+                                      <p:cBhvr>
+                                        <p:cTn id="24" dur="1" fill="hold">
+                                          <p:stCondLst>
+                                            <p:cond delay="0"/>
+                                          </p:stCondLst>
+                                        </p:cTn>
+                                        <p:tgtEl>
+                                          <p:spTgt spid="3">
+                                            <p:txEl>
+                                              <p:pRg st="4" end="4"/>
+                                            </p:txEl>
+                                          </p:spTgt>
+                                        </p:tgtEl>
+                                        <p:attrNameLst>
+                                          <p:attrName>style.visibility</p:attrName>
+                                        </p:attrNameLst>
+                                      </p:cBhvr>
+                                      <p:to>
+                                        <p:strVal val="visible"/>
+                                      </p:to>
+                                    </p:set>
+                                    <p:anim calcmode="lin" valueType="num">
+                                      <p:cBhvr additive="base">
+                                        <p:cTn id="25" dur="500" fill="hold"/>
+                                        <p:tgtEl>
+                                          <p:spTgt spid="3">
+                                            <p:txEl>
+                                              <p:pRg st="4" end="4"/>
+                                            </p:txEl>
+                                          </p:spTgt>
+                                        </p:tgtEl>
+                                        <p:attrNameLst>
+                                          <p:attrName>ppt_x</p:attrName>
+                                        </p:attrNameLst>
+                                      </p:cBhvr>
+                                      <p:tavLst>
+                                        <p:tav tm="0">
+                                          <p:val>
+                                            <p:strVal val="#ppt_x"/>
+                                          </p:val>
+                                        </p:tav>
+                                        <p:tav tm="100000">
+                                          <p:val>
+                                            <p:strVal val="#ppt_x"/>
+                                          </p:val>
+                                        </p:tav>
+                                      </p:tavLst>
+                                    </p:anim>
+                                    <p:anim calcmode="lin" valueType="num">
+                                      <p:cBhvr additive="base">
+                                        <p:cTn id="26" dur="500" fill="hold"/>
+                                        <p:tgtEl>
+                                          <p:spTgt spid="3">
+                                            <p:txEl>
+                                              <p:pRg st="4" end="4"/>
+                                            </p:txEl>
+                                          </p:spTgt>
+                                        </p:tgtEl>
+                                        <p:attrNameLst>
+                                          <p:attrName>ppt_y</p:attrName>
+                                        </p:attrNameLst>
+                                      </p:cBhvr>
+                                      <p:tavLst>
+                                        <p:tav tm="0">
+                                          <p:val>
+                                            <p:strVal val="1+#ppt_h/2"/>
+                                          </p:val>
+                                        </p:tav>
+                                        <p:tav tm="100000">
+                                          <p:val>
+                                            <p:strVal val="#ppt_y"/>
+                                          </p:val>
+                                        </p:tav>
+                                      </p:tavLst>
+                                    </p:anim>
+                                  </p:childTnLst>
+                                </p:cTn>
+                              </p:par>
+                            </p:childTnLst>
+                          </p:cTn>
+                        </p:par>
+                      </p:childTnLst>
+                    </p:cTn>
+                  </p:par>
+                  <p:par>
+                    <p:cTn id="27" fill="hold">
+                      <p:stCondLst>
+                        <p:cond delay="indefinite"/>
+                      </p:stCondLst>
+                      <p:childTnLst>
+                        <p:par>
+                          <p:cTn id="28" fill="hold">
+                            <p:stCondLst>
+                              <p:cond delay="0"/>
+                            </p:stCondLst>
+                            <p:childTnLst>
+                              <p:par>
+                                <p:cTn id="29" presetID="2" presetClass="entr" presetSubtype="4" fill="hold" grpId="0" nodeType="clickEffect">
+                                  <p:stCondLst>
+                                    <p:cond delay="0"/>
+                                  </p:stCondLst>
+                                  <p:childTnLst>
+                                    <p:set>
+                                      <p:cBhvr>
+                                        <p:cTn id="30" dur="1" fill="hold">
+                                          <p:stCondLst>
+                                            <p:cond delay="0"/>
+                                          </p:stCondLst>
+                                        </p:cTn>
+                                        <p:tgtEl>
+                                          <p:spTgt spid="3">
+                                            <p:txEl>
+                                              <p:pRg st="5" end="5"/>
+                                            </p:txEl>
+                                          </p:spTgt>
+                                        </p:tgtEl>
+                                        <p:attrNameLst>
+                                          <p:attrName>style.visibility</p:attrName>
+                                        </p:attrNameLst>
+                                      </p:cBhvr>
+                                      <p:to>
+                                        <p:strVal val="visible"/>
+                                      </p:to>
+                                    </p:set>
+                                    <p:anim calcmode="lin" valueType="num">
+                                      <p:cBhvr additive="base">
+                                        <p:cTn id="31" dur="500" fill="hold"/>
+                                        <p:tgtEl>
+                                          <p:spTgt spid="3">
+                                            <p:txEl>
+                                              <p:pRg st="5" end="5"/>
+                                            </p:txEl>
+                                          </p:spTgt>
+                                        </p:tgtEl>
+                                        <p:attrNameLst>
+                                          <p:attrName>ppt_x</p:attrName>
+                                        </p:attrNameLst>
+                                      </p:cBhvr>
+                                      <p:tavLst>
+                                        <p:tav tm="0">
+                                          <p:val>
+                                            <p:strVal val="#ppt_x"/>
+                                          </p:val>
+                                        </p:tav>
+                                        <p:tav tm="100000">
+                                          <p:val>
+                                            <p:strVal val="#ppt_x"/>
+                                          </p:val>
+                                        </p:tav>
+                                      </p:tavLst>
+                                    </p:anim>
+                                    <p:anim calcmode="lin" valueType="num">
+                                      <p:cBhvr additive="base">
+                                        <p:cTn id="32" dur="500" fill="hold"/>
+                                        <p:tgtEl>
+                                          <p:spTgt spid="3">
+                                            <p:txEl>
+                                              <p:pRg st="5" end="5"/>
+                                            </p:txEl>
+                                          </p:spTgt>
+                                        </p:tgtEl>
+                                        <p:attrNameLst>
+                                          <p:attrName>ppt_y</p:attrName>
+                                        </p:attrNameLst>
+                                      </p:cBhvr>
+                                      <p:tavLst>
+                                        <p:tav tm="0">
+                                          <p:val>
+                                            <p:strVal val="1+#ppt_h/2"/>
+                                          </p:val>
+                                        </p:tav>
+                                        <p:tav tm="100000">
+                                          <p:val>
+                                            <p:strVal val="#ppt_y"/>
+                                          </p:val>
+                                        </p:tav>
+                                      </p:tavLst>
+                                    </p:anim>
+                                  </p:childTnLst>
+                                </p:cTn>
+                              </p:par>
+                            </p:childTnLst>
+                          </p:cTn>
+                        </p:par>
+                      </p:childTnLst>
+                    </p:cTn>
+                  </p:par>
+                  <p:par>
+                    <p:cTn id="33" fill="hold">
+                      <p:stCondLst>
+                        <p:cond delay="indefinite"/>
+                      </p:stCondLst>
+                      <p:childTnLst>
+                        <p:par>
+                          <p:cTn id="34" fill="hold">
+                            <p:stCondLst>
+                              <p:cond delay="0"/>
+                            </p:stCondLst>
+                            <p:childTnLst>
+                              <p:par>
+                                <p:cTn id="35" presetID="2" presetClass="entr" presetSubtype="4" fill="hold" grpId="0" nodeType="clickEffect">
+                                  <p:stCondLst>
+                                    <p:cond delay="0"/>
+                                  </p:stCondLst>
+                                  <p:childTnLst>
+                                    <p:set>
+                                      <p:cBhvr>
+                                        <p:cTn id="36" dur="1" fill="hold">
+                                          <p:stCondLst>
+                                            <p:cond delay="0"/>
+                                          </p:stCondLst>
+                                        </p:cTn>
+                                        <p:tgtEl>
+                                          <p:spTgt spid="3">
+                                            <p:txEl>
+                                              <p:pRg st="6" end="6"/>
+                                            </p:txEl>
+                                          </p:spTgt>
+                                        </p:tgtEl>
+                                        <p:attrNameLst>
+                                          <p:attrName>style.visibility</p:attrName>
+                                        </p:attrNameLst>
+                                      </p:cBhvr>
+                                      <p:to>
+                                        <p:strVal val="visible"/>
+                                      </p:to>
+                                    </p:set>
+                                    <p:anim calcmode="lin" valueType="num">
+                                      <p:cBhvr additive="base">
+                                        <p:cTn id="37" dur="500" fill="hold"/>
+                                        <p:tgtEl>
+                                          <p:spTgt spid="3">
+                                            <p:txEl>
+                                              <p:pRg st="6" end="6"/>
+                                            </p:txEl>
+                                          </p:spTgt>
+                                        </p:tgtEl>
+                                        <p:attrNameLst>
+                                          <p:attrName>ppt_x</p:attrName>
+                                        </p:attrNameLst>
+                                      </p:cBhvr>
+                                      <p:tavLst>
+                                        <p:tav tm="0">
+                                          <p:val>
+                                            <p:strVal val="#ppt_x"/>
+                                          </p:val>
+                                        </p:tav>
+                                        <p:tav tm="100000">
+                                          <p:val>
+                                            <p:strVal val="#ppt_x"/>
+                                          </p:val>
+                                        </p:tav>
+                                      </p:tavLst>
+                                    </p:anim>
+                                    <p:anim calcmode="lin" valueType="num">
+                                      <p:cBhvr additive="base">
+                                        <p:cTn id="38" dur="500" fill="hold"/>
+                                        <p:tgtEl>
+                                          <p:spTgt spid="3">
+                                            <p:txEl>
+                                              <p:pRg st="6" end="6"/>
+                                            </p:txEl>
+                                          </p:spTgt>
+                                        </p:tgtEl>
+                                        <p:attrNameLst>
+                                          <p:attrName>ppt_y</p:attrName>
+                                        </p:attrNameLst>
+                                      </p:cBhvr>
+                                      <p:tavLst>
+                                        <p:tav tm="0">
+                                          <p:val>
+                                            <p:strVal val="1+#ppt_h/2"/>
+                                          </p:val>
+                                        </p:tav>
+                                        <p:tav tm="100000">
+                                          <p:val>
+                                            <p:strVal val="#ppt_y"/>
+                                          </p:val>
+                                        </p:tav>
+                                      </p:tavLst>
+                                    </p:anim>
+                                  </p:childTnLst>
+                                </p:cTn>
+                              </p:par>
+                            </p:childTnLst>
+                          </p:cTn>
+                        </p:par>
+                      </p:childTnLst>
+                    </p:cTn>
+                  </p:par>
+                </p:childTnLst>
+              </p:cTn>
+              <p:prevCondLst>
+                <p:cond evt="onPrev" delay="0">
+                  <p:tgtEl>
+                    <p:sldTgt/>
+                  </p:tgtEl>
+                </p:cond>
+              </p:prevCondLst>
+              <p:nextCondLst>
+                <p:cond evt="onNext" delay="0">
+                  <p:tgtEl>
+                    <p:sldTgt/>
+                  </p:tgtEl>
+                </p:cond>
+              </p:nextCondLst>
+            </p:seq>
+          </p:childTnLst>
+        </p:cTn>
+      </p:par>
+    </p:tnLst>
+    <p:bldLst>
+      <p:bldP spid="3" grpId="0" uiExpand="1" build="p"/>
+    </p:bldLst>
+  </p:timing>
 </p:sld>
 </file>
 
@@ -32361,6 +36031,554 @@
   <p:clrMapOvr>
     <a:masterClrMapping/>
   </p:clrMapOvr>
+  <p:timing>
+    <p:tnLst>
+      <p:par>
+        <p:cTn id="1" dur="indefinite" restart="never" nodeType="tmRoot">
+          <p:childTnLst>
+            <p:seq concurrent="1" nextAc="seek">
+              <p:cTn id="2" dur="indefinite" nodeType="mainSeq">
+                <p:childTnLst>
+                  <p:par>
+                    <p:cTn id="3" fill="hold">
+                      <p:stCondLst>
+                        <p:cond delay="indefinite"/>
+                      </p:stCondLst>
+                      <p:childTnLst>
+                        <p:par>
+                          <p:cTn id="4" fill="hold">
+                            <p:stCondLst>
+                              <p:cond delay="0"/>
+                            </p:stCondLst>
+                            <p:childTnLst>
+                              <p:par>
+                                <p:cTn id="5" presetID="2" presetClass="entr" presetSubtype="4" fill="hold" grpId="0" nodeType="clickEffect">
+                                  <p:stCondLst>
+                                    <p:cond delay="0"/>
+                                  </p:stCondLst>
+                                  <p:childTnLst>
+                                    <p:set>
+                                      <p:cBhvr>
+                                        <p:cTn id="6" dur="1" fill="hold">
+                                          <p:stCondLst>
+                                            <p:cond delay="0"/>
+                                          </p:stCondLst>
+                                        </p:cTn>
+                                        <p:tgtEl>
+                                          <p:spTgt spid="3">
+                                            <p:txEl>
+                                              <p:pRg st="0" end="0"/>
+                                            </p:txEl>
+                                          </p:spTgt>
+                                        </p:tgtEl>
+                                        <p:attrNameLst>
+                                          <p:attrName>style.visibility</p:attrName>
+                                        </p:attrNameLst>
+                                      </p:cBhvr>
+                                      <p:to>
+                                        <p:strVal val="visible"/>
+                                      </p:to>
+                                    </p:set>
+                                    <p:anim calcmode="lin" valueType="num">
+                                      <p:cBhvr additive="base">
+                                        <p:cTn id="7" dur="500" fill="hold"/>
+                                        <p:tgtEl>
+                                          <p:spTgt spid="3">
+                                            <p:txEl>
+                                              <p:pRg st="0" end="0"/>
+                                            </p:txEl>
+                                          </p:spTgt>
+                                        </p:tgtEl>
+                                        <p:attrNameLst>
+                                          <p:attrName>ppt_x</p:attrName>
+                                        </p:attrNameLst>
+                                      </p:cBhvr>
+                                      <p:tavLst>
+                                        <p:tav tm="0">
+                                          <p:val>
+                                            <p:strVal val="#ppt_x"/>
+                                          </p:val>
+                                        </p:tav>
+                                        <p:tav tm="100000">
+                                          <p:val>
+                                            <p:strVal val="#ppt_x"/>
+                                          </p:val>
+                                        </p:tav>
+                                      </p:tavLst>
+                                    </p:anim>
+                                    <p:anim calcmode="lin" valueType="num">
+                                      <p:cBhvr additive="base">
+                                        <p:cTn id="8" dur="500" fill="hold"/>
+                                        <p:tgtEl>
+                                          <p:spTgt spid="3">
+                                            <p:txEl>
+                                              <p:pRg st="0" end="0"/>
+                                            </p:txEl>
+                                          </p:spTgt>
+                                        </p:tgtEl>
+                                        <p:attrNameLst>
+                                          <p:attrName>ppt_y</p:attrName>
+                                        </p:attrNameLst>
+                                      </p:cBhvr>
+                                      <p:tavLst>
+                                        <p:tav tm="0">
+                                          <p:val>
+                                            <p:strVal val="1+#ppt_h/2"/>
+                                          </p:val>
+                                        </p:tav>
+                                        <p:tav tm="100000">
+                                          <p:val>
+                                            <p:strVal val="#ppt_y"/>
+                                          </p:val>
+                                        </p:tav>
+                                      </p:tavLst>
+                                    </p:anim>
+                                  </p:childTnLst>
+                                </p:cTn>
+                              </p:par>
+                            </p:childTnLst>
+                          </p:cTn>
+                        </p:par>
+                      </p:childTnLst>
+                    </p:cTn>
+                  </p:par>
+                  <p:par>
+                    <p:cTn id="9" fill="hold">
+                      <p:stCondLst>
+                        <p:cond delay="indefinite"/>
+                      </p:stCondLst>
+                      <p:childTnLst>
+                        <p:par>
+                          <p:cTn id="10" fill="hold">
+                            <p:stCondLst>
+                              <p:cond delay="0"/>
+                            </p:stCondLst>
+                            <p:childTnLst>
+                              <p:par>
+                                <p:cTn id="11" presetID="2" presetClass="entr" presetSubtype="4" fill="hold" grpId="0" nodeType="clickEffect">
+                                  <p:stCondLst>
+                                    <p:cond delay="0"/>
+                                  </p:stCondLst>
+                                  <p:childTnLst>
+                                    <p:set>
+                                      <p:cBhvr>
+                                        <p:cTn id="12" dur="1" fill="hold">
+                                          <p:stCondLst>
+                                            <p:cond delay="0"/>
+                                          </p:stCondLst>
+                                        </p:cTn>
+                                        <p:tgtEl>
+                                          <p:spTgt spid="3">
+                                            <p:txEl>
+                                              <p:pRg st="1" end="1"/>
+                                            </p:txEl>
+                                          </p:spTgt>
+                                        </p:tgtEl>
+                                        <p:attrNameLst>
+                                          <p:attrName>style.visibility</p:attrName>
+                                        </p:attrNameLst>
+                                      </p:cBhvr>
+                                      <p:to>
+                                        <p:strVal val="visible"/>
+                                      </p:to>
+                                    </p:set>
+                                    <p:anim calcmode="lin" valueType="num">
+                                      <p:cBhvr additive="base">
+                                        <p:cTn id="13" dur="500" fill="hold"/>
+                                        <p:tgtEl>
+                                          <p:spTgt spid="3">
+                                            <p:txEl>
+                                              <p:pRg st="1" end="1"/>
+                                            </p:txEl>
+                                          </p:spTgt>
+                                        </p:tgtEl>
+                                        <p:attrNameLst>
+                                          <p:attrName>ppt_x</p:attrName>
+                                        </p:attrNameLst>
+                                      </p:cBhvr>
+                                      <p:tavLst>
+                                        <p:tav tm="0">
+                                          <p:val>
+                                            <p:strVal val="#ppt_x"/>
+                                          </p:val>
+                                        </p:tav>
+                                        <p:tav tm="100000">
+                                          <p:val>
+                                            <p:strVal val="#ppt_x"/>
+                                          </p:val>
+                                        </p:tav>
+                                      </p:tavLst>
+                                    </p:anim>
+                                    <p:anim calcmode="lin" valueType="num">
+                                      <p:cBhvr additive="base">
+                                        <p:cTn id="14" dur="500" fill="hold"/>
+                                        <p:tgtEl>
+                                          <p:spTgt spid="3">
+                                            <p:txEl>
+                                              <p:pRg st="1" end="1"/>
+                                            </p:txEl>
+                                          </p:spTgt>
+                                        </p:tgtEl>
+                                        <p:attrNameLst>
+                                          <p:attrName>ppt_y</p:attrName>
+                                        </p:attrNameLst>
+                                      </p:cBhvr>
+                                      <p:tavLst>
+                                        <p:tav tm="0">
+                                          <p:val>
+                                            <p:strVal val="1+#ppt_h/2"/>
+                                          </p:val>
+                                        </p:tav>
+                                        <p:tav tm="100000">
+                                          <p:val>
+                                            <p:strVal val="#ppt_y"/>
+                                          </p:val>
+                                        </p:tav>
+                                      </p:tavLst>
+                                    </p:anim>
+                                  </p:childTnLst>
+                                </p:cTn>
+                              </p:par>
+                            </p:childTnLst>
+                          </p:cTn>
+                        </p:par>
+                      </p:childTnLst>
+                    </p:cTn>
+                  </p:par>
+                  <p:par>
+                    <p:cTn id="15" fill="hold">
+                      <p:stCondLst>
+                        <p:cond delay="indefinite"/>
+                      </p:stCondLst>
+                      <p:childTnLst>
+                        <p:par>
+                          <p:cTn id="16" fill="hold">
+                            <p:stCondLst>
+                              <p:cond delay="0"/>
+                            </p:stCondLst>
+                            <p:childTnLst>
+                              <p:par>
+                                <p:cTn id="17" presetID="2" presetClass="entr" presetSubtype="4" fill="hold" grpId="0" nodeType="clickEffect">
+                                  <p:stCondLst>
+                                    <p:cond delay="0"/>
+                                  </p:stCondLst>
+                                  <p:childTnLst>
+                                    <p:set>
+                                      <p:cBhvr>
+                                        <p:cTn id="18" dur="1" fill="hold">
+                                          <p:stCondLst>
+                                            <p:cond delay="0"/>
+                                          </p:stCondLst>
+                                        </p:cTn>
+                                        <p:tgtEl>
+                                          <p:spTgt spid="3">
+                                            <p:txEl>
+                                              <p:pRg st="2" end="2"/>
+                                            </p:txEl>
+                                          </p:spTgt>
+                                        </p:tgtEl>
+                                        <p:attrNameLst>
+                                          <p:attrName>style.visibility</p:attrName>
+                                        </p:attrNameLst>
+                                      </p:cBhvr>
+                                      <p:to>
+                                        <p:strVal val="visible"/>
+                                      </p:to>
+                                    </p:set>
+                                    <p:anim calcmode="lin" valueType="num">
+                                      <p:cBhvr additive="base">
+                                        <p:cTn id="19" dur="500" fill="hold"/>
+                                        <p:tgtEl>
+                                          <p:spTgt spid="3">
+                                            <p:txEl>
+                                              <p:pRg st="2" end="2"/>
+                                            </p:txEl>
+                                          </p:spTgt>
+                                        </p:tgtEl>
+                                        <p:attrNameLst>
+                                          <p:attrName>ppt_x</p:attrName>
+                                        </p:attrNameLst>
+                                      </p:cBhvr>
+                                      <p:tavLst>
+                                        <p:tav tm="0">
+                                          <p:val>
+                                            <p:strVal val="#ppt_x"/>
+                                          </p:val>
+                                        </p:tav>
+                                        <p:tav tm="100000">
+                                          <p:val>
+                                            <p:strVal val="#ppt_x"/>
+                                          </p:val>
+                                        </p:tav>
+                                      </p:tavLst>
+                                    </p:anim>
+                                    <p:anim calcmode="lin" valueType="num">
+                                      <p:cBhvr additive="base">
+                                        <p:cTn id="20" dur="500" fill="hold"/>
+                                        <p:tgtEl>
+                                          <p:spTgt spid="3">
+                                            <p:txEl>
+                                              <p:pRg st="2" end="2"/>
+                                            </p:txEl>
+                                          </p:spTgt>
+                                        </p:tgtEl>
+                                        <p:attrNameLst>
+                                          <p:attrName>ppt_y</p:attrName>
+                                        </p:attrNameLst>
+                                      </p:cBhvr>
+                                      <p:tavLst>
+                                        <p:tav tm="0">
+                                          <p:val>
+                                            <p:strVal val="1+#ppt_h/2"/>
+                                          </p:val>
+                                        </p:tav>
+                                        <p:tav tm="100000">
+                                          <p:val>
+                                            <p:strVal val="#ppt_y"/>
+                                          </p:val>
+                                        </p:tav>
+                                      </p:tavLst>
+                                    </p:anim>
+                                  </p:childTnLst>
+                                </p:cTn>
+                              </p:par>
+                            </p:childTnLst>
+                          </p:cTn>
+                        </p:par>
+                      </p:childTnLst>
+                    </p:cTn>
+                  </p:par>
+                  <p:par>
+                    <p:cTn id="21" fill="hold">
+                      <p:stCondLst>
+                        <p:cond delay="indefinite"/>
+                      </p:stCondLst>
+                      <p:childTnLst>
+                        <p:par>
+                          <p:cTn id="22" fill="hold">
+                            <p:stCondLst>
+                              <p:cond delay="0"/>
+                            </p:stCondLst>
+                            <p:childTnLst>
+                              <p:par>
+                                <p:cTn id="23" presetID="2" presetClass="entr" presetSubtype="4" fill="hold" grpId="0" nodeType="clickEffect">
+                                  <p:stCondLst>
+                                    <p:cond delay="0"/>
+                                  </p:stCondLst>
+                                  <p:childTnLst>
+                                    <p:set>
+                                      <p:cBhvr>
+                                        <p:cTn id="24" dur="1" fill="hold">
+                                          <p:stCondLst>
+                                            <p:cond delay="0"/>
+                                          </p:stCondLst>
+                                        </p:cTn>
+                                        <p:tgtEl>
+                                          <p:spTgt spid="3">
+                                            <p:txEl>
+                                              <p:pRg st="3" end="3"/>
+                                            </p:txEl>
+                                          </p:spTgt>
+                                        </p:tgtEl>
+                                        <p:attrNameLst>
+                                          <p:attrName>style.visibility</p:attrName>
+                                        </p:attrNameLst>
+                                      </p:cBhvr>
+                                      <p:to>
+                                        <p:strVal val="visible"/>
+                                      </p:to>
+                                    </p:set>
+                                    <p:anim calcmode="lin" valueType="num">
+                                      <p:cBhvr additive="base">
+                                        <p:cTn id="25" dur="500" fill="hold"/>
+                                        <p:tgtEl>
+                                          <p:spTgt spid="3">
+                                            <p:txEl>
+                                              <p:pRg st="3" end="3"/>
+                                            </p:txEl>
+                                          </p:spTgt>
+                                        </p:tgtEl>
+                                        <p:attrNameLst>
+                                          <p:attrName>ppt_x</p:attrName>
+                                        </p:attrNameLst>
+                                      </p:cBhvr>
+                                      <p:tavLst>
+                                        <p:tav tm="0">
+                                          <p:val>
+                                            <p:strVal val="#ppt_x"/>
+                                          </p:val>
+                                        </p:tav>
+                                        <p:tav tm="100000">
+                                          <p:val>
+                                            <p:strVal val="#ppt_x"/>
+                                          </p:val>
+                                        </p:tav>
+                                      </p:tavLst>
+                                    </p:anim>
+                                    <p:anim calcmode="lin" valueType="num">
+                                      <p:cBhvr additive="base">
+                                        <p:cTn id="26" dur="500" fill="hold"/>
+                                        <p:tgtEl>
+                                          <p:spTgt spid="3">
+                                            <p:txEl>
+                                              <p:pRg st="3" end="3"/>
+                                            </p:txEl>
+                                          </p:spTgt>
+                                        </p:tgtEl>
+                                        <p:attrNameLst>
+                                          <p:attrName>ppt_y</p:attrName>
+                                        </p:attrNameLst>
+                                      </p:cBhvr>
+                                      <p:tavLst>
+                                        <p:tav tm="0">
+                                          <p:val>
+                                            <p:strVal val="1+#ppt_h/2"/>
+                                          </p:val>
+                                        </p:tav>
+                                        <p:tav tm="100000">
+                                          <p:val>
+                                            <p:strVal val="#ppt_y"/>
+                                          </p:val>
+                                        </p:tav>
+                                      </p:tavLst>
+                                    </p:anim>
+                                  </p:childTnLst>
+                                </p:cTn>
+                              </p:par>
+                            </p:childTnLst>
+                          </p:cTn>
+                        </p:par>
+                      </p:childTnLst>
+                    </p:cTn>
+                  </p:par>
+                  <p:par>
+                    <p:cTn id="27" fill="hold">
+                      <p:stCondLst>
+                        <p:cond delay="indefinite"/>
+                      </p:stCondLst>
+                      <p:childTnLst>
+                        <p:par>
+                          <p:cTn id="28" fill="hold">
+                            <p:stCondLst>
+                              <p:cond delay="0"/>
+                            </p:stCondLst>
+                            <p:childTnLst>
+                              <p:par>
+                                <p:cTn id="29" presetID="2" presetClass="entr" presetSubtype="4" fill="hold" grpId="0" nodeType="clickEffect">
+                                  <p:stCondLst>
+                                    <p:cond delay="0"/>
+                                  </p:stCondLst>
+                                  <p:childTnLst>
+                                    <p:set>
+                                      <p:cBhvr>
+                                        <p:cTn id="30" dur="1" fill="hold">
+                                          <p:stCondLst>
+                                            <p:cond delay="0"/>
+                                          </p:stCondLst>
+                                        </p:cTn>
+                                        <p:tgtEl>
+                                          <p:spTgt spid="3">
+                                            <p:txEl>
+                                              <p:pRg st="4" end="4"/>
+                                            </p:txEl>
+                                          </p:spTgt>
+                                        </p:tgtEl>
+                                        <p:attrNameLst>
+                                          <p:attrName>style.visibility</p:attrName>
+                                        </p:attrNameLst>
+                                      </p:cBhvr>
+                                      <p:to>
+                                        <p:strVal val="visible"/>
+                                      </p:to>
+                                    </p:set>
+                                    <p:anim calcmode="lin" valueType="num">
+                                      <p:cBhvr additive="base">
+                                        <p:cTn id="31" dur="500" fill="hold"/>
+                                        <p:tgtEl>
+                                          <p:spTgt spid="3">
+                                            <p:txEl>
+                                              <p:pRg st="4" end="4"/>
+                                            </p:txEl>
+                                          </p:spTgt>
+                                        </p:tgtEl>
+                                        <p:attrNameLst>
+                                          <p:attrName>ppt_x</p:attrName>
+                                        </p:attrNameLst>
+                                      </p:cBhvr>
+                                      <p:tavLst>
+                                        <p:tav tm="0">
+                                          <p:val>
+                                            <p:strVal val="#ppt_x"/>
+                                          </p:val>
+                                        </p:tav>
+                                        <p:tav tm="100000">
+                                          <p:val>
+                                            <p:strVal val="#ppt_x"/>
+                                          </p:val>
+                                        </p:tav>
+                                      </p:tavLst>
+                                    </p:anim>
+                                    <p:anim calcmode="lin" valueType="num">
+                                      <p:cBhvr additive="base">
+                                        <p:cTn id="32" dur="500" fill="hold"/>
+                                        <p:tgtEl>
+                                          <p:spTgt spid="3">
+                                            <p:txEl>
+                                              <p:pRg st="4" end="4"/>
+                                            </p:txEl>
+                                          </p:spTgt>
+                                        </p:tgtEl>
+                                        <p:attrNameLst>
+                                          <p:attrName>ppt_y</p:attrName>
+                                        </p:attrNameLst>
+                                      </p:cBhvr>
+                                      <p:tavLst>
+                                        <p:tav tm="0">
+                                          <p:val>
+                                            <p:strVal val="1+#ppt_h/2"/>
+                                          </p:val>
+                                        </p:tav>
+                                        <p:tav tm="100000">
+                                          <p:val>
+                                            <p:strVal val="#ppt_y"/>
+                                          </p:val>
+                                        </p:tav>
+                                      </p:tavLst>
+                                    </p:anim>
+                                  </p:childTnLst>
+                                </p:cTn>
+                              </p:par>
+                            </p:childTnLst>
+                          </p:cTn>
+                        </p:par>
+                      </p:childTnLst>
+                    </p:cTn>
+                  </p:par>
+                </p:childTnLst>
+              </p:cTn>
+              <p:prevCondLst>
+                <p:cond evt="onPrev" delay="0">
+                  <p:tgtEl>
+                    <p:sldTgt/>
+                  </p:tgtEl>
+                </p:cond>
+              </p:prevCondLst>
+              <p:nextCondLst>
+                <p:cond evt="onNext" delay="0">
+                  <p:tgtEl>
+                    <p:sldTgt/>
+                  </p:tgtEl>
+                </p:cond>
+              </p:nextCondLst>
+            </p:seq>
+          </p:childTnLst>
+        </p:cTn>
+      </p:par>
+    </p:tnLst>
+    <p:bldLst>
+      <p:bldP spid="3" grpId="0" build="p"/>
+    </p:bldLst>
+  </p:timing>
 </p:sld>
 </file>
 
@@ -32661,6 +36879,657 @@
   <p:clrMapOvr>
     <a:masterClrMapping/>
   </p:clrMapOvr>
+  <p:timing>
+    <p:tnLst>
+      <p:par>
+        <p:cTn id="1" dur="indefinite" restart="never" nodeType="tmRoot">
+          <p:childTnLst>
+            <p:seq concurrent="1" nextAc="seek">
+              <p:cTn id="2" dur="indefinite" nodeType="mainSeq">
+                <p:childTnLst>
+                  <p:par>
+                    <p:cTn id="3" fill="hold">
+                      <p:stCondLst>
+                        <p:cond delay="indefinite"/>
+                      </p:stCondLst>
+                      <p:childTnLst>
+                        <p:par>
+                          <p:cTn id="4" fill="hold">
+                            <p:stCondLst>
+                              <p:cond delay="0"/>
+                            </p:stCondLst>
+                            <p:childTnLst>
+                              <p:par>
+                                <p:cTn id="5" presetID="2" presetClass="entr" presetSubtype="4" fill="hold" grpId="0" nodeType="clickEffect">
+                                  <p:stCondLst>
+                                    <p:cond delay="0"/>
+                                  </p:stCondLst>
+                                  <p:childTnLst>
+                                    <p:set>
+                                      <p:cBhvr>
+                                        <p:cTn id="6" dur="1" fill="hold">
+                                          <p:stCondLst>
+                                            <p:cond delay="0"/>
+                                          </p:stCondLst>
+                                        </p:cTn>
+                                        <p:tgtEl>
+                                          <p:spTgt spid="3">
+                                            <p:txEl>
+                                              <p:pRg st="0" end="0"/>
+                                            </p:txEl>
+                                          </p:spTgt>
+                                        </p:tgtEl>
+                                        <p:attrNameLst>
+                                          <p:attrName>style.visibility</p:attrName>
+                                        </p:attrNameLst>
+                                      </p:cBhvr>
+                                      <p:to>
+                                        <p:strVal val="visible"/>
+                                      </p:to>
+                                    </p:set>
+                                    <p:anim calcmode="lin" valueType="num">
+                                      <p:cBhvr additive="base">
+                                        <p:cTn id="7" dur="500" fill="hold"/>
+                                        <p:tgtEl>
+                                          <p:spTgt spid="3">
+                                            <p:txEl>
+                                              <p:pRg st="0" end="0"/>
+                                            </p:txEl>
+                                          </p:spTgt>
+                                        </p:tgtEl>
+                                        <p:attrNameLst>
+                                          <p:attrName>ppt_x</p:attrName>
+                                        </p:attrNameLst>
+                                      </p:cBhvr>
+                                      <p:tavLst>
+                                        <p:tav tm="0">
+                                          <p:val>
+                                            <p:strVal val="#ppt_x"/>
+                                          </p:val>
+                                        </p:tav>
+                                        <p:tav tm="100000">
+                                          <p:val>
+                                            <p:strVal val="#ppt_x"/>
+                                          </p:val>
+                                        </p:tav>
+                                      </p:tavLst>
+                                    </p:anim>
+                                    <p:anim calcmode="lin" valueType="num">
+                                      <p:cBhvr additive="base">
+                                        <p:cTn id="8" dur="500" fill="hold"/>
+                                        <p:tgtEl>
+                                          <p:spTgt spid="3">
+                                            <p:txEl>
+                                              <p:pRg st="0" end="0"/>
+                                            </p:txEl>
+                                          </p:spTgt>
+                                        </p:tgtEl>
+                                        <p:attrNameLst>
+                                          <p:attrName>ppt_y</p:attrName>
+                                        </p:attrNameLst>
+                                      </p:cBhvr>
+                                      <p:tavLst>
+                                        <p:tav tm="0">
+                                          <p:val>
+                                            <p:strVal val="1+#ppt_h/2"/>
+                                          </p:val>
+                                        </p:tav>
+                                        <p:tav tm="100000">
+                                          <p:val>
+                                            <p:strVal val="#ppt_y"/>
+                                          </p:val>
+                                        </p:tav>
+                                      </p:tavLst>
+                                    </p:anim>
+                                  </p:childTnLst>
+                                </p:cTn>
+                              </p:par>
+                            </p:childTnLst>
+                          </p:cTn>
+                        </p:par>
+                      </p:childTnLst>
+                    </p:cTn>
+                  </p:par>
+                  <p:par>
+                    <p:cTn id="9" fill="hold">
+                      <p:stCondLst>
+                        <p:cond delay="indefinite"/>
+                      </p:stCondLst>
+                      <p:childTnLst>
+                        <p:par>
+                          <p:cTn id="10" fill="hold">
+                            <p:stCondLst>
+                              <p:cond delay="0"/>
+                            </p:stCondLst>
+                            <p:childTnLst>
+                              <p:par>
+                                <p:cTn id="11" presetID="2" presetClass="entr" presetSubtype="4" fill="hold" grpId="0" nodeType="clickEffect">
+                                  <p:stCondLst>
+                                    <p:cond delay="0"/>
+                                  </p:stCondLst>
+                                  <p:childTnLst>
+                                    <p:set>
+                                      <p:cBhvr>
+                                        <p:cTn id="12" dur="1" fill="hold">
+                                          <p:stCondLst>
+                                            <p:cond delay="0"/>
+                                          </p:stCondLst>
+                                        </p:cTn>
+                                        <p:tgtEl>
+                                          <p:spTgt spid="3">
+                                            <p:txEl>
+                                              <p:pRg st="1" end="1"/>
+                                            </p:txEl>
+                                          </p:spTgt>
+                                        </p:tgtEl>
+                                        <p:attrNameLst>
+                                          <p:attrName>style.visibility</p:attrName>
+                                        </p:attrNameLst>
+                                      </p:cBhvr>
+                                      <p:to>
+                                        <p:strVal val="visible"/>
+                                      </p:to>
+                                    </p:set>
+                                    <p:anim calcmode="lin" valueType="num">
+                                      <p:cBhvr additive="base">
+                                        <p:cTn id="13" dur="500" fill="hold"/>
+                                        <p:tgtEl>
+                                          <p:spTgt spid="3">
+                                            <p:txEl>
+                                              <p:pRg st="1" end="1"/>
+                                            </p:txEl>
+                                          </p:spTgt>
+                                        </p:tgtEl>
+                                        <p:attrNameLst>
+                                          <p:attrName>ppt_x</p:attrName>
+                                        </p:attrNameLst>
+                                      </p:cBhvr>
+                                      <p:tavLst>
+                                        <p:tav tm="0">
+                                          <p:val>
+                                            <p:strVal val="#ppt_x"/>
+                                          </p:val>
+                                        </p:tav>
+                                        <p:tav tm="100000">
+                                          <p:val>
+                                            <p:strVal val="#ppt_x"/>
+                                          </p:val>
+                                        </p:tav>
+                                      </p:tavLst>
+                                    </p:anim>
+                                    <p:anim calcmode="lin" valueType="num">
+                                      <p:cBhvr additive="base">
+                                        <p:cTn id="14" dur="500" fill="hold"/>
+                                        <p:tgtEl>
+                                          <p:spTgt spid="3">
+                                            <p:txEl>
+                                              <p:pRg st="1" end="1"/>
+                                            </p:txEl>
+                                          </p:spTgt>
+                                        </p:tgtEl>
+                                        <p:attrNameLst>
+                                          <p:attrName>ppt_y</p:attrName>
+                                        </p:attrNameLst>
+                                      </p:cBhvr>
+                                      <p:tavLst>
+                                        <p:tav tm="0">
+                                          <p:val>
+                                            <p:strVal val="1+#ppt_h/2"/>
+                                          </p:val>
+                                        </p:tav>
+                                        <p:tav tm="100000">
+                                          <p:val>
+                                            <p:strVal val="#ppt_y"/>
+                                          </p:val>
+                                        </p:tav>
+                                      </p:tavLst>
+                                    </p:anim>
+                                  </p:childTnLst>
+                                </p:cTn>
+                              </p:par>
+                            </p:childTnLst>
+                          </p:cTn>
+                        </p:par>
+                      </p:childTnLst>
+                    </p:cTn>
+                  </p:par>
+                  <p:par>
+                    <p:cTn id="15" fill="hold">
+                      <p:stCondLst>
+                        <p:cond delay="indefinite"/>
+                      </p:stCondLst>
+                      <p:childTnLst>
+                        <p:par>
+                          <p:cTn id="16" fill="hold">
+                            <p:stCondLst>
+                              <p:cond delay="0"/>
+                            </p:stCondLst>
+                            <p:childTnLst>
+                              <p:par>
+                                <p:cTn id="17" presetID="2" presetClass="entr" presetSubtype="4" fill="hold" grpId="0" nodeType="clickEffect">
+                                  <p:stCondLst>
+                                    <p:cond delay="0"/>
+                                  </p:stCondLst>
+                                  <p:childTnLst>
+                                    <p:set>
+                                      <p:cBhvr>
+                                        <p:cTn id="18" dur="1" fill="hold">
+                                          <p:stCondLst>
+                                            <p:cond delay="0"/>
+                                          </p:stCondLst>
+                                        </p:cTn>
+                                        <p:tgtEl>
+                                          <p:spTgt spid="3">
+                                            <p:txEl>
+                                              <p:pRg st="2" end="2"/>
+                                            </p:txEl>
+                                          </p:spTgt>
+                                        </p:tgtEl>
+                                        <p:attrNameLst>
+                                          <p:attrName>style.visibility</p:attrName>
+                                        </p:attrNameLst>
+                                      </p:cBhvr>
+                                      <p:to>
+                                        <p:strVal val="visible"/>
+                                      </p:to>
+                                    </p:set>
+                                    <p:anim calcmode="lin" valueType="num">
+                                      <p:cBhvr additive="base">
+                                        <p:cTn id="19" dur="500" fill="hold"/>
+                                        <p:tgtEl>
+                                          <p:spTgt spid="3">
+                                            <p:txEl>
+                                              <p:pRg st="2" end="2"/>
+                                            </p:txEl>
+                                          </p:spTgt>
+                                        </p:tgtEl>
+                                        <p:attrNameLst>
+                                          <p:attrName>ppt_x</p:attrName>
+                                        </p:attrNameLst>
+                                      </p:cBhvr>
+                                      <p:tavLst>
+                                        <p:tav tm="0">
+                                          <p:val>
+                                            <p:strVal val="#ppt_x"/>
+                                          </p:val>
+                                        </p:tav>
+                                        <p:tav tm="100000">
+                                          <p:val>
+                                            <p:strVal val="#ppt_x"/>
+                                          </p:val>
+                                        </p:tav>
+                                      </p:tavLst>
+                                    </p:anim>
+                                    <p:anim calcmode="lin" valueType="num">
+                                      <p:cBhvr additive="base">
+                                        <p:cTn id="20" dur="500" fill="hold"/>
+                                        <p:tgtEl>
+                                          <p:spTgt spid="3">
+                                            <p:txEl>
+                                              <p:pRg st="2" end="2"/>
+                                            </p:txEl>
+                                          </p:spTgt>
+                                        </p:tgtEl>
+                                        <p:attrNameLst>
+                                          <p:attrName>ppt_y</p:attrName>
+                                        </p:attrNameLst>
+                                      </p:cBhvr>
+                                      <p:tavLst>
+                                        <p:tav tm="0">
+                                          <p:val>
+                                            <p:strVal val="1+#ppt_h/2"/>
+                                          </p:val>
+                                        </p:tav>
+                                        <p:tav tm="100000">
+                                          <p:val>
+                                            <p:strVal val="#ppt_y"/>
+                                          </p:val>
+                                        </p:tav>
+                                      </p:tavLst>
+                                    </p:anim>
+                                  </p:childTnLst>
+                                </p:cTn>
+                              </p:par>
+                            </p:childTnLst>
+                          </p:cTn>
+                        </p:par>
+                      </p:childTnLst>
+                    </p:cTn>
+                  </p:par>
+                  <p:par>
+                    <p:cTn id="21" fill="hold">
+                      <p:stCondLst>
+                        <p:cond delay="indefinite"/>
+                      </p:stCondLst>
+                      <p:childTnLst>
+                        <p:par>
+                          <p:cTn id="22" fill="hold">
+                            <p:stCondLst>
+                              <p:cond delay="0"/>
+                            </p:stCondLst>
+                            <p:childTnLst>
+                              <p:par>
+                                <p:cTn id="23" presetID="2" presetClass="entr" presetSubtype="4" fill="hold" grpId="0" nodeType="clickEffect">
+                                  <p:stCondLst>
+                                    <p:cond delay="0"/>
+                                  </p:stCondLst>
+                                  <p:childTnLst>
+                                    <p:set>
+                                      <p:cBhvr>
+                                        <p:cTn id="24" dur="1" fill="hold">
+                                          <p:stCondLst>
+                                            <p:cond delay="0"/>
+                                          </p:stCondLst>
+                                        </p:cTn>
+                                        <p:tgtEl>
+                                          <p:spTgt spid="3">
+                                            <p:txEl>
+                                              <p:pRg st="3" end="3"/>
+                                            </p:txEl>
+                                          </p:spTgt>
+                                        </p:tgtEl>
+                                        <p:attrNameLst>
+                                          <p:attrName>style.visibility</p:attrName>
+                                        </p:attrNameLst>
+                                      </p:cBhvr>
+                                      <p:to>
+                                        <p:strVal val="visible"/>
+                                      </p:to>
+                                    </p:set>
+                                    <p:anim calcmode="lin" valueType="num">
+                                      <p:cBhvr additive="base">
+                                        <p:cTn id="25" dur="500" fill="hold"/>
+                                        <p:tgtEl>
+                                          <p:spTgt spid="3">
+                                            <p:txEl>
+                                              <p:pRg st="3" end="3"/>
+                                            </p:txEl>
+                                          </p:spTgt>
+                                        </p:tgtEl>
+                                        <p:attrNameLst>
+                                          <p:attrName>ppt_x</p:attrName>
+                                        </p:attrNameLst>
+                                      </p:cBhvr>
+                                      <p:tavLst>
+                                        <p:tav tm="0">
+                                          <p:val>
+                                            <p:strVal val="#ppt_x"/>
+                                          </p:val>
+                                        </p:tav>
+                                        <p:tav tm="100000">
+                                          <p:val>
+                                            <p:strVal val="#ppt_x"/>
+                                          </p:val>
+                                        </p:tav>
+                                      </p:tavLst>
+                                    </p:anim>
+                                    <p:anim calcmode="lin" valueType="num">
+                                      <p:cBhvr additive="base">
+                                        <p:cTn id="26" dur="500" fill="hold"/>
+                                        <p:tgtEl>
+                                          <p:spTgt spid="3">
+                                            <p:txEl>
+                                              <p:pRg st="3" end="3"/>
+                                            </p:txEl>
+                                          </p:spTgt>
+                                        </p:tgtEl>
+                                        <p:attrNameLst>
+                                          <p:attrName>ppt_y</p:attrName>
+                                        </p:attrNameLst>
+                                      </p:cBhvr>
+                                      <p:tavLst>
+                                        <p:tav tm="0">
+                                          <p:val>
+                                            <p:strVal val="1+#ppt_h/2"/>
+                                          </p:val>
+                                        </p:tav>
+                                        <p:tav tm="100000">
+                                          <p:val>
+                                            <p:strVal val="#ppt_y"/>
+                                          </p:val>
+                                        </p:tav>
+                                      </p:tavLst>
+                                    </p:anim>
+                                  </p:childTnLst>
+                                </p:cTn>
+                              </p:par>
+                            </p:childTnLst>
+                          </p:cTn>
+                        </p:par>
+                      </p:childTnLst>
+                    </p:cTn>
+                  </p:par>
+                  <p:par>
+                    <p:cTn id="27" fill="hold">
+                      <p:stCondLst>
+                        <p:cond delay="indefinite"/>
+                      </p:stCondLst>
+                      <p:childTnLst>
+                        <p:par>
+                          <p:cTn id="28" fill="hold">
+                            <p:stCondLst>
+                              <p:cond delay="0"/>
+                            </p:stCondLst>
+                            <p:childTnLst>
+                              <p:par>
+                                <p:cTn id="29" presetID="2" presetClass="entr" presetSubtype="4" fill="hold" grpId="0" nodeType="clickEffect">
+                                  <p:stCondLst>
+                                    <p:cond delay="0"/>
+                                  </p:stCondLst>
+                                  <p:childTnLst>
+                                    <p:set>
+                                      <p:cBhvr>
+                                        <p:cTn id="30" dur="1" fill="hold">
+                                          <p:stCondLst>
+                                            <p:cond delay="0"/>
+                                          </p:stCondLst>
+                                        </p:cTn>
+                                        <p:tgtEl>
+                                          <p:spTgt spid="3">
+                                            <p:txEl>
+                                              <p:pRg st="4" end="4"/>
+                                            </p:txEl>
+                                          </p:spTgt>
+                                        </p:tgtEl>
+                                        <p:attrNameLst>
+                                          <p:attrName>style.visibility</p:attrName>
+                                        </p:attrNameLst>
+                                      </p:cBhvr>
+                                      <p:to>
+                                        <p:strVal val="visible"/>
+                                      </p:to>
+                                    </p:set>
+                                    <p:anim calcmode="lin" valueType="num">
+                                      <p:cBhvr additive="base">
+                                        <p:cTn id="31" dur="500" fill="hold"/>
+                                        <p:tgtEl>
+                                          <p:spTgt spid="3">
+                                            <p:txEl>
+                                              <p:pRg st="4" end="4"/>
+                                            </p:txEl>
+                                          </p:spTgt>
+                                        </p:tgtEl>
+                                        <p:attrNameLst>
+                                          <p:attrName>ppt_x</p:attrName>
+                                        </p:attrNameLst>
+                                      </p:cBhvr>
+                                      <p:tavLst>
+                                        <p:tav tm="0">
+                                          <p:val>
+                                            <p:strVal val="#ppt_x"/>
+                                          </p:val>
+                                        </p:tav>
+                                        <p:tav tm="100000">
+                                          <p:val>
+                                            <p:strVal val="#ppt_x"/>
+                                          </p:val>
+                                        </p:tav>
+                                      </p:tavLst>
+                                    </p:anim>
+                                    <p:anim calcmode="lin" valueType="num">
+                                      <p:cBhvr additive="base">
+                                        <p:cTn id="32" dur="500" fill="hold"/>
+                                        <p:tgtEl>
+                                          <p:spTgt spid="3">
+                                            <p:txEl>
+                                              <p:pRg st="4" end="4"/>
+                                            </p:txEl>
+                                          </p:spTgt>
+                                        </p:tgtEl>
+                                        <p:attrNameLst>
+                                          <p:attrName>ppt_y</p:attrName>
+                                        </p:attrNameLst>
+                                      </p:cBhvr>
+                                      <p:tavLst>
+                                        <p:tav tm="0">
+                                          <p:val>
+                                            <p:strVal val="1+#ppt_h/2"/>
+                                          </p:val>
+                                        </p:tav>
+                                        <p:tav tm="100000">
+                                          <p:val>
+                                            <p:strVal val="#ppt_y"/>
+                                          </p:val>
+                                        </p:tav>
+                                      </p:tavLst>
+                                    </p:anim>
+                                  </p:childTnLst>
+                                </p:cTn>
+                              </p:par>
+                            </p:childTnLst>
+                          </p:cTn>
+                        </p:par>
+                      </p:childTnLst>
+                    </p:cTn>
+                  </p:par>
+                  <p:par>
+                    <p:cTn id="33" fill="hold">
+                      <p:stCondLst>
+                        <p:cond delay="indefinite"/>
+                      </p:stCondLst>
+                      <p:childTnLst>
+                        <p:par>
+                          <p:cTn id="34" fill="hold">
+                            <p:stCondLst>
+                              <p:cond delay="0"/>
+                            </p:stCondLst>
+                            <p:childTnLst>
+                              <p:par>
+                                <p:cTn id="35" presetID="2" presetClass="entr" presetSubtype="4" fill="hold" grpId="0" nodeType="clickEffect">
+                                  <p:stCondLst>
+                                    <p:cond delay="0"/>
+                                  </p:stCondLst>
+                                  <p:childTnLst>
+                                    <p:set>
+                                      <p:cBhvr>
+                                        <p:cTn id="36" dur="1" fill="hold">
+                                          <p:stCondLst>
+                                            <p:cond delay="0"/>
+                                          </p:stCondLst>
+                                        </p:cTn>
+                                        <p:tgtEl>
+                                          <p:spTgt spid="3">
+                                            <p:txEl>
+                                              <p:pRg st="6" end="6"/>
+                                            </p:txEl>
+                                          </p:spTgt>
+                                        </p:tgtEl>
+                                        <p:attrNameLst>
+                                          <p:attrName>style.visibility</p:attrName>
+                                        </p:attrNameLst>
+                                      </p:cBhvr>
+                                      <p:to>
+                                        <p:strVal val="visible"/>
+                                      </p:to>
+                                    </p:set>
+                                    <p:anim calcmode="lin" valueType="num">
+                                      <p:cBhvr additive="base">
+                                        <p:cTn id="37" dur="500" fill="hold"/>
+                                        <p:tgtEl>
+                                          <p:spTgt spid="3">
+                                            <p:txEl>
+                                              <p:pRg st="6" end="6"/>
+                                            </p:txEl>
+                                          </p:spTgt>
+                                        </p:tgtEl>
+                                        <p:attrNameLst>
+                                          <p:attrName>ppt_x</p:attrName>
+                                        </p:attrNameLst>
+                                      </p:cBhvr>
+                                      <p:tavLst>
+                                        <p:tav tm="0">
+                                          <p:val>
+                                            <p:strVal val="#ppt_x"/>
+                                          </p:val>
+                                        </p:tav>
+                                        <p:tav tm="100000">
+                                          <p:val>
+                                            <p:strVal val="#ppt_x"/>
+                                          </p:val>
+                                        </p:tav>
+                                      </p:tavLst>
+                                    </p:anim>
+                                    <p:anim calcmode="lin" valueType="num">
+                                      <p:cBhvr additive="base">
+                                        <p:cTn id="38" dur="500" fill="hold"/>
+                                        <p:tgtEl>
+                                          <p:spTgt spid="3">
+                                            <p:txEl>
+                                              <p:pRg st="6" end="6"/>
+                                            </p:txEl>
+                                          </p:spTgt>
+                                        </p:tgtEl>
+                                        <p:attrNameLst>
+                                          <p:attrName>ppt_y</p:attrName>
+                                        </p:attrNameLst>
+                                      </p:cBhvr>
+                                      <p:tavLst>
+                                        <p:tav tm="0">
+                                          <p:val>
+                                            <p:strVal val="1+#ppt_h/2"/>
+                                          </p:val>
+                                        </p:tav>
+                                        <p:tav tm="100000">
+                                          <p:val>
+                                            <p:strVal val="#ppt_y"/>
+                                          </p:val>
+                                        </p:tav>
+                                      </p:tavLst>
+                                    </p:anim>
+                                  </p:childTnLst>
+                                </p:cTn>
+                              </p:par>
+                            </p:childTnLst>
+                          </p:cTn>
+                        </p:par>
+                      </p:childTnLst>
+                    </p:cTn>
+                  </p:par>
+                </p:childTnLst>
+              </p:cTn>
+              <p:prevCondLst>
+                <p:cond evt="onPrev" delay="0">
+                  <p:tgtEl>
+                    <p:sldTgt/>
+                  </p:tgtEl>
+                </p:cond>
+              </p:prevCondLst>
+              <p:nextCondLst>
+                <p:cond evt="onNext" delay="0">
+                  <p:tgtEl>
+                    <p:sldTgt/>
+                  </p:tgtEl>
+                </p:cond>
+              </p:nextCondLst>
+            </p:seq>
+          </p:childTnLst>
+        </p:cTn>
+      </p:par>
+    </p:tnLst>
+    <p:bldLst>
+      <p:bldP spid="3" grpId="0" uiExpand="1" build="p"/>
+    </p:bldLst>
+  </p:timing>
 </p:sld>
 </file>
 
@@ -33058,6 +37927,1069 @@
   <p:clrMapOvr>
     <a:masterClrMapping/>
   </p:clrMapOvr>
+  <p:timing>
+    <p:tnLst>
+      <p:par>
+        <p:cTn id="1" dur="indefinite" restart="never" nodeType="tmRoot">
+          <p:childTnLst>
+            <p:seq concurrent="1" nextAc="seek">
+              <p:cTn id="2" dur="indefinite" nodeType="mainSeq">
+                <p:childTnLst>
+                  <p:par>
+                    <p:cTn id="3" fill="hold">
+                      <p:stCondLst>
+                        <p:cond delay="indefinite"/>
+                      </p:stCondLst>
+                      <p:childTnLst>
+                        <p:par>
+                          <p:cTn id="4" fill="hold">
+                            <p:stCondLst>
+                              <p:cond delay="0"/>
+                            </p:stCondLst>
+                            <p:childTnLst>
+                              <p:par>
+                                <p:cTn id="5" presetID="2" presetClass="entr" presetSubtype="4" fill="hold" grpId="0" nodeType="clickEffect">
+                                  <p:stCondLst>
+                                    <p:cond delay="0"/>
+                                  </p:stCondLst>
+                                  <p:childTnLst>
+                                    <p:set>
+                                      <p:cBhvr>
+                                        <p:cTn id="6" dur="1" fill="hold">
+                                          <p:stCondLst>
+                                            <p:cond delay="0"/>
+                                          </p:stCondLst>
+                                        </p:cTn>
+                                        <p:tgtEl>
+                                          <p:spTgt spid="3">
+                                            <p:txEl>
+                                              <p:pRg st="0" end="0"/>
+                                            </p:txEl>
+                                          </p:spTgt>
+                                        </p:tgtEl>
+                                        <p:attrNameLst>
+                                          <p:attrName>style.visibility</p:attrName>
+                                        </p:attrNameLst>
+                                      </p:cBhvr>
+                                      <p:to>
+                                        <p:strVal val="visible"/>
+                                      </p:to>
+                                    </p:set>
+                                    <p:anim calcmode="lin" valueType="num">
+                                      <p:cBhvr additive="base">
+                                        <p:cTn id="7" dur="500" fill="hold"/>
+                                        <p:tgtEl>
+                                          <p:spTgt spid="3">
+                                            <p:txEl>
+                                              <p:pRg st="0" end="0"/>
+                                            </p:txEl>
+                                          </p:spTgt>
+                                        </p:tgtEl>
+                                        <p:attrNameLst>
+                                          <p:attrName>ppt_x</p:attrName>
+                                        </p:attrNameLst>
+                                      </p:cBhvr>
+                                      <p:tavLst>
+                                        <p:tav tm="0">
+                                          <p:val>
+                                            <p:strVal val="#ppt_x"/>
+                                          </p:val>
+                                        </p:tav>
+                                        <p:tav tm="100000">
+                                          <p:val>
+                                            <p:strVal val="#ppt_x"/>
+                                          </p:val>
+                                        </p:tav>
+                                      </p:tavLst>
+                                    </p:anim>
+                                    <p:anim calcmode="lin" valueType="num">
+                                      <p:cBhvr additive="base">
+                                        <p:cTn id="8" dur="500" fill="hold"/>
+                                        <p:tgtEl>
+                                          <p:spTgt spid="3">
+                                            <p:txEl>
+                                              <p:pRg st="0" end="0"/>
+                                            </p:txEl>
+                                          </p:spTgt>
+                                        </p:tgtEl>
+                                        <p:attrNameLst>
+                                          <p:attrName>ppt_y</p:attrName>
+                                        </p:attrNameLst>
+                                      </p:cBhvr>
+                                      <p:tavLst>
+                                        <p:tav tm="0">
+                                          <p:val>
+                                            <p:strVal val="1+#ppt_h/2"/>
+                                          </p:val>
+                                        </p:tav>
+                                        <p:tav tm="100000">
+                                          <p:val>
+                                            <p:strVal val="#ppt_y"/>
+                                          </p:val>
+                                        </p:tav>
+                                      </p:tavLst>
+                                    </p:anim>
+                                  </p:childTnLst>
+                                </p:cTn>
+                              </p:par>
+                            </p:childTnLst>
+                          </p:cTn>
+                        </p:par>
+                      </p:childTnLst>
+                    </p:cTn>
+                  </p:par>
+                  <p:par>
+                    <p:cTn id="9" fill="hold">
+                      <p:stCondLst>
+                        <p:cond delay="indefinite"/>
+                      </p:stCondLst>
+                      <p:childTnLst>
+                        <p:par>
+                          <p:cTn id="10" fill="hold">
+                            <p:stCondLst>
+                              <p:cond delay="0"/>
+                            </p:stCondLst>
+                            <p:childTnLst>
+                              <p:par>
+                                <p:cTn id="11" presetID="2" presetClass="entr" presetSubtype="4" fill="hold" grpId="0" nodeType="clickEffect">
+                                  <p:stCondLst>
+                                    <p:cond delay="0"/>
+                                  </p:stCondLst>
+                                  <p:childTnLst>
+                                    <p:set>
+                                      <p:cBhvr>
+                                        <p:cTn id="12" dur="1" fill="hold">
+                                          <p:stCondLst>
+                                            <p:cond delay="0"/>
+                                          </p:stCondLst>
+                                        </p:cTn>
+                                        <p:tgtEl>
+                                          <p:spTgt spid="3">
+                                            <p:txEl>
+                                              <p:pRg st="1" end="1"/>
+                                            </p:txEl>
+                                          </p:spTgt>
+                                        </p:tgtEl>
+                                        <p:attrNameLst>
+                                          <p:attrName>style.visibility</p:attrName>
+                                        </p:attrNameLst>
+                                      </p:cBhvr>
+                                      <p:to>
+                                        <p:strVal val="visible"/>
+                                      </p:to>
+                                    </p:set>
+                                    <p:anim calcmode="lin" valueType="num">
+                                      <p:cBhvr additive="base">
+                                        <p:cTn id="13" dur="500" fill="hold"/>
+                                        <p:tgtEl>
+                                          <p:spTgt spid="3">
+                                            <p:txEl>
+                                              <p:pRg st="1" end="1"/>
+                                            </p:txEl>
+                                          </p:spTgt>
+                                        </p:tgtEl>
+                                        <p:attrNameLst>
+                                          <p:attrName>ppt_x</p:attrName>
+                                        </p:attrNameLst>
+                                      </p:cBhvr>
+                                      <p:tavLst>
+                                        <p:tav tm="0">
+                                          <p:val>
+                                            <p:strVal val="#ppt_x"/>
+                                          </p:val>
+                                        </p:tav>
+                                        <p:tav tm="100000">
+                                          <p:val>
+                                            <p:strVal val="#ppt_x"/>
+                                          </p:val>
+                                        </p:tav>
+                                      </p:tavLst>
+                                    </p:anim>
+                                    <p:anim calcmode="lin" valueType="num">
+                                      <p:cBhvr additive="base">
+                                        <p:cTn id="14" dur="500" fill="hold"/>
+                                        <p:tgtEl>
+                                          <p:spTgt spid="3">
+                                            <p:txEl>
+                                              <p:pRg st="1" end="1"/>
+                                            </p:txEl>
+                                          </p:spTgt>
+                                        </p:tgtEl>
+                                        <p:attrNameLst>
+                                          <p:attrName>ppt_y</p:attrName>
+                                        </p:attrNameLst>
+                                      </p:cBhvr>
+                                      <p:tavLst>
+                                        <p:tav tm="0">
+                                          <p:val>
+                                            <p:strVal val="1+#ppt_h/2"/>
+                                          </p:val>
+                                        </p:tav>
+                                        <p:tav tm="100000">
+                                          <p:val>
+                                            <p:strVal val="#ppt_y"/>
+                                          </p:val>
+                                        </p:tav>
+                                      </p:tavLst>
+                                    </p:anim>
+                                  </p:childTnLst>
+                                </p:cTn>
+                              </p:par>
+                            </p:childTnLst>
+                          </p:cTn>
+                        </p:par>
+                      </p:childTnLst>
+                    </p:cTn>
+                  </p:par>
+                  <p:par>
+                    <p:cTn id="15" fill="hold">
+                      <p:stCondLst>
+                        <p:cond delay="indefinite"/>
+                      </p:stCondLst>
+                      <p:childTnLst>
+                        <p:par>
+                          <p:cTn id="16" fill="hold">
+                            <p:stCondLst>
+                              <p:cond delay="0"/>
+                            </p:stCondLst>
+                            <p:childTnLst>
+                              <p:par>
+                                <p:cTn id="17" presetID="2" presetClass="entr" presetSubtype="4" fill="hold" grpId="0" nodeType="clickEffect">
+                                  <p:stCondLst>
+                                    <p:cond delay="0"/>
+                                  </p:stCondLst>
+                                  <p:childTnLst>
+                                    <p:set>
+                                      <p:cBhvr>
+                                        <p:cTn id="18" dur="1" fill="hold">
+                                          <p:stCondLst>
+                                            <p:cond delay="0"/>
+                                          </p:stCondLst>
+                                        </p:cTn>
+                                        <p:tgtEl>
+                                          <p:spTgt spid="3">
+                                            <p:txEl>
+                                              <p:pRg st="2" end="2"/>
+                                            </p:txEl>
+                                          </p:spTgt>
+                                        </p:tgtEl>
+                                        <p:attrNameLst>
+                                          <p:attrName>style.visibility</p:attrName>
+                                        </p:attrNameLst>
+                                      </p:cBhvr>
+                                      <p:to>
+                                        <p:strVal val="visible"/>
+                                      </p:to>
+                                    </p:set>
+                                    <p:anim calcmode="lin" valueType="num">
+                                      <p:cBhvr additive="base">
+                                        <p:cTn id="19" dur="500" fill="hold"/>
+                                        <p:tgtEl>
+                                          <p:spTgt spid="3">
+                                            <p:txEl>
+                                              <p:pRg st="2" end="2"/>
+                                            </p:txEl>
+                                          </p:spTgt>
+                                        </p:tgtEl>
+                                        <p:attrNameLst>
+                                          <p:attrName>ppt_x</p:attrName>
+                                        </p:attrNameLst>
+                                      </p:cBhvr>
+                                      <p:tavLst>
+                                        <p:tav tm="0">
+                                          <p:val>
+                                            <p:strVal val="#ppt_x"/>
+                                          </p:val>
+                                        </p:tav>
+                                        <p:tav tm="100000">
+                                          <p:val>
+                                            <p:strVal val="#ppt_x"/>
+                                          </p:val>
+                                        </p:tav>
+                                      </p:tavLst>
+                                    </p:anim>
+                                    <p:anim calcmode="lin" valueType="num">
+                                      <p:cBhvr additive="base">
+                                        <p:cTn id="20" dur="500" fill="hold"/>
+                                        <p:tgtEl>
+                                          <p:spTgt spid="3">
+                                            <p:txEl>
+                                              <p:pRg st="2" end="2"/>
+                                            </p:txEl>
+                                          </p:spTgt>
+                                        </p:tgtEl>
+                                        <p:attrNameLst>
+                                          <p:attrName>ppt_y</p:attrName>
+                                        </p:attrNameLst>
+                                      </p:cBhvr>
+                                      <p:tavLst>
+                                        <p:tav tm="0">
+                                          <p:val>
+                                            <p:strVal val="1+#ppt_h/2"/>
+                                          </p:val>
+                                        </p:tav>
+                                        <p:tav tm="100000">
+                                          <p:val>
+                                            <p:strVal val="#ppt_y"/>
+                                          </p:val>
+                                        </p:tav>
+                                      </p:tavLst>
+                                    </p:anim>
+                                  </p:childTnLst>
+                                </p:cTn>
+                              </p:par>
+                            </p:childTnLst>
+                          </p:cTn>
+                        </p:par>
+                      </p:childTnLst>
+                    </p:cTn>
+                  </p:par>
+                  <p:par>
+                    <p:cTn id="21" fill="hold">
+                      <p:stCondLst>
+                        <p:cond delay="indefinite"/>
+                      </p:stCondLst>
+                      <p:childTnLst>
+                        <p:par>
+                          <p:cTn id="22" fill="hold">
+                            <p:stCondLst>
+                              <p:cond delay="0"/>
+                            </p:stCondLst>
+                            <p:childTnLst>
+                              <p:par>
+                                <p:cTn id="23" presetID="2" presetClass="entr" presetSubtype="4" fill="hold" grpId="0" nodeType="clickEffect">
+                                  <p:stCondLst>
+                                    <p:cond delay="0"/>
+                                  </p:stCondLst>
+                                  <p:childTnLst>
+                                    <p:set>
+                                      <p:cBhvr>
+                                        <p:cTn id="24" dur="1" fill="hold">
+                                          <p:stCondLst>
+                                            <p:cond delay="0"/>
+                                          </p:stCondLst>
+                                        </p:cTn>
+                                        <p:tgtEl>
+                                          <p:spTgt spid="3">
+                                            <p:txEl>
+                                              <p:pRg st="3" end="3"/>
+                                            </p:txEl>
+                                          </p:spTgt>
+                                        </p:tgtEl>
+                                        <p:attrNameLst>
+                                          <p:attrName>style.visibility</p:attrName>
+                                        </p:attrNameLst>
+                                      </p:cBhvr>
+                                      <p:to>
+                                        <p:strVal val="visible"/>
+                                      </p:to>
+                                    </p:set>
+                                    <p:anim calcmode="lin" valueType="num">
+                                      <p:cBhvr additive="base">
+                                        <p:cTn id="25" dur="500" fill="hold"/>
+                                        <p:tgtEl>
+                                          <p:spTgt spid="3">
+                                            <p:txEl>
+                                              <p:pRg st="3" end="3"/>
+                                            </p:txEl>
+                                          </p:spTgt>
+                                        </p:tgtEl>
+                                        <p:attrNameLst>
+                                          <p:attrName>ppt_x</p:attrName>
+                                        </p:attrNameLst>
+                                      </p:cBhvr>
+                                      <p:tavLst>
+                                        <p:tav tm="0">
+                                          <p:val>
+                                            <p:strVal val="#ppt_x"/>
+                                          </p:val>
+                                        </p:tav>
+                                        <p:tav tm="100000">
+                                          <p:val>
+                                            <p:strVal val="#ppt_x"/>
+                                          </p:val>
+                                        </p:tav>
+                                      </p:tavLst>
+                                    </p:anim>
+                                    <p:anim calcmode="lin" valueType="num">
+                                      <p:cBhvr additive="base">
+                                        <p:cTn id="26" dur="500" fill="hold"/>
+                                        <p:tgtEl>
+                                          <p:spTgt spid="3">
+                                            <p:txEl>
+                                              <p:pRg st="3" end="3"/>
+                                            </p:txEl>
+                                          </p:spTgt>
+                                        </p:tgtEl>
+                                        <p:attrNameLst>
+                                          <p:attrName>ppt_y</p:attrName>
+                                        </p:attrNameLst>
+                                      </p:cBhvr>
+                                      <p:tavLst>
+                                        <p:tav tm="0">
+                                          <p:val>
+                                            <p:strVal val="1+#ppt_h/2"/>
+                                          </p:val>
+                                        </p:tav>
+                                        <p:tav tm="100000">
+                                          <p:val>
+                                            <p:strVal val="#ppt_y"/>
+                                          </p:val>
+                                        </p:tav>
+                                      </p:tavLst>
+                                    </p:anim>
+                                  </p:childTnLst>
+                                </p:cTn>
+                              </p:par>
+                            </p:childTnLst>
+                          </p:cTn>
+                        </p:par>
+                      </p:childTnLst>
+                    </p:cTn>
+                  </p:par>
+                  <p:par>
+                    <p:cTn id="27" fill="hold">
+                      <p:stCondLst>
+                        <p:cond delay="indefinite"/>
+                      </p:stCondLst>
+                      <p:childTnLst>
+                        <p:par>
+                          <p:cTn id="28" fill="hold">
+                            <p:stCondLst>
+                              <p:cond delay="0"/>
+                            </p:stCondLst>
+                            <p:childTnLst>
+                              <p:par>
+                                <p:cTn id="29" presetID="2" presetClass="entr" presetSubtype="4" fill="hold" grpId="0" nodeType="clickEffect">
+                                  <p:stCondLst>
+                                    <p:cond delay="0"/>
+                                  </p:stCondLst>
+                                  <p:childTnLst>
+                                    <p:set>
+                                      <p:cBhvr>
+                                        <p:cTn id="30" dur="1" fill="hold">
+                                          <p:stCondLst>
+                                            <p:cond delay="0"/>
+                                          </p:stCondLst>
+                                        </p:cTn>
+                                        <p:tgtEl>
+                                          <p:spTgt spid="3">
+                                            <p:txEl>
+                                              <p:pRg st="4" end="4"/>
+                                            </p:txEl>
+                                          </p:spTgt>
+                                        </p:tgtEl>
+                                        <p:attrNameLst>
+                                          <p:attrName>style.visibility</p:attrName>
+                                        </p:attrNameLst>
+                                      </p:cBhvr>
+                                      <p:to>
+                                        <p:strVal val="visible"/>
+                                      </p:to>
+                                    </p:set>
+                                    <p:anim calcmode="lin" valueType="num">
+                                      <p:cBhvr additive="base">
+                                        <p:cTn id="31" dur="500" fill="hold"/>
+                                        <p:tgtEl>
+                                          <p:spTgt spid="3">
+                                            <p:txEl>
+                                              <p:pRg st="4" end="4"/>
+                                            </p:txEl>
+                                          </p:spTgt>
+                                        </p:tgtEl>
+                                        <p:attrNameLst>
+                                          <p:attrName>ppt_x</p:attrName>
+                                        </p:attrNameLst>
+                                      </p:cBhvr>
+                                      <p:tavLst>
+                                        <p:tav tm="0">
+                                          <p:val>
+                                            <p:strVal val="#ppt_x"/>
+                                          </p:val>
+                                        </p:tav>
+                                        <p:tav tm="100000">
+                                          <p:val>
+                                            <p:strVal val="#ppt_x"/>
+                                          </p:val>
+                                        </p:tav>
+                                      </p:tavLst>
+                                    </p:anim>
+                                    <p:anim calcmode="lin" valueType="num">
+                                      <p:cBhvr additive="base">
+                                        <p:cTn id="32" dur="500" fill="hold"/>
+                                        <p:tgtEl>
+                                          <p:spTgt spid="3">
+                                            <p:txEl>
+                                              <p:pRg st="4" end="4"/>
+                                            </p:txEl>
+                                          </p:spTgt>
+                                        </p:tgtEl>
+                                        <p:attrNameLst>
+                                          <p:attrName>ppt_y</p:attrName>
+                                        </p:attrNameLst>
+                                      </p:cBhvr>
+                                      <p:tavLst>
+                                        <p:tav tm="0">
+                                          <p:val>
+                                            <p:strVal val="1+#ppt_h/2"/>
+                                          </p:val>
+                                        </p:tav>
+                                        <p:tav tm="100000">
+                                          <p:val>
+                                            <p:strVal val="#ppt_y"/>
+                                          </p:val>
+                                        </p:tav>
+                                      </p:tavLst>
+                                    </p:anim>
+                                  </p:childTnLst>
+                                </p:cTn>
+                              </p:par>
+                            </p:childTnLst>
+                          </p:cTn>
+                        </p:par>
+                      </p:childTnLst>
+                    </p:cTn>
+                  </p:par>
+                  <p:par>
+                    <p:cTn id="33" fill="hold">
+                      <p:stCondLst>
+                        <p:cond delay="indefinite"/>
+                      </p:stCondLst>
+                      <p:childTnLst>
+                        <p:par>
+                          <p:cTn id="34" fill="hold">
+                            <p:stCondLst>
+                              <p:cond delay="0"/>
+                            </p:stCondLst>
+                            <p:childTnLst>
+                              <p:par>
+                                <p:cTn id="35" presetID="2" presetClass="entr" presetSubtype="4" fill="hold" grpId="0" nodeType="clickEffect">
+                                  <p:stCondLst>
+                                    <p:cond delay="0"/>
+                                  </p:stCondLst>
+                                  <p:childTnLst>
+                                    <p:set>
+                                      <p:cBhvr>
+                                        <p:cTn id="36" dur="1" fill="hold">
+                                          <p:stCondLst>
+                                            <p:cond delay="0"/>
+                                          </p:stCondLst>
+                                        </p:cTn>
+                                        <p:tgtEl>
+                                          <p:spTgt spid="3">
+                                            <p:txEl>
+                                              <p:pRg st="5" end="5"/>
+                                            </p:txEl>
+                                          </p:spTgt>
+                                        </p:tgtEl>
+                                        <p:attrNameLst>
+                                          <p:attrName>style.visibility</p:attrName>
+                                        </p:attrNameLst>
+                                      </p:cBhvr>
+                                      <p:to>
+                                        <p:strVal val="visible"/>
+                                      </p:to>
+                                    </p:set>
+                                    <p:anim calcmode="lin" valueType="num">
+                                      <p:cBhvr additive="base">
+                                        <p:cTn id="37" dur="500" fill="hold"/>
+                                        <p:tgtEl>
+                                          <p:spTgt spid="3">
+                                            <p:txEl>
+                                              <p:pRg st="5" end="5"/>
+                                            </p:txEl>
+                                          </p:spTgt>
+                                        </p:tgtEl>
+                                        <p:attrNameLst>
+                                          <p:attrName>ppt_x</p:attrName>
+                                        </p:attrNameLst>
+                                      </p:cBhvr>
+                                      <p:tavLst>
+                                        <p:tav tm="0">
+                                          <p:val>
+                                            <p:strVal val="#ppt_x"/>
+                                          </p:val>
+                                        </p:tav>
+                                        <p:tav tm="100000">
+                                          <p:val>
+                                            <p:strVal val="#ppt_x"/>
+                                          </p:val>
+                                        </p:tav>
+                                      </p:tavLst>
+                                    </p:anim>
+                                    <p:anim calcmode="lin" valueType="num">
+                                      <p:cBhvr additive="base">
+                                        <p:cTn id="38" dur="500" fill="hold"/>
+                                        <p:tgtEl>
+                                          <p:spTgt spid="3">
+                                            <p:txEl>
+                                              <p:pRg st="5" end="5"/>
+                                            </p:txEl>
+                                          </p:spTgt>
+                                        </p:tgtEl>
+                                        <p:attrNameLst>
+                                          <p:attrName>ppt_y</p:attrName>
+                                        </p:attrNameLst>
+                                      </p:cBhvr>
+                                      <p:tavLst>
+                                        <p:tav tm="0">
+                                          <p:val>
+                                            <p:strVal val="1+#ppt_h/2"/>
+                                          </p:val>
+                                        </p:tav>
+                                        <p:tav tm="100000">
+                                          <p:val>
+                                            <p:strVal val="#ppt_y"/>
+                                          </p:val>
+                                        </p:tav>
+                                      </p:tavLst>
+                                    </p:anim>
+                                  </p:childTnLst>
+                                </p:cTn>
+                              </p:par>
+                            </p:childTnLst>
+                          </p:cTn>
+                        </p:par>
+                      </p:childTnLst>
+                    </p:cTn>
+                  </p:par>
+                  <p:par>
+                    <p:cTn id="39" fill="hold">
+                      <p:stCondLst>
+                        <p:cond delay="indefinite"/>
+                      </p:stCondLst>
+                      <p:childTnLst>
+                        <p:par>
+                          <p:cTn id="40" fill="hold">
+                            <p:stCondLst>
+                              <p:cond delay="0"/>
+                            </p:stCondLst>
+                            <p:childTnLst>
+                              <p:par>
+                                <p:cTn id="41" presetID="2" presetClass="entr" presetSubtype="4" fill="hold" grpId="0" nodeType="clickEffect">
+                                  <p:stCondLst>
+                                    <p:cond delay="0"/>
+                                  </p:stCondLst>
+                                  <p:childTnLst>
+                                    <p:set>
+                                      <p:cBhvr>
+                                        <p:cTn id="42" dur="1" fill="hold">
+                                          <p:stCondLst>
+                                            <p:cond delay="0"/>
+                                          </p:stCondLst>
+                                        </p:cTn>
+                                        <p:tgtEl>
+                                          <p:spTgt spid="3">
+                                            <p:txEl>
+                                              <p:pRg st="6" end="6"/>
+                                            </p:txEl>
+                                          </p:spTgt>
+                                        </p:tgtEl>
+                                        <p:attrNameLst>
+                                          <p:attrName>style.visibility</p:attrName>
+                                        </p:attrNameLst>
+                                      </p:cBhvr>
+                                      <p:to>
+                                        <p:strVal val="visible"/>
+                                      </p:to>
+                                    </p:set>
+                                    <p:anim calcmode="lin" valueType="num">
+                                      <p:cBhvr additive="base">
+                                        <p:cTn id="43" dur="500" fill="hold"/>
+                                        <p:tgtEl>
+                                          <p:spTgt spid="3">
+                                            <p:txEl>
+                                              <p:pRg st="6" end="6"/>
+                                            </p:txEl>
+                                          </p:spTgt>
+                                        </p:tgtEl>
+                                        <p:attrNameLst>
+                                          <p:attrName>ppt_x</p:attrName>
+                                        </p:attrNameLst>
+                                      </p:cBhvr>
+                                      <p:tavLst>
+                                        <p:tav tm="0">
+                                          <p:val>
+                                            <p:strVal val="#ppt_x"/>
+                                          </p:val>
+                                        </p:tav>
+                                        <p:tav tm="100000">
+                                          <p:val>
+                                            <p:strVal val="#ppt_x"/>
+                                          </p:val>
+                                        </p:tav>
+                                      </p:tavLst>
+                                    </p:anim>
+                                    <p:anim calcmode="lin" valueType="num">
+                                      <p:cBhvr additive="base">
+                                        <p:cTn id="44" dur="500" fill="hold"/>
+                                        <p:tgtEl>
+                                          <p:spTgt spid="3">
+                                            <p:txEl>
+                                              <p:pRg st="6" end="6"/>
+                                            </p:txEl>
+                                          </p:spTgt>
+                                        </p:tgtEl>
+                                        <p:attrNameLst>
+                                          <p:attrName>ppt_y</p:attrName>
+                                        </p:attrNameLst>
+                                      </p:cBhvr>
+                                      <p:tavLst>
+                                        <p:tav tm="0">
+                                          <p:val>
+                                            <p:strVal val="1+#ppt_h/2"/>
+                                          </p:val>
+                                        </p:tav>
+                                        <p:tav tm="100000">
+                                          <p:val>
+                                            <p:strVal val="#ppt_y"/>
+                                          </p:val>
+                                        </p:tav>
+                                      </p:tavLst>
+                                    </p:anim>
+                                  </p:childTnLst>
+                                </p:cTn>
+                              </p:par>
+                            </p:childTnLst>
+                          </p:cTn>
+                        </p:par>
+                      </p:childTnLst>
+                    </p:cTn>
+                  </p:par>
+                  <p:par>
+                    <p:cTn id="45" fill="hold">
+                      <p:stCondLst>
+                        <p:cond delay="indefinite"/>
+                      </p:stCondLst>
+                      <p:childTnLst>
+                        <p:par>
+                          <p:cTn id="46" fill="hold">
+                            <p:stCondLst>
+                              <p:cond delay="0"/>
+                            </p:stCondLst>
+                            <p:childTnLst>
+                              <p:par>
+                                <p:cTn id="47" presetID="2" presetClass="entr" presetSubtype="4" fill="hold" grpId="0" nodeType="clickEffect">
+                                  <p:stCondLst>
+                                    <p:cond delay="0"/>
+                                  </p:stCondLst>
+                                  <p:childTnLst>
+                                    <p:set>
+                                      <p:cBhvr>
+                                        <p:cTn id="48" dur="1" fill="hold">
+                                          <p:stCondLst>
+                                            <p:cond delay="0"/>
+                                          </p:stCondLst>
+                                        </p:cTn>
+                                        <p:tgtEl>
+                                          <p:spTgt spid="3">
+                                            <p:txEl>
+                                              <p:pRg st="7" end="7"/>
+                                            </p:txEl>
+                                          </p:spTgt>
+                                        </p:tgtEl>
+                                        <p:attrNameLst>
+                                          <p:attrName>style.visibility</p:attrName>
+                                        </p:attrNameLst>
+                                      </p:cBhvr>
+                                      <p:to>
+                                        <p:strVal val="visible"/>
+                                      </p:to>
+                                    </p:set>
+                                    <p:anim calcmode="lin" valueType="num">
+                                      <p:cBhvr additive="base">
+                                        <p:cTn id="49" dur="500" fill="hold"/>
+                                        <p:tgtEl>
+                                          <p:spTgt spid="3">
+                                            <p:txEl>
+                                              <p:pRg st="7" end="7"/>
+                                            </p:txEl>
+                                          </p:spTgt>
+                                        </p:tgtEl>
+                                        <p:attrNameLst>
+                                          <p:attrName>ppt_x</p:attrName>
+                                        </p:attrNameLst>
+                                      </p:cBhvr>
+                                      <p:tavLst>
+                                        <p:tav tm="0">
+                                          <p:val>
+                                            <p:strVal val="#ppt_x"/>
+                                          </p:val>
+                                        </p:tav>
+                                        <p:tav tm="100000">
+                                          <p:val>
+                                            <p:strVal val="#ppt_x"/>
+                                          </p:val>
+                                        </p:tav>
+                                      </p:tavLst>
+                                    </p:anim>
+                                    <p:anim calcmode="lin" valueType="num">
+                                      <p:cBhvr additive="base">
+                                        <p:cTn id="50" dur="500" fill="hold"/>
+                                        <p:tgtEl>
+                                          <p:spTgt spid="3">
+                                            <p:txEl>
+                                              <p:pRg st="7" end="7"/>
+                                            </p:txEl>
+                                          </p:spTgt>
+                                        </p:tgtEl>
+                                        <p:attrNameLst>
+                                          <p:attrName>ppt_y</p:attrName>
+                                        </p:attrNameLst>
+                                      </p:cBhvr>
+                                      <p:tavLst>
+                                        <p:tav tm="0">
+                                          <p:val>
+                                            <p:strVal val="1+#ppt_h/2"/>
+                                          </p:val>
+                                        </p:tav>
+                                        <p:tav tm="100000">
+                                          <p:val>
+                                            <p:strVal val="#ppt_y"/>
+                                          </p:val>
+                                        </p:tav>
+                                      </p:tavLst>
+                                    </p:anim>
+                                  </p:childTnLst>
+                                </p:cTn>
+                              </p:par>
+                            </p:childTnLst>
+                          </p:cTn>
+                        </p:par>
+                      </p:childTnLst>
+                    </p:cTn>
+                  </p:par>
+                  <p:par>
+                    <p:cTn id="51" fill="hold">
+                      <p:stCondLst>
+                        <p:cond delay="indefinite"/>
+                      </p:stCondLst>
+                      <p:childTnLst>
+                        <p:par>
+                          <p:cTn id="52" fill="hold">
+                            <p:stCondLst>
+                              <p:cond delay="0"/>
+                            </p:stCondLst>
+                            <p:childTnLst>
+                              <p:par>
+                                <p:cTn id="53" presetID="2" presetClass="entr" presetSubtype="4" fill="hold" grpId="0" nodeType="clickEffect">
+                                  <p:stCondLst>
+                                    <p:cond delay="0"/>
+                                  </p:stCondLst>
+                                  <p:childTnLst>
+                                    <p:set>
+                                      <p:cBhvr>
+                                        <p:cTn id="54" dur="1" fill="hold">
+                                          <p:stCondLst>
+                                            <p:cond delay="0"/>
+                                          </p:stCondLst>
+                                        </p:cTn>
+                                        <p:tgtEl>
+                                          <p:spTgt spid="3">
+                                            <p:txEl>
+                                              <p:pRg st="8" end="8"/>
+                                            </p:txEl>
+                                          </p:spTgt>
+                                        </p:tgtEl>
+                                        <p:attrNameLst>
+                                          <p:attrName>style.visibility</p:attrName>
+                                        </p:attrNameLst>
+                                      </p:cBhvr>
+                                      <p:to>
+                                        <p:strVal val="visible"/>
+                                      </p:to>
+                                    </p:set>
+                                    <p:anim calcmode="lin" valueType="num">
+                                      <p:cBhvr additive="base">
+                                        <p:cTn id="55" dur="500" fill="hold"/>
+                                        <p:tgtEl>
+                                          <p:spTgt spid="3">
+                                            <p:txEl>
+                                              <p:pRg st="8" end="8"/>
+                                            </p:txEl>
+                                          </p:spTgt>
+                                        </p:tgtEl>
+                                        <p:attrNameLst>
+                                          <p:attrName>ppt_x</p:attrName>
+                                        </p:attrNameLst>
+                                      </p:cBhvr>
+                                      <p:tavLst>
+                                        <p:tav tm="0">
+                                          <p:val>
+                                            <p:strVal val="#ppt_x"/>
+                                          </p:val>
+                                        </p:tav>
+                                        <p:tav tm="100000">
+                                          <p:val>
+                                            <p:strVal val="#ppt_x"/>
+                                          </p:val>
+                                        </p:tav>
+                                      </p:tavLst>
+                                    </p:anim>
+                                    <p:anim calcmode="lin" valueType="num">
+                                      <p:cBhvr additive="base">
+                                        <p:cTn id="56" dur="500" fill="hold"/>
+                                        <p:tgtEl>
+                                          <p:spTgt spid="3">
+                                            <p:txEl>
+                                              <p:pRg st="8" end="8"/>
+                                            </p:txEl>
+                                          </p:spTgt>
+                                        </p:tgtEl>
+                                        <p:attrNameLst>
+                                          <p:attrName>ppt_y</p:attrName>
+                                        </p:attrNameLst>
+                                      </p:cBhvr>
+                                      <p:tavLst>
+                                        <p:tav tm="0">
+                                          <p:val>
+                                            <p:strVal val="1+#ppt_h/2"/>
+                                          </p:val>
+                                        </p:tav>
+                                        <p:tav tm="100000">
+                                          <p:val>
+                                            <p:strVal val="#ppt_y"/>
+                                          </p:val>
+                                        </p:tav>
+                                      </p:tavLst>
+                                    </p:anim>
+                                  </p:childTnLst>
+                                </p:cTn>
+                              </p:par>
+                            </p:childTnLst>
+                          </p:cTn>
+                        </p:par>
+                      </p:childTnLst>
+                    </p:cTn>
+                  </p:par>
+                  <p:par>
+                    <p:cTn id="57" fill="hold">
+                      <p:stCondLst>
+                        <p:cond delay="indefinite"/>
+                      </p:stCondLst>
+                      <p:childTnLst>
+                        <p:par>
+                          <p:cTn id="58" fill="hold">
+                            <p:stCondLst>
+                              <p:cond delay="0"/>
+                            </p:stCondLst>
+                            <p:childTnLst>
+                              <p:par>
+                                <p:cTn id="59" presetID="2" presetClass="entr" presetSubtype="4" fill="hold" grpId="0" nodeType="clickEffect">
+                                  <p:stCondLst>
+                                    <p:cond delay="0"/>
+                                  </p:stCondLst>
+                                  <p:childTnLst>
+                                    <p:set>
+                                      <p:cBhvr>
+                                        <p:cTn id="60" dur="1" fill="hold">
+                                          <p:stCondLst>
+                                            <p:cond delay="0"/>
+                                          </p:stCondLst>
+                                        </p:cTn>
+                                        <p:tgtEl>
+                                          <p:spTgt spid="3">
+                                            <p:txEl>
+                                              <p:pRg st="9" end="9"/>
+                                            </p:txEl>
+                                          </p:spTgt>
+                                        </p:tgtEl>
+                                        <p:attrNameLst>
+                                          <p:attrName>style.visibility</p:attrName>
+                                        </p:attrNameLst>
+                                      </p:cBhvr>
+                                      <p:to>
+                                        <p:strVal val="visible"/>
+                                      </p:to>
+                                    </p:set>
+                                    <p:anim calcmode="lin" valueType="num">
+                                      <p:cBhvr additive="base">
+                                        <p:cTn id="61" dur="500" fill="hold"/>
+                                        <p:tgtEl>
+                                          <p:spTgt spid="3">
+                                            <p:txEl>
+                                              <p:pRg st="9" end="9"/>
+                                            </p:txEl>
+                                          </p:spTgt>
+                                        </p:tgtEl>
+                                        <p:attrNameLst>
+                                          <p:attrName>ppt_x</p:attrName>
+                                        </p:attrNameLst>
+                                      </p:cBhvr>
+                                      <p:tavLst>
+                                        <p:tav tm="0">
+                                          <p:val>
+                                            <p:strVal val="#ppt_x"/>
+                                          </p:val>
+                                        </p:tav>
+                                        <p:tav tm="100000">
+                                          <p:val>
+                                            <p:strVal val="#ppt_x"/>
+                                          </p:val>
+                                        </p:tav>
+                                      </p:tavLst>
+                                    </p:anim>
+                                    <p:anim calcmode="lin" valueType="num">
+                                      <p:cBhvr additive="base">
+                                        <p:cTn id="62" dur="500" fill="hold"/>
+                                        <p:tgtEl>
+                                          <p:spTgt spid="3">
+                                            <p:txEl>
+                                              <p:pRg st="9" end="9"/>
+                                            </p:txEl>
+                                          </p:spTgt>
+                                        </p:tgtEl>
+                                        <p:attrNameLst>
+                                          <p:attrName>ppt_y</p:attrName>
+                                        </p:attrNameLst>
+                                      </p:cBhvr>
+                                      <p:tavLst>
+                                        <p:tav tm="0">
+                                          <p:val>
+                                            <p:strVal val="1+#ppt_h/2"/>
+                                          </p:val>
+                                        </p:tav>
+                                        <p:tav tm="100000">
+                                          <p:val>
+                                            <p:strVal val="#ppt_y"/>
+                                          </p:val>
+                                        </p:tav>
+                                      </p:tavLst>
+                                    </p:anim>
+                                  </p:childTnLst>
+                                </p:cTn>
+                              </p:par>
+                            </p:childTnLst>
+                          </p:cTn>
+                        </p:par>
+                      </p:childTnLst>
+                    </p:cTn>
+                  </p:par>
+                </p:childTnLst>
+              </p:cTn>
+              <p:prevCondLst>
+                <p:cond evt="onPrev" delay="0">
+                  <p:tgtEl>
+                    <p:sldTgt/>
+                  </p:tgtEl>
+                </p:cond>
+              </p:prevCondLst>
+              <p:nextCondLst>
+                <p:cond evt="onNext" delay="0">
+                  <p:tgtEl>
+                    <p:sldTgt/>
+                  </p:tgtEl>
+                </p:cond>
+              </p:nextCondLst>
+            </p:seq>
+          </p:childTnLst>
+        </p:cTn>
+      </p:par>
+    </p:tnLst>
+    <p:bldLst>
+      <p:bldP spid="3" grpId="0" uiExpand="1" build="p"/>
+    </p:bldLst>
+  </p:timing>
 </p:sld>
 </file>
 
@@ -33391,6 +39323,863 @@
   <p:clrMapOvr>
     <a:masterClrMapping/>
   </p:clrMapOvr>
+  <p:timing>
+    <p:tnLst>
+      <p:par>
+        <p:cTn id="1" dur="indefinite" restart="never" nodeType="tmRoot">
+          <p:childTnLst>
+            <p:seq concurrent="1" nextAc="seek">
+              <p:cTn id="2" dur="indefinite" nodeType="mainSeq">
+                <p:childTnLst>
+                  <p:par>
+                    <p:cTn id="3" fill="hold">
+                      <p:stCondLst>
+                        <p:cond delay="indefinite"/>
+                      </p:stCondLst>
+                      <p:childTnLst>
+                        <p:par>
+                          <p:cTn id="4" fill="hold">
+                            <p:stCondLst>
+                              <p:cond delay="0"/>
+                            </p:stCondLst>
+                            <p:childTnLst>
+                              <p:par>
+                                <p:cTn id="5" presetID="2" presetClass="entr" presetSubtype="4" fill="hold" grpId="0" nodeType="clickEffect">
+                                  <p:stCondLst>
+                                    <p:cond delay="0"/>
+                                  </p:stCondLst>
+                                  <p:childTnLst>
+                                    <p:set>
+                                      <p:cBhvr>
+                                        <p:cTn id="6" dur="1" fill="hold">
+                                          <p:stCondLst>
+                                            <p:cond delay="0"/>
+                                          </p:stCondLst>
+                                        </p:cTn>
+                                        <p:tgtEl>
+                                          <p:spTgt spid="3">
+                                            <p:txEl>
+                                              <p:pRg st="0" end="0"/>
+                                            </p:txEl>
+                                          </p:spTgt>
+                                        </p:tgtEl>
+                                        <p:attrNameLst>
+                                          <p:attrName>style.visibility</p:attrName>
+                                        </p:attrNameLst>
+                                      </p:cBhvr>
+                                      <p:to>
+                                        <p:strVal val="visible"/>
+                                      </p:to>
+                                    </p:set>
+                                    <p:anim calcmode="lin" valueType="num">
+                                      <p:cBhvr additive="base">
+                                        <p:cTn id="7" dur="500" fill="hold"/>
+                                        <p:tgtEl>
+                                          <p:spTgt spid="3">
+                                            <p:txEl>
+                                              <p:pRg st="0" end="0"/>
+                                            </p:txEl>
+                                          </p:spTgt>
+                                        </p:tgtEl>
+                                        <p:attrNameLst>
+                                          <p:attrName>ppt_x</p:attrName>
+                                        </p:attrNameLst>
+                                      </p:cBhvr>
+                                      <p:tavLst>
+                                        <p:tav tm="0">
+                                          <p:val>
+                                            <p:strVal val="#ppt_x"/>
+                                          </p:val>
+                                        </p:tav>
+                                        <p:tav tm="100000">
+                                          <p:val>
+                                            <p:strVal val="#ppt_x"/>
+                                          </p:val>
+                                        </p:tav>
+                                      </p:tavLst>
+                                    </p:anim>
+                                    <p:anim calcmode="lin" valueType="num">
+                                      <p:cBhvr additive="base">
+                                        <p:cTn id="8" dur="500" fill="hold"/>
+                                        <p:tgtEl>
+                                          <p:spTgt spid="3">
+                                            <p:txEl>
+                                              <p:pRg st="0" end="0"/>
+                                            </p:txEl>
+                                          </p:spTgt>
+                                        </p:tgtEl>
+                                        <p:attrNameLst>
+                                          <p:attrName>ppt_y</p:attrName>
+                                        </p:attrNameLst>
+                                      </p:cBhvr>
+                                      <p:tavLst>
+                                        <p:tav tm="0">
+                                          <p:val>
+                                            <p:strVal val="1+#ppt_h/2"/>
+                                          </p:val>
+                                        </p:tav>
+                                        <p:tav tm="100000">
+                                          <p:val>
+                                            <p:strVal val="#ppt_y"/>
+                                          </p:val>
+                                        </p:tav>
+                                      </p:tavLst>
+                                    </p:anim>
+                                  </p:childTnLst>
+                                </p:cTn>
+                              </p:par>
+                            </p:childTnLst>
+                          </p:cTn>
+                        </p:par>
+                      </p:childTnLst>
+                    </p:cTn>
+                  </p:par>
+                  <p:par>
+                    <p:cTn id="9" fill="hold">
+                      <p:stCondLst>
+                        <p:cond delay="indefinite"/>
+                      </p:stCondLst>
+                      <p:childTnLst>
+                        <p:par>
+                          <p:cTn id="10" fill="hold">
+                            <p:stCondLst>
+                              <p:cond delay="0"/>
+                            </p:stCondLst>
+                            <p:childTnLst>
+                              <p:par>
+                                <p:cTn id="11" presetID="2" presetClass="entr" presetSubtype="4" fill="hold" grpId="0" nodeType="clickEffect">
+                                  <p:stCondLst>
+                                    <p:cond delay="0"/>
+                                  </p:stCondLst>
+                                  <p:childTnLst>
+                                    <p:set>
+                                      <p:cBhvr>
+                                        <p:cTn id="12" dur="1" fill="hold">
+                                          <p:stCondLst>
+                                            <p:cond delay="0"/>
+                                          </p:stCondLst>
+                                        </p:cTn>
+                                        <p:tgtEl>
+                                          <p:spTgt spid="3">
+                                            <p:txEl>
+                                              <p:pRg st="1" end="1"/>
+                                            </p:txEl>
+                                          </p:spTgt>
+                                        </p:tgtEl>
+                                        <p:attrNameLst>
+                                          <p:attrName>style.visibility</p:attrName>
+                                        </p:attrNameLst>
+                                      </p:cBhvr>
+                                      <p:to>
+                                        <p:strVal val="visible"/>
+                                      </p:to>
+                                    </p:set>
+                                    <p:anim calcmode="lin" valueType="num">
+                                      <p:cBhvr additive="base">
+                                        <p:cTn id="13" dur="500" fill="hold"/>
+                                        <p:tgtEl>
+                                          <p:spTgt spid="3">
+                                            <p:txEl>
+                                              <p:pRg st="1" end="1"/>
+                                            </p:txEl>
+                                          </p:spTgt>
+                                        </p:tgtEl>
+                                        <p:attrNameLst>
+                                          <p:attrName>ppt_x</p:attrName>
+                                        </p:attrNameLst>
+                                      </p:cBhvr>
+                                      <p:tavLst>
+                                        <p:tav tm="0">
+                                          <p:val>
+                                            <p:strVal val="#ppt_x"/>
+                                          </p:val>
+                                        </p:tav>
+                                        <p:tav tm="100000">
+                                          <p:val>
+                                            <p:strVal val="#ppt_x"/>
+                                          </p:val>
+                                        </p:tav>
+                                      </p:tavLst>
+                                    </p:anim>
+                                    <p:anim calcmode="lin" valueType="num">
+                                      <p:cBhvr additive="base">
+                                        <p:cTn id="14" dur="500" fill="hold"/>
+                                        <p:tgtEl>
+                                          <p:spTgt spid="3">
+                                            <p:txEl>
+                                              <p:pRg st="1" end="1"/>
+                                            </p:txEl>
+                                          </p:spTgt>
+                                        </p:tgtEl>
+                                        <p:attrNameLst>
+                                          <p:attrName>ppt_y</p:attrName>
+                                        </p:attrNameLst>
+                                      </p:cBhvr>
+                                      <p:tavLst>
+                                        <p:tav tm="0">
+                                          <p:val>
+                                            <p:strVal val="1+#ppt_h/2"/>
+                                          </p:val>
+                                        </p:tav>
+                                        <p:tav tm="100000">
+                                          <p:val>
+                                            <p:strVal val="#ppt_y"/>
+                                          </p:val>
+                                        </p:tav>
+                                      </p:tavLst>
+                                    </p:anim>
+                                  </p:childTnLst>
+                                </p:cTn>
+                              </p:par>
+                            </p:childTnLst>
+                          </p:cTn>
+                        </p:par>
+                      </p:childTnLst>
+                    </p:cTn>
+                  </p:par>
+                  <p:par>
+                    <p:cTn id="15" fill="hold">
+                      <p:stCondLst>
+                        <p:cond delay="indefinite"/>
+                      </p:stCondLst>
+                      <p:childTnLst>
+                        <p:par>
+                          <p:cTn id="16" fill="hold">
+                            <p:stCondLst>
+                              <p:cond delay="0"/>
+                            </p:stCondLst>
+                            <p:childTnLst>
+                              <p:par>
+                                <p:cTn id="17" presetID="2" presetClass="entr" presetSubtype="4" fill="hold" grpId="0" nodeType="clickEffect">
+                                  <p:stCondLst>
+                                    <p:cond delay="0"/>
+                                  </p:stCondLst>
+                                  <p:childTnLst>
+                                    <p:set>
+                                      <p:cBhvr>
+                                        <p:cTn id="18" dur="1" fill="hold">
+                                          <p:stCondLst>
+                                            <p:cond delay="0"/>
+                                          </p:stCondLst>
+                                        </p:cTn>
+                                        <p:tgtEl>
+                                          <p:spTgt spid="3">
+                                            <p:txEl>
+                                              <p:pRg st="2" end="2"/>
+                                            </p:txEl>
+                                          </p:spTgt>
+                                        </p:tgtEl>
+                                        <p:attrNameLst>
+                                          <p:attrName>style.visibility</p:attrName>
+                                        </p:attrNameLst>
+                                      </p:cBhvr>
+                                      <p:to>
+                                        <p:strVal val="visible"/>
+                                      </p:to>
+                                    </p:set>
+                                    <p:anim calcmode="lin" valueType="num">
+                                      <p:cBhvr additive="base">
+                                        <p:cTn id="19" dur="500" fill="hold"/>
+                                        <p:tgtEl>
+                                          <p:spTgt spid="3">
+                                            <p:txEl>
+                                              <p:pRg st="2" end="2"/>
+                                            </p:txEl>
+                                          </p:spTgt>
+                                        </p:tgtEl>
+                                        <p:attrNameLst>
+                                          <p:attrName>ppt_x</p:attrName>
+                                        </p:attrNameLst>
+                                      </p:cBhvr>
+                                      <p:tavLst>
+                                        <p:tav tm="0">
+                                          <p:val>
+                                            <p:strVal val="#ppt_x"/>
+                                          </p:val>
+                                        </p:tav>
+                                        <p:tav tm="100000">
+                                          <p:val>
+                                            <p:strVal val="#ppt_x"/>
+                                          </p:val>
+                                        </p:tav>
+                                      </p:tavLst>
+                                    </p:anim>
+                                    <p:anim calcmode="lin" valueType="num">
+                                      <p:cBhvr additive="base">
+                                        <p:cTn id="20" dur="500" fill="hold"/>
+                                        <p:tgtEl>
+                                          <p:spTgt spid="3">
+                                            <p:txEl>
+                                              <p:pRg st="2" end="2"/>
+                                            </p:txEl>
+                                          </p:spTgt>
+                                        </p:tgtEl>
+                                        <p:attrNameLst>
+                                          <p:attrName>ppt_y</p:attrName>
+                                        </p:attrNameLst>
+                                      </p:cBhvr>
+                                      <p:tavLst>
+                                        <p:tav tm="0">
+                                          <p:val>
+                                            <p:strVal val="1+#ppt_h/2"/>
+                                          </p:val>
+                                        </p:tav>
+                                        <p:tav tm="100000">
+                                          <p:val>
+                                            <p:strVal val="#ppt_y"/>
+                                          </p:val>
+                                        </p:tav>
+                                      </p:tavLst>
+                                    </p:anim>
+                                  </p:childTnLst>
+                                </p:cTn>
+                              </p:par>
+                            </p:childTnLst>
+                          </p:cTn>
+                        </p:par>
+                      </p:childTnLst>
+                    </p:cTn>
+                  </p:par>
+                  <p:par>
+                    <p:cTn id="21" fill="hold">
+                      <p:stCondLst>
+                        <p:cond delay="indefinite"/>
+                      </p:stCondLst>
+                      <p:childTnLst>
+                        <p:par>
+                          <p:cTn id="22" fill="hold">
+                            <p:stCondLst>
+                              <p:cond delay="0"/>
+                            </p:stCondLst>
+                            <p:childTnLst>
+                              <p:par>
+                                <p:cTn id="23" presetID="2" presetClass="entr" presetSubtype="4" fill="hold" grpId="0" nodeType="clickEffect">
+                                  <p:stCondLst>
+                                    <p:cond delay="0"/>
+                                  </p:stCondLst>
+                                  <p:childTnLst>
+                                    <p:set>
+                                      <p:cBhvr>
+                                        <p:cTn id="24" dur="1" fill="hold">
+                                          <p:stCondLst>
+                                            <p:cond delay="0"/>
+                                          </p:stCondLst>
+                                        </p:cTn>
+                                        <p:tgtEl>
+                                          <p:spTgt spid="3">
+                                            <p:txEl>
+                                              <p:pRg st="3" end="3"/>
+                                            </p:txEl>
+                                          </p:spTgt>
+                                        </p:tgtEl>
+                                        <p:attrNameLst>
+                                          <p:attrName>style.visibility</p:attrName>
+                                        </p:attrNameLst>
+                                      </p:cBhvr>
+                                      <p:to>
+                                        <p:strVal val="visible"/>
+                                      </p:to>
+                                    </p:set>
+                                    <p:anim calcmode="lin" valueType="num">
+                                      <p:cBhvr additive="base">
+                                        <p:cTn id="25" dur="500" fill="hold"/>
+                                        <p:tgtEl>
+                                          <p:spTgt spid="3">
+                                            <p:txEl>
+                                              <p:pRg st="3" end="3"/>
+                                            </p:txEl>
+                                          </p:spTgt>
+                                        </p:tgtEl>
+                                        <p:attrNameLst>
+                                          <p:attrName>ppt_x</p:attrName>
+                                        </p:attrNameLst>
+                                      </p:cBhvr>
+                                      <p:tavLst>
+                                        <p:tav tm="0">
+                                          <p:val>
+                                            <p:strVal val="#ppt_x"/>
+                                          </p:val>
+                                        </p:tav>
+                                        <p:tav tm="100000">
+                                          <p:val>
+                                            <p:strVal val="#ppt_x"/>
+                                          </p:val>
+                                        </p:tav>
+                                      </p:tavLst>
+                                    </p:anim>
+                                    <p:anim calcmode="lin" valueType="num">
+                                      <p:cBhvr additive="base">
+                                        <p:cTn id="26" dur="500" fill="hold"/>
+                                        <p:tgtEl>
+                                          <p:spTgt spid="3">
+                                            <p:txEl>
+                                              <p:pRg st="3" end="3"/>
+                                            </p:txEl>
+                                          </p:spTgt>
+                                        </p:tgtEl>
+                                        <p:attrNameLst>
+                                          <p:attrName>ppt_y</p:attrName>
+                                        </p:attrNameLst>
+                                      </p:cBhvr>
+                                      <p:tavLst>
+                                        <p:tav tm="0">
+                                          <p:val>
+                                            <p:strVal val="1+#ppt_h/2"/>
+                                          </p:val>
+                                        </p:tav>
+                                        <p:tav tm="100000">
+                                          <p:val>
+                                            <p:strVal val="#ppt_y"/>
+                                          </p:val>
+                                        </p:tav>
+                                      </p:tavLst>
+                                    </p:anim>
+                                  </p:childTnLst>
+                                </p:cTn>
+                              </p:par>
+                            </p:childTnLst>
+                          </p:cTn>
+                        </p:par>
+                      </p:childTnLst>
+                    </p:cTn>
+                  </p:par>
+                  <p:par>
+                    <p:cTn id="27" fill="hold">
+                      <p:stCondLst>
+                        <p:cond delay="indefinite"/>
+                      </p:stCondLst>
+                      <p:childTnLst>
+                        <p:par>
+                          <p:cTn id="28" fill="hold">
+                            <p:stCondLst>
+                              <p:cond delay="0"/>
+                            </p:stCondLst>
+                            <p:childTnLst>
+                              <p:par>
+                                <p:cTn id="29" presetID="2" presetClass="entr" presetSubtype="4" fill="hold" grpId="0" nodeType="clickEffect">
+                                  <p:stCondLst>
+                                    <p:cond delay="0"/>
+                                  </p:stCondLst>
+                                  <p:childTnLst>
+                                    <p:set>
+                                      <p:cBhvr>
+                                        <p:cTn id="30" dur="1" fill="hold">
+                                          <p:stCondLst>
+                                            <p:cond delay="0"/>
+                                          </p:stCondLst>
+                                        </p:cTn>
+                                        <p:tgtEl>
+                                          <p:spTgt spid="3">
+                                            <p:txEl>
+                                              <p:pRg st="4" end="4"/>
+                                            </p:txEl>
+                                          </p:spTgt>
+                                        </p:tgtEl>
+                                        <p:attrNameLst>
+                                          <p:attrName>style.visibility</p:attrName>
+                                        </p:attrNameLst>
+                                      </p:cBhvr>
+                                      <p:to>
+                                        <p:strVal val="visible"/>
+                                      </p:to>
+                                    </p:set>
+                                    <p:anim calcmode="lin" valueType="num">
+                                      <p:cBhvr additive="base">
+                                        <p:cTn id="31" dur="500" fill="hold"/>
+                                        <p:tgtEl>
+                                          <p:spTgt spid="3">
+                                            <p:txEl>
+                                              <p:pRg st="4" end="4"/>
+                                            </p:txEl>
+                                          </p:spTgt>
+                                        </p:tgtEl>
+                                        <p:attrNameLst>
+                                          <p:attrName>ppt_x</p:attrName>
+                                        </p:attrNameLst>
+                                      </p:cBhvr>
+                                      <p:tavLst>
+                                        <p:tav tm="0">
+                                          <p:val>
+                                            <p:strVal val="#ppt_x"/>
+                                          </p:val>
+                                        </p:tav>
+                                        <p:tav tm="100000">
+                                          <p:val>
+                                            <p:strVal val="#ppt_x"/>
+                                          </p:val>
+                                        </p:tav>
+                                      </p:tavLst>
+                                    </p:anim>
+                                    <p:anim calcmode="lin" valueType="num">
+                                      <p:cBhvr additive="base">
+                                        <p:cTn id="32" dur="500" fill="hold"/>
+                                        <p:tgtEl>
+                                          <p:spTgt spid="3">
+                                            <p:txEl>
+                                              <p:pRg st="4" end="4"/>
+                                            </p:txEl>
+                                          </p:spTgt>
+                                        </p:tgtEl>
+                                        <p:attrNameLst>
+                                          <p:attrName>ppt_y</p:attrName>
+                                        </p:attrNameLst>
+                                      </p:cBhvr>
+                                      <p:tavLst>
+                                        <p:tav tm="0">
+                                          <p:val>
+                                            <p:strVal val="1+#ppt_h/2"/>
+                                          </p:val>
+                                        </p:tav>
+                                        <p:tav tm="100000">
+                                          <p:val>
+                                            <p:strVal val="#ppt_y"/>
+                                          </p:val>
+                                        </p:tav>
+                                      </p:tavLst>
+                                    </p:anim>
+                                  </p:childTnLst>
+                                </p:cTn>
+                              </p:par>
+                            </p:childTnLst>
+                          </p:cTn>
+                        </p:par>
+                      </p:childTnLst>
+                    </p:cTn>
+                  </p:par>
+                  <p:par>
+                    <p:cTn id="33" fill="hold">
+                      <p:stCondLst>
+                        <p:cond delay="indefinite"/>
+                      </p:stCondLst>
+                      <p:childTnLst>
+                        <p:par>
+                          <p:cTn id="34" fill="hold">
+                            <p:stCondLst>
+                              <p:cond delay="0"/>
+                            </p:stCondLst>
+                            <p:childTnLst>
+                              <p:par>
+                                <p:cTn id="35" presetID="2" presetClass="entr" presetSubtype="4" fill="hold" grpId="0" nodeType="clickEffect">
+                                  <p:stCondLst>
+                                    <p:cond delay="0"/>
+                                  </p:stCondLst>
+                                  <p:childTnLst>
+                                    <p:set>
+                                      <p:cBhvr>
+                                        <p:cTn id="36" dur="1" fill="hold">
+                                          <p:stCondLst>
+                                            <p:cond delay="0"/>
+                                          </p:stCondLst>
+                                        </p:cTn>
+                                        <p:tgtEl>
+                                          <p:spTgt spid="3">
+                                            <p:txEl>
+                                              <p:pRg st="6" end="6"/>
+                                            </p:txEl>
+                                          </p:spTgt>
+                                        </p:tgtEl>
+                                        <p:attrNameLst>
+                                          <p:attrName>style.visibility</p:attrName>
+                                        </p:attrNameLst>
+                                      </p:cBhvr>
+                                      <p:to>
+                                        <p:strVal val="visible"/>
+                                      </p:to>
+                                    </p:set>
+                                    <p:anim calcmode="lin" valueType="num">
+                                      <p:cBhvr additive="base">
+                                        <p:cTn id="37" dur="500" fill="hold"/>
+                                        <p:tgtEl>
+                                          <p:spTgt spid="3">
+                                            <p:txEl>
+                                              <p:pRg st="6" end="6"/>
+                                            </p:txEl>
+                                          </p:spTgt>
+                                        </p:tgtEl>
+                                        <p:attrNameLst>
+                                          <p:attrName>ppt_x</p:attrName>
+                                        </p:attrNameLst>
+                                      </p:cBhvr>
+                                      <p:tavLst>
+                                        <p:tav tm="0">
+                                          <p:val>
+                                            <p:strVal val="#ppt_x"/>
+                                          </p:val>
+                                        </p:tav>
+                                        <p:tav tm="100000">
+                                          <p:val>
+                                            <p:strVal val="#ppt_x"/>
+                                          </p:val>
+                                        </p:tav>
+                                      </p:tavLst>
+                                    </p:anim>
+                                    <p:anim calcmode="lin" valueType="num">
+                                      <p:cBhvr additive="base">
+                                        <p:cTn id="38" dur="500" fill="hold"/>
+                                        <p:tgtEl>
+                                          <p:spTgt spid="3">
+                                            <p:txEl>
+                                              <p:pRg st="6" end="6"/>
+                                            </p:txEl>
+                                          </p:spTgt>
+                                        </p:tgtEl>
+                                        <p:attrNameLst>
+                                          <p:attrName>ppt_y</p:attrName>
+                                        </p:attrNameLst>
+                                      </p:cBhvr>
+                                      <p:tavLst>
+                                        <p:tav tm="0">
+                                          <p:val>
+                                            <p:strVal val="1+#ppt_h/2"/>
+                                          </p:val>
+                                        </p:tav>
+                                        <p:tav tm="100000">
+                                          <p:val>
+                                            <p:strVal val="#ppt_y"/>
+                                          </p:val>
+                                        </p:tav>
+                                      </p:tavLst>
+                                    </p:anim>
+                                  </p:childTnLst>
+                                </p:cTn>
+                              </p:par>
+                            </p:childTnLst>
+                          </p:cTn>
+                        </p:par>
+                      </p:childTnLst>
+                    </p:cTn>
+                  </p:par>
+                  <p:par>
+                    <p:cTn id="39" fill="hold">
+                      <p:stCondLst>
+                        <p:cond delay="indefinite"/>
+                      </p:stCondLst>
+                      <p:childTnLst>
+                        <p:par>
+                          <p:cTn id="40" fill="hold">
+                            <p:stCondLst>
+                              <p:cond delay="0"/>
+                            </p:stCondLst>
+                            <p:childTnLst>
+                              <p:par>
+                                <p:cTn id="41" presetID="2" presetClass="entr" presetSubtype="4" fill="hold" grpId="0" nodeType="clickEffect">
+                                  <p:stCondLst>
+                                    <p:cond delay="0"/>
+                                  </p:stCondLst>
+                                  <p:childTnLst>
+                                    <p:set>
+                                      <p:cBhvr>
+                                        <p:cTn id="42" dur="1" fill="hold">
+                                          <p:stCondLst>
+                                            <p:cond delay="0"/>
+                                          </p:stCondLst>
+                                        </p:cTn>
+                                        <p:tgtEl>
+                                          <p:spTgt spid="3">
+                                            <p:txEl>
+                                              <p:pRg st="7" end="7"/>
+                                            </p:txEl>
+                                          </p:spTgt>
+                                        </p:tgtEl>
+                                        <p:attrNameLst>
+                                          <p:attrName>style.visibility</p:attrName>
+                                        </p:attrNameLst>
+                                      </p:cBhvr>
+                                      <p:to>
+                                        <p:strVal val="visible"/>
+                                      </p:to>
+                                    </p:set>
+                                    <p:anim calcmode="lin" valueType="num">
+                                      <p:cBhvr additive="base">
+                                        <p:cTn id="43" dur="500" fill="hold"/>
+                                        <p:tgtEl>
+                                          <p:spTgt spid="3">
+                                            <p:txEl>
+                                              <p:pRg st="7" end="7"/>
+                                            </p:txEl>
+                                          </p:spTgt>
+                                        </p:tgtEl>
+                                        <p:attrNameLst>
+                                          <p:attrName>ppt_x</p:attrName>
+                                        </p:attrNameLst>
+                                      </p:cBhvr>
+                                      <p:tavLst>
+                                        <p:tav tm="0">
+                                          <p:val>
+                                            <p:strVal val="#ppt_x"/>
+                                          </p:val>
+                                        </p:tav>
+                                        <p:tav tm="100000">
+                                          <p:val>
+                                            <p:strVal val="#ppt_x"/>
+                                          </p:val>
+                                        </p:tav>
+                                      </p:tavLst>
+                                    </p:anim>
+                                    <p:anim calcmode="lin" valueType="num">
+                                      <p:cBhvr additive="base">
+                                        <p:cTn id="44" dur="500" fill="hold"/>
+                                        <p:tgtEl>
+                                          <p:spTgt spid="3">
+                                            <p:txEl>
+                                              <p:pRg st="7" end="7"/>
+                                            </p:txEl>
+                                          </p:spTgt>
+                                        </p:tgtEl>
+                                        <p:attrNameLst>
+                                          <p:attrName>ppt_y</p:attrName>
+                                        </p:attrNameLst>
+                                      </p:cBhvr>
+                                      <p:tavLst>
+                                        <p:tav tm="0">
+                                          <p:val>
+                                            <p:strVal val="1+#ppt_h/2"/>
+                                          </p:val>
+                                        </p:tav>
+                                        <p:tav tm="100000">
+                                          <p:val>
+                                            <p:strVal val="#ppt_y"/>
+                                          </p:val>
+                                        </p:tav>
+                                      </p:tavLst>
+                                    </p:anim>
+                                  </p:childTnLst>
+                                </p:cTn>
+                              </p:par>
+                            </p:childTnLst>
+                          </p:cTn>
+                        </p:par>
+                      </p:childTnLst>
+                    </p:cTn>
+                  </p:par>
+                  <p:par>
+                    <p:cTn id="45" fill="hold">
+                      <p:stCondLst>
+                        <p:cond delay="indefinite"/>
+                      </p:stCondLst>
+                      <p:childTnLst>
+                        <p:par>
+                          <p:cTn id="46" fill="hold">
+                            <p:stCondLst>
+                              <p:cond delay="0"/>
+                            </p:stCondLst>
+                            <p:childTnLst>
+                              <p:par>
+                                <p:cTn id="47" presetID="2" presetClass="entr" presetSubtype="4" fill="hold" grpId="0" nodeType="clickEffect">
+                                  <p:stCondLst>
+                                    <p:cond delay="0"/>
+                                  </p:stCondLst>
+                                  <p:childTnLst>
+                                    <p:set>
+                                      <p:cBhvr>
+                                        <p:cTn id="48" dur="1" fill="hold">
+                                          <p:stCondLst>
+                                            <p:cond delay="0"/>
+                                          </p:stCondLst>
+                                        </p:cTn>
+                                        <p:tgtEl>
+                                          <p:spTgt spid="3">
+                                            <p:txEl>
+                                              <p:pRg st="8" end="8"/>
+                                            </p:txEl>
+                                          </p:spTgt>
+                                        </p:tgtEl>
+                                        <p:attrNameLst>
+                                          <p:attrName>style.visibility</p:attrName>
+                                        </p:attrNameLst>
+                                      </p:cBhvr>
+                                      <p:to>
+                                        <p:strVal val="visible"/>
+                                      </p:to>
+                                    </p:set>
+                                    <p:anim calcmode="lin" valueType="num">
+                                      <p:cBhvr additive="base">
+                                        <p:cTn id="49" dur="500" fill="hold"/>
+                                        <p:tgtEl>
+                                          <p:spTgt spid="3">
+                                            <p:txEl>
+                                              <p:pRg st="8" end="8"/>
+                                            </p:txEl>
+                                          </p:spTgt>
+                                        </p:tgtEl>
+                                        <p:attrNameLst>
+                                          <p:attrName>ppt_x</p:attrName>
+                                        </p:attrNameLst>
+                                      </p:cBhvr>
+                                      <p:tavLst>
+                                        <p:tav tm="0">
+                                          <p:val>
+                                            <p:strVal val="#ppt_x"/>
+                                          </p:val>
+                                        </p:tav>
+                                        <p:tav tm="100000">
+                                          <p:val>
+                                            <p:strVal val="#ppt_x"/>
+                                          </p:val>
+                                        </p:tav>
+                                      </p:tavLst>
+                                    </p:anim>
+                                    <p:anim calcmode="lin" valueType="num">
+                                      <p:cBhvr additive="base">
+                                        <p:cTn id="50" dur="500" fill="hold"/>
+                                        <p:tgtEl>
+                                          <p:spTgt spid="3">
+                                            <p:txEl>
+                                              <p:pRg st="8" end="8"/>
+                                            </p:txEl>
+                                          </p:spTgt>
+                                        </p:tgtEl>
+                                        <p:attrNameLst>
+                                          <p:attrName>ppt_y</p:attrName>
+                                        </p:attrNameLst>
+                                      </p:cBhvr>
+                                      <p:tavLst>
+                                        <p:tav tm="0">
+                                          <p:val>
+                                            <p:strVal val="1+#ppt_h/2"/>
+                                          </p:val>
+                                        </p:tav>
+                                        <p:tav tm="100000">
+                                          <p:val>
+                                            <p:strVal val="#ppt_y"/>
+                                          </p:val>
+                                        </p:tav>
+                                      </p:tavLst>
+                                    </p:anim>
+                                  </p:childTnLst>
+                                </p:cTn>
+                              </p:par>
+                            </p:childTnLst>
+                          </p:cTn>
+                        </p:par>
+                      </p:childTnLst>
+                    </p:cTn>
+                  </p:par>
+                </p:childTnLst>
+              </p:cTn>
+              <p:prevCondLst>
+                <p:cond evt="onPrev" delay="0">
+                  <p:tgtEl>
+                    <p:sldTgt/>
+                  </p:tgtEl>
+                </p:cond>
+              </p:prevCondLst>
+              <p:nextCondLst>
+                <p:cond evt="onNext" delay="0">
+                  <p:tgtEl>
+                    <p:sldTgt/>
+                  </p:tgtEl>
+                </p:cond>
+              </p:nextCondLst>
+            </p:seq>
+          </p:childTnLst>
+        </p:cTn>
+      </p:par>
+    </p:tnLst>
+    <p:bldLst>
+      <p:bldP spid="3" grpId="0" uiExpand="1" build="p"/>
+    </p:bldLst>
+  </p:timing>
 </p:sld>
 </file>
 
@@ -33594,6 +40383,451 @@
   <p:clrMapOvr>
     <a:masterClrMapping/>
   </p:clrMapOvr>
+  <p:timing>
+    <p:tnLst>
+      <p:par>
+        <p:cTn id="1" dur="indefinite" restart="never" nodeType="tmRoot">
+          <p:childTnLst>
+            <p:seq concurrent="1" nextAc="seek">
+              <p:cTn id="2" dur="indefinite" nodeType="mainSeq">
+                <p:childTnLst>
+                  <p:par>
+                    <p:cTn id="3" fill="hold">
+                      <p:stCondLst>
+                        <p:cond delay="indefinite"/>
+                      </p:stCondLst>
+                      <p:childTnLst>
+                        <p:par>
+                          <p:cTn id="4" fill="hold">
+                            <p:stCondLst>
+                              <p:cond delay="0"/>
+                            </p:stCondLst>
+                            <p:childTnLst>
+                              <p:par>
+                                <p:cTn id="5" presetID="2" presetClass="entr" presetSubtype="4" fill="hold" grpId="0" nodeType="clickEffect">
+                                  <p:stCondLst>
+                                    <p:cond delay="0"/>
+                                  </p:stCondLst>
+                                  <p:childTnLst>
+                                    <p:set>
+                                      <p:cBhvr>
+                                        <p:cTn id="6" dur="1" fill="hold">
+                                          <p:stCondLst>
+                                            <p:cond delay="0"/>
+                                          </p:stCondLst>
+                                        </p:cTn>
+                                        <p:tgtEl>
+                                          <p:spTgt spid="3">
+                                            <p:txEl>
+                                              <p:pRg st="0" end="0"/>
+                                            </p:txEl>
+                                          </p:spTgt>
+                                        </p:tgtEl>
+                                        <p:attrNameLst>
+                                          <p:attrName>style.visibility</p:attrName>
+                                        </p:attrNameLst>
+                                      </p:cBhvr>
+                                      <p:to>
+                                        <p:strVal val="visible"/>
+                                      </p:to>
+                                    </p:set>
+                                    <p:anim calcmode="lin" valueType="num">
+                                      <p:cBhvr additive="base">
+                                        <p:cTn id="7" dur="500" fill="hold"/>
+                                        <p:tgtEl>
+                                          <p:spTgt spid="3">
+                                            <p:txEl>
+                                              <p:pRg st="0" end="0"/>
+                                            </p:txEl>
+                                          </p:spTgt>
+                                        </p:tgtEl>
+                                        <p:attrNameLst>
+                                          <p:attrName>ppt_x</p:attrName>
+                                        </p:attrNameLst>
+                                      </p:cBhvr>
+                                      <p:tavLst>
+                                        <p:tav tm="0">
+                                          <p:val>
+                                            <p:strVal val="#ppt_x"/>
+                                          </p:val>
+                                        </p:tav>
+                                        <p:tav tm="100000">
+                                          <p:val>
+                                            <p:strVal val="#ppt_x"/>
+                                          </p:val>
+                                        </p:tav>
+                                      </p:tavLst>
+                                    </p:anim>
+                                    <p:anim calcmode="lin" valueType="num">
+                                      <p:cBhvr additive="base">
+                                        <p:cTn id="8" dur="500" fill="hold"/>
+                                        <p:tgtEl>
+                                          <p:spTgt spid="3">
+                                            <p:txEl>
+                                              <p:pRg st="0" end="0"/>
+                                            </p:txEl>
+                                          </p:spTgt>
+                                        </p:tgtEl>
+                                        <p:attrNameLst>
+                                          <p:attrName>ppt_y</p:attrName>
+                                        </p:attrNameLst>
+                                      </p:cBhvr>
+                                      <p:tavLst>
+                                        <p:tav tm="0">
+                                          <p:val>
+                                            <p:strVal val="1+#ppt_h/2"/>
+                                          </p:val>
+                                        </p:tav>
+                                        <p:tav tm="100000">
+                                          <p:val>
+                                            <p:strVal val="#ppt_y"/>
+                                          </p:val>
+                                        </p:tav>
+                                      </p:tavLst>
+                                    </p:anim>
+                                  </p:childTnLst>
+                                </p:cTn>
+                              </p:par>
+                            </p:childTnLst>
+                          </p:cTn>
+                        </p:par>
+                      </p:childTnLst>
+                    </p:cTn>
+                  </p:par>
+                  <p:par>
+                    <p:cTn id="9" fill="hold">
+                      <p:stCondLst>
+                        <p:cond delay="indefinite"/>
+                      </p:stCondLst>
+                      <p:childTnLst>
+                        <p:par>
+                          <p:cTn id="10" fill="hold">
+                            <p:stCondLst>
+                              <p:cond delay="0"/>
+                            </p:stCondLst>
+                            <p:childTnLst>
+                              <p:par>
+                                <p:cTn id="11" presetID="2" presetClass="entr" presetSubtype="4" fill="hold" grpId="0" nodeType="clickEffect">
+                                  <p:stCondLst>
+                                    <p:cond delay="0"/>
+                                  </p:stCondLst>
+                                  <p:childTnLst>
+                                    <p:set>
+                                      <p:cBhvr>
+                                        <p:cTn id="12" dur="1" fill="hold">
+                                          <p:stCondLst>
+                                            <p:cond delay="0"/>
+                                          </p:stCondLst>
+                                        </p:cTn>
+                                        <p:tgtEl>
+                                          <p:spTgt spid="3">
+                                            <p:txEl>
+                                              <p:pRg st="1" end="1"/>
+                                            </p:txEl>
+                                          </p:spTgt>
+                                        </p:tgtEl>
+                                        <p:attrNameLst>
+                                          <p:attrName>style.visibility</p:attrName>
+                                        </p:attrNameLst>
+                                      </p:cBhvr>
+                                      <p:to>
+                                        <p:strVal val="visible"/>
+                                      </p:to>
+                                    </p:set>
+                                    <p:anim calcmode="lin" valueType="num">
+                                      <p:cBhvr additive="base">
+                                        <p:cTn id="13" dur="500" fill="hold"/>
+                                        <p:tgtEl>
+                                          <p:spTgt spid="3">
+                                            <p:txEl>
+                                              <p:pRg st="1" end="1"/>
+                                            </p:txEl>
+                                          </p:spTgt>
+                                        </p:tgtEl>
+                                        <p:attrNameLst>
+                                          <p:attrName>ppt_x</p:attrName>
+                                        </p:attrNameLst>
+                                      </p:cBhvr>
+                                      <p:tavLst>
+                                        <p:tav tm="0">
+                                          <p:val>
+                                            <p:strVal val="#ppt_x"/>
+                                          </p:val>
+                                        </p:tav>
+                                        <p:tav tm="100000">
+                                          <p:val>
+                                            <p:strVal val="#ppt_x"/>
+                                          </p:val>
+                                        </p:tav>
+                                      </p:tavLst>
+                                    </p:anim>
+                                    <p:anim calcmode="lin" valueType="num">
+                                      <p:cBhvr additive="base">
+                                        <p:cTn id="14" dur="500" fill="hold"/>
+                                        <p:tgtEl>
+                                          <p:spTgt spid="3">
+                                            <p:txEl>
+                                              <p:pRg st="1" end="1"/>
+                                            </p:txEl>
+                                          </p:spTgt>
+                                        </p:tgtEl>
+                                        <p:attrNameLst>
+                                          <p:attrName>ppt_y</p:attrName>
+                                        </p:attrNameLst>
+                                      </p:cBhvr>
+                                      <p:tavLst>
+                                        <p:tav tm="0">
+                                          <p:val>
+                                            <p:strVal val="1+#ppt_h/2"/>
+                                          </p:val>
+                                        </p:tav>
+                                        <p:tav tm="100000">
+                                          <p:val>
+                                            <p:strVal val="#ppt_y"/>
+                                          </p:val>
+                                        </p:tav>
+                                      </p:tavLst>
+                                    </p:anim>
+                                  </p:childTnLst>
+                                </p:cTn>
+                              </p:par>
+                            </p:childTnLst>
+                          </p:cTn>
+                        </p:par>
+                      </p:childTnLst>
+                    </p:cTn>
+                  </p:par>
+                  <p:par>
+                    <p:cTn id="15" fill="hold">
+                      <p:stCondLst>
+                        <p:cond delay="indefinite"/>
+                      </p:stCondLst>
+                      <p:childTnLst>
+                        <p:par>
+                          <p:cTn id="16" fill="hold">
+                            <p:stCondLst>
+                              <p:cond delay="0"/>
+                            </p:stCondLst>
+                            <p:childTnLst>
+                              <p:par>
+                                <p:cTn id="17" presetID="2" presetClass="entr" presetSubtype="4" fill="hold" grpId="0" nodeType="clickEffect">
+                                  <p:stCondLst>
+                                    <p:cond delay="0"/>
+                                  </p:stCondLst>
+                                  <p:childTnLst>
+                                    <p:set>
+                                      <p:cBhvr>
+                                        <p:cTn id="18" dur="1" fill="hold">
+                                          <p:stCondLst>
+                                            <p:cond delay="0"/>
+                                          </p:stCondLst>
+                                        </p:cTn>
+                                        <p:tgtEl>
+                                          <p:spTgt spid="3">
+                                            <p:txEl>
+                                              <p:pRg st="2" end="2"/>
+                                            </p:txEl>
+                                          </p:spTgt>
+                                        </p:tgtEl>
+                                        <p:attrNameLst>
+                                          <p:attrName>style.visibility</p:attrName>
+                                        </p:attrNameLst>
+                                      </p:cBhvr>
+                                      <p:to>
+                                        <p:strVal val="visible"/>
+                                      </p:to>
+                                    </p:set>
+                                    <p:anim calcmode="lin" valueType="num">
+                                      <p:cBhvr additive="base">
+                                        <p:cTn id="19" dur="500" fill="hold"/>
+                                        <p:tgtEl>
+                                          <p:spTgt spid="3">
+                                            <p:txEl>
+                                              <p:pRg st="2" end="2"/>
+                                            </p:txEl>
+                                          </p:spTgt>
+                                        </p:tgtEl>
+                                        <p:attrNameLst>
+                                          <p:attrName>ppt_x</p:attrName>
+                                        </p:attrNameLst>
+                                      </p:cBhvr>
+                                      <p:tavLst>
+                                        <p:tav tm="0">
+                                          <p:val>
+                                            <p:strVal val="#ppt_x"/>
+                                          </p:val>
+                                        </p:tav>
+                                        <p:tav tm="100000">
+                                          <p:val>
+                                            <p:strVal val="#ppt_x"/>
+                                          </p:val>
+                                        </p:tav>
+                                      </p:tavLst>
+                                    </p:anim>
+                                    <p:anim calcmode="lin" valueType="num">
+                                      <p:cBhvr additive="base">
+                                        <p:cTn id="20" dur="500" fill="hold"/>
+                                        <p:tgtEl>
+                                          <p:spTgt spid="3">
+                                            <p:txEl>
+                                              <p:pRg st="2" end="2"/>
+                                            </p:txEl>
+                                          </p:spTgt>
+                                        </p:tgtEl>
+                                        <p:attrNameLst>
+                                          <p:attrName>ppt_y</p:attrName>
+                                        </p:attrNameLst>
+                                      </p:cBhvr>
+                                      <p:tavLst>
+                                        <p:tav tm="0">
+                                          <p:val>
+                                            <p:strVal val="1+#ppt_h/2"/>
+                                          </p:val>
+                                        </p:tav>
+                                        <p:tav tm="100000">
+                                          <p:val>
+                                            <p:strVal val="#ppt_y"/>
+                                          </p:val>
+                                        </p:tav>
+                                      </p:tavLst>
+                                    </p:anim>
+                                  </p:childTnLst>
+                                </p:cTn>
+                              </p:par>
+                            </p:childTnLst>
+                          </p:cTn>
+                        </p:par>
+                      </p:childTnLst>
+                    </p:cTn>
+                  </p:par>
+                  <p:par>
+                    <p:cTn id="21" fill="hold">
+                      <p:stCondLst>
+                        <p:cond delay="indefinite"/>
+                      </p:stCondLst>
+                      <p:childTnLst>
+                        <p:par>
+                          <p:cTn id="22" fill="hold">
+                            <p:stCondLst>
+                              <p:cond delay="0"/>
+                            </p:stCondLst>
+                            <p:childTnLst>
+                              <p:par>
+                                <p:cTn id="23" presetID="2" presetClass="entr" presetSubtype="4" fill="hold" grpId="0" nodeType="clickEffect">
+                                  <p:stCondLst>
+                                    <p:cond delay="0"/>
+                                  </p:stCondLst>
+                                  <p:childTnLst>
+                                    <p:set>
+                                      <p:cBhvr>
+                                        <p:cTn id="24" dur="1" fill="hold">
+                                          <p:stCondLst>
+                                            <p:cond delay="0"/>
+                                          </p:stCondLst>
+                                        </p:cTn>
+                                        <p:tgtEl>
+                                          <p:spTgt spid="3">
+                                            <p:txEl>
+                                              <p:pRg st="3" end="3"/>
+                                            </p:txEl>
+                                          </p:spTgt>
+                                        </p:tgtEl>
+                                        <p:attrNameLst>
+                                          <p:attrName>style.visibility</p:attrName>
+                                        </p:attrNameLst>
+                                      </p:cBhvr>
+                                      <p:to>
+                                        <p:strVal val="visible"/>
+                                      </p:to>
+                                    </p:set>
+                                    <p:anim calcmode="lin" valueType="num">
+                                      <p:cBhvr additive="base">
+                                        <p:cTn id="25" dur="500" fill="hold"/>
+                                        <p:tgtEl>
+                                          <p:spTgt spid="3">
+                                            <p:txEl>
+                                              <p:pRg st="3" end="3"/>
+                                            </p:txEl>
+                                          </p:spTgt>
+                                        </p:tgtEl>
+                                        <p:attrNameLst>
+                                          <p:attrName>ppt_x</p:attrName>
+                                        </p:attrNameLst>
+                                      </p:cBhvr>
+                                      <p:tavLst>
+                                        <p:tav tm="0">
+                                          <p:val>
+                                            <p:strVal val="#ppt_x"/>
+                                          </p:val>
+                                        </p:tav>
+                                        <p:tav tm="100000">
+                                          <p:val>
+                                            <p:strVal val="#ppt_x"/>
+                                          </p:val>
+                                        </p:tav>
+                                      </p:tavLst>
+                                    </p:anim>
+                                    <p:anim calcmode="lin" valueType="num">
+                                      <p:cBhvr additive="base">
+                                        <p:cTn id="26" dur="500" fill="hold"/>
+                                        <p:tgtEl>
+                                          <p:spTgt spid="3">
+                                            <p:txEl>
+                                              <p:pRg st="3" end="3"/>
+                                            </p:txEl>
+                                          </p:spTgt>
+                                        </p:tgtEl>
+                                        <p:attrNameLst>
+                                          <p:attrName>ppt_y</p:attrName>
+                                        </p:attrNameLst>
+                                      </p:cBhvr>
+                                      <p:tavLst>
+                                        <p:tav tm="0">
+                                          <p:val>
+                                            <p:strVal val="1+#ppt_h/2"/>
+                                          </p:val>
+                                        </p:tav>
+                                        <p:tav tm="100000">
+                                          <p:val>
+                                            <p:strVal val="#ppt_y"/>
+                                          </p:val>
+                                        </p:tav>
+                                      </p:tavLst>
+                                    </p:anim>
+                                  </p:childTnLst>
+                                </p:cTn>
+                              </p:par>
+                            </p:childTnLst>
+                          </p:cTn>
+                        </p:par>
+                      </p:childTnLst>
+                    </p:cTn>
+                  </p:par>
+                </p:childTnLst>
+              </p:cTn>
+              <p:prevCondLst>
+                <p:cond evt="onPrev" delay="0">
+                  <p:tgtEl>
+                    <p:sldTgt/>
+                  </p:tgtEl>
+                </p:cond>
+              </p:prevCondLst>
+              <p:nextCondLst>
+                <p:cond evt="onNext" delay="0">
+                  <p:tgtEl>
+                    <p:sldTgt/>
+                  </p:tgtEl>
+                </p:cond>
+              </p:nextCondLst>
+            </p:seq>
+          </p:childTnLst>
+        </p:cTn>
+      </p:par>
+    </p:tnLst>
+    <p:bldLst>
+      <p:bldP spid="3" grpId="0" build="p"/>
+    </p:bldLst>
+  </p:timing>
 </p:sld>
 </file>
 
